--- a/qa/Ppt/pptx/26 slides of data.pptx
+++ b/qa/Ppt/pptx/26 slides of data.pptx
@@ -1,6 +1,6 @@
 
 <file path=ppt/presentation.xml><?xml version="1.0" encoding="utf-8"?>
-<p:presentation xmlns:a="http://schemas.openxmlformats.org/drawingml/2006/main" xmlns:r="http://schemas.openxmlformats.org/officeDocument/2006/relationships" xmlns:p="http://schemas.openxmlformats.org/presentationml/2006/main" xmlns:m="http://schemas.openxmlformats.org/officeDocument/2006/math" xmlns:w="http://schemas.openxmlformats.org/wordprocessingml/2006/main" saveSubsetFonts="1">
+<p:presentation xmlns:a="http://schemas.openxmlformats.org/drawingml/2006/main" xmlns:r="http://schemas.openxmlformats.org/officeDocument/2006/relationships" xmlns:p="http://schemas.openxmlformats.org/presentationml/2006/main" xmlns:m="http://schemas.openxmlformats.org/officeDocument/2006/math" xmlns:w="http://schemas.openxmlformats.org/wordprocessingml/2006/main" autoCompressPictures="0" saveSubsetFonts="1">
   <p:sldMasterIdLst>
     <p:sldMasterId id="2147483648" r:id="rId1"/>
   </p:sldMasterIdLst>
@@ -35,13 +35,13 @@
     <p:sldId id="280" r:id="rId28"/>
     <p:sldId id="281" r:id="rId29"/>
   </p:sldIdLst>
-  <p:sldSz cx="12192000" cy="6858000"/>
+  <p:sldSz cx="9144000" cy="6858000" type="screen4x3"/>
   <p:notesSz cx="6858000" cy="9144000"/>
   <p:defaultTextStyle>
     <a:defPPr>
       <a:defRPr lang="en-US"/>
     </a:defPPr>
-    <a:lvl1pPr marL="0" algn="l" defTabSz="914400" rtl="0">
+    <a:lvl1pPr marL="0" algn="l" defTabSz="457200" rtl="0">
       <a:defRPr sz="1800">
         <a:solidFill>
           <a:schemeClr val="tx1"/>
@@ -51,7 +51,7 @@
         <a:cs typeface="+mn-cs"/>
       </a:defRPr>
     </a:lvl1pPr>
-    <a:lvl2pPr marL="457200" algn="l" defTabSz="914400" rtl="0">
+    <a:lvl2pPr marL="457200" algn="l" defTabSz="457200" rtl="0">
       <a:defRPr sz="1800">
         <a:solidFill>
           <a:schemeClr val="tx1"/>
@@ -61,7 +61,7 @@
         <a:cs typeface="+mn-cs"/>
       </a:defRPr>
     </a:lvl2pPr>
-    <a:lvl3pPr marL="914400" algn="l" defTabSz="914400" rtl="0">
+    <a:lvl3pPr marL="914400" algn="l" defTabSz="457200" rtl="0">
       <a:defRPr sz="1800">
         <a:solidFill>
           <a:schemeClr val="tx1"/>
@@ -71,7 +71,7 @@
         <a:cs typeface="+mn-cs"/>
       </a:defRPr>
     </a:lvl3pPr>
-    <a:lvl4pPr marL="1371600" algn="l" defTabSz="914400" rtl="0">
+    <a:lvl4pPr marL="1371600" algn="l" defTabSz="457200" rtl="0">
       <a:defRPr sz="1800">
         <a:solidFill>
           <a:schemeClr val="tx1"/>
@@ -81,7 +81,7 @@
         <a:cs typeface="+mn-cs"/>
       </a:defRPr>
     </a:lvl4pPr>
-    <a:lvl5pPr marL="1828800" algn="l" defTabSz="914400" rtl="0">
+    <a:lvl5pPr marL="1828800" algn="l" defTabSz="457200" rtl="0">
       <a:defRPr sz="1800">
         <a:solidFill>
           <a:schemeClr val="tx1"/>
@@ -91,7 +91,7 @@
         <a:cs typeface="+mn-cs"/>
       </a:defRPr>
     </a:lvl5pPr>
-    <a:lvl6pPr marL="2286000" algn="l" defTabSz="914400" rtl="0">
+    <a:lvl6pPr marL="2286000" algn="l" defTabSz="457200" rtl="0">
       <a:defRPr sz="1800">
         <a:solidFill>
           <a:schemeClr val="tx1"/>
@@ -101,7 +101,7 @@
         <a:cs typeface="+mn-cs"/>
       </a:defRPr>
     </a:lvl6pPr>
-    <a:lvl7pPr marL="2743200" algn="l" defTabSz="914400" rtl="0">
+    <a:lvl7pPr marL="2743200" algn="l" defTabSz="457200" rtl="0">
       <a:defRPr sz="1800">
         <a:solidFill>
           <a:schemeClr val="tx1"/>
@@ -111,7 +111,7 @@
         <a:cs typeface="+mn-cs"/>
       </a:defRPr>
     </a:lvl7pPr>
-    <a:lvl8pPr marL="3200400" algn="l" defTabSz="914400" rtl="0">
+    <a:lvl8pPr marL="3200400" algn="l" defTabSz="457200" rtl="0">
       <a:defRPr sz="1800">
         <a:solidFill>
           <a:schemeClr val="tx1"/>
@@ -121,7 +121,7 @@
         <a:cs typeface="+mn-cs"/>
       </a:defRPr>
     </a:lvl8pPr>
-    <a:lvl9pPr marL="3657600" algn="l" defTabSz="914400" rtl="0">
+    <a:lvl9pPr marL="3657600" algn="l" defTabSz="457200" rtl="0">
       <a:defRPr sz="1800">
         <a:solidFill>
           <a:schemeClr val="tx1"/>
@@ -159,7 +159,7 @@
       </p:grpSpPr>
       <p:sp>
         <p:nvSpPr>
-          <p:cNvPr id="268358139" name="Header Placeholder 1"/>
+          <p:cNvPr id="2" name="Header Placeholder 1"/>
           <p:cNvSpPr>
             <a:spLocks noGrp="1"/>
           </p:cNvSpPr>
@@ -177,7 +177,7 @@
           </a:prstGeom>
         </p:spPr>
         <p:txBody>
-          <a:bodyPr vert="horz" lIns="91440" tIns="45720" rIns="91440" bIns="45720" rtlCol="0"/>
+          <a:bodyPr vert="horz" lIns="91440" tIns="45720" rIns="91440" bIns="45720" rtlCol="0" anchor="ctr"/>
           <a:lstStyle>
             <a:lvl1pPr algn="l">
               <a:defRPr sz="1200"/>
@@ -187,18 +187,18 @@
             <a:pPr>
               <a:defRPr/>
             </a:pPr>
-            <a:endParaRPr lang="en-US"/>
-          </a:p>
-        </p:txBody>
-      </p:sp>
-      <p:sp>
-        <p:nvSpPr>
-          <p:cNvPr id="1730216925" name="Date Placeholder 2"/>
-          <p:cNvSpPr>
-            <a:spLocks noGrp="1"/>
-          </p:cNvSpPr>
-          <p:nvPr>
-            <p:ph type="dt" idx="1"/>
+            <a:endParaRPr/>
+          </a:p>
+        </p:txBody>
+      </p:sp>
+      <p:sp>
+        <p:nvSpPr>
+          <p:cNvPr id="3" name="Date Placeholder 2"/>
+          <p:cNvSpPr>
+            <a:spLocks noGrp="1"/>
+          </p:cNvSpPr>
+          <p:nvPr>
+            <p:ph type="dt" idx="2"/>
           </p:nvPr>
         </p:nvSpPr>
         <p:spPr bwMode="auto">
@@ -211,7 +211,7 @@
           </a:prstGeom>
         </p:spPr>
         <p:txBody>
-          <a:bodyPr vert="horz" lIns="91440" tIns="45720" rIns="91440" bIns="45720" rtlCol="0"/>
+          <a:bodyPr vert="horz" lIns="91440" tIns="45720" rIns="91440" bIns="45720" rtlCol="0" anchor="ctr"/>
           <a:lstStyle>
             <a:lvl1pPr algn="r">
               <a:defRPr sz="1200"/>
@@ -221,58 +221,52 @@
             <a:pPr>
               <a:defRPr/>
             </a:pPr>
-            <a:fld id="{3632E96E-41F7-40C5-8419-297958CC00FA}" type="datetimeFigureOut">
-              <a:rPr lang="en-US"/>
-              <a:t>10/30/2013</a:t>
-            </a:fld>
-            <a:endParaRPr lang="en-US"/>
-          </a:p>
-        </p:txBody>
-      </p:sp>
-      <p:sp>
-        <p:nvSpPr>
-          <p:cNvPr id="1054133195" name="Slide Image Placeholder 3"/>
-          <p:cNvSpPr>
-            <a:spLocks noChangeAspect="1" noGrp="1" noRot="1"/>
-          </p:cNvSpPr>
-          <p:nvPr>
-            <p:ph type="sldImg" idx="2"/>
+            <a:endParaRPr/>
+          </a:p>
+        </p:txBody>
+      </p:sp>
+      <p:sp>
+        <p:nvSpPr>
+          <p:cNvPr id="3" name="Date Placeholder 2"/>
+          <p:cNvSpPr>
+            <a:spLocks noGrp="1"/>
+          </p:cNvSpPr>
+          <p:nvPr>
+            <p:ph type="dt" idx="3"/>
           </p:nvPr>
         </p:nvSpPr>
         <p:spPr bwMode="auto">
           <a:xfrm>
-            <a:off x="685800" y="1143000"/>
-            <a:ext cx="5486400" cy="3086100"/>
+            <a:off x="3884613" y="0"/>
+            <a:ext cx="2971800" cy="458788"/>
           </a:xfrm>
           <a:prstGeom prst="rect">
             <a:avLst/>
           </a:prstGeom>
-          <a:noFill/>
-          <a:ln w="12700">
-            <a:solidFill>
-              <a:prstClr val="black"/>
-            </a:solidFill>
-          </a:ln>
         </p:spPr>
         <p:txBody>
           <a:bodyPr vert="horz" lIns="91440" tIns="45720" rIns="91440" bIns="45720" rtlCol="0" anchor="ctr"/>
-          <a:lstStyle/>
-          <a:p>
-            <a:pPr>
-              <a:defRPr/>
-            </a:pPr>
-            <a:endParaRPr lang="en-US"/>
-          </a:p>
-        </p:txBody>
-      </p:sp>
-      <p:sp>
-        <p:nvSpPr>
-          <p:cNvPr id="1031333936" name="Notes Placeholder 4"/>
-          <p:cNvSpPr>
-            <a:spLocks noGrp="1"/>
-          </p:cNvSpPr>
-          <p:nvPr>
-            <p:ph type="body" sz="quarter" idx="3"/>
+          <a:lstStyle>
+            <a:lvl1pPr algn="r">
+              <a:defRPr sz="1200"/>
+            </a:lvl1pPr>
+          </a:lstStyle>
+          <a:p>
+            <a:pPr>
+              <a:defRPr/>
+            </a:pPr>
+            <a:endParaRPr/>
+          </a:p>
+        </p:txBody>
+      </p:sp>
+      <p:sp>
+        <p:nvSpPr>
+          <p:cNvPr id="5" name="Notes Placeholder 4"/>
+          <p:cNvSpPr>
+            <a:spLocks noGrp="1"/>
+          </p:cNvSpPr>
+          <p:nvPr>
+            <p:ph type="body" sz="quarter" idx="1"/>
           </p:nvPr>
         </p:nvSpPr>
         <p:spPr bwMode="auto">
@@ -285,63 +279,19 @@
           </a:prstGeom>
         </p:spPr>
         <p:txBody>
-          <a:bodyPr vert="horz" lIns="91440" tIns="45720" rIns="91440" bIns="45720" rtlCol="0"/>
-          <a:lstStyle/>
-          <a:p>
-            <a:pPr lvl="0">
-              <a:defRPr/>
-            </a:pPr>
-            <a:r>
-              <a:rPr lang="en-US"/>
-              <a:t>Click to edit Master text styles</a:t>
-            </a:r>
-            <a:endParaRPr/>
-          </a:p>
-          <a:p>
-            <a:pPr lvl="1">
-              <a:defRPr/>
-            </a:pPr>
-            <a:r>
-              <a:rPr lang="en-US"/>
-              <a:t>Second level</a:t>
-            </a:r>
-            <a:endParaRPr/>
-          </a:p>
-          <a:p>
-            <a:pPr lvl="2">
-              <a:defRPr/>
-            </a:pPr>
-            <a:r>
-              <a:rPr lang="en-US"/>
-              <a:t>Third level</a:t>
-            </a:r>
-            <a:endParaRPr/>
-          </a:p>
-          <a:p>
-            <a:pPr lvl="3">
-              <a:defRPr/>
-            </a:pPr>
-            <a:r>
-              <a:rPr lang="en-US"/>
-              <a:t>Fourth level</a:t>
-            </a:r>
-            <a:endParaRPr/>
-          </a:p>
-          <a:p>
-            <a:pPr lvl="4">
-              <a:defRPr/>
-            </a:pPr>
-            <a:r>
-              <a:rPr lang="en-US"/>
-              <a:t>Fifth level</a:t>
-            </a:r>
-            <a:endParaRPr lang="en-US"/>
-          </a:p>
-        </p:txBody>
-      </p:sp>
-      <p:sp>
-        <p:nvSpPr>
-          <p:cNvPr id="1402679540" name="Footer Placeholder 5"/>
+          <a:bodyPr vert="horz" lIns="91440" tIns="45720" rIns="91440" bIns="45720" rtlCol="0" anchor="ctr"/>
+          <a:lstStyle/>
+          <a:p>
+            <a:pPr>
+              <a:defRPr/>
+            </a:pPr>
+            <a:endParaRPr/>
+          </a:p>
+        </p:txBody>
+      </p:sp>
+      <p:sp>
+        <p:nvSpPr>
+          <p:cNvPr id="6" name="Footer Placeholder 5"/>
           <p:cNvSpPr>
             <a:spLocks noGrp="1"/>
           </p:cNvSpPr>
@@ -369,18 +319,18 @@
             <a:pPr>
               <a:defRPr/>
             </a:pPr>
-            <a:endParaRPr lang="en-US"/>
-          </a:p>
-        </p:txBody>
-      </p:sp>
-      <p:sp>
-        <p:nvSpPr>
-          <p:cNvPr id="207706179" name="Slide Number Placeholder 6"/>
-          <p:cNvSpPr>
-            <a:spLocks noGrp="1"/>
-          </p:cNvSpPr>
-          <p:nvPr>
-            <p:ph type="sldNum" sz="quarter" idx="5"/>
+            <a:endParaRPr/>
+          </a:p>
+        </p:txBody>
+      </p:sp>
+      <p:sp>
+        <p:nvSpPr>
+          <p:cNvPr id="7" name="Slide Number Placeholder 6"/>
+          <p:cNvSpPr>
+            <a:spLocks noGrp="1"/>
+          </p:cNvSpPr>
+          <p:nvPr>
+            <p:ph type="sldNum" sz="quarter" idx="10"/>
           </p:nvPr>
         </p:nvSpPr>
         <p:spPr bwMode="auto">
@@ -403,11 +353,7 @@
             <a:pPr>
               <a:defRPr/>
             </a:pPr>
-            <a:fld id="{2E6999B8-B6B4-4561-A3CD-BBCDAB9FC9D9}" type="slidenum">
-              <a:rPr lang="en-US"/>
-              <a:t>‹#›</a:t>
-            </a:fld>
-            <a:endParaRPr lang="en-US"/>
+            <a:endParaRPr/>
           </a:p>
         </p:txBody>
       </p:sp>
@@ -415,7 +361,7 @@
   </p:cSld>
   <p:clrMap bg1="lt1" tx1="dk1" bg2="lt2" tx2="dk2" accent1="accent1" accent2="accent2" accent3="accent3" accent4="accent4" accent5="accent5" accent6="accent6" hlink="hlink" folHlink="folHlink"/>
   <p:notesStyle>
-    <a:lvl1pPr marL="0" algn="l" defTabSz="914400" rtl="0">
+    <a:lvl1pPr marL="0" algn="l" defTabSz="914400">
       <a:defRPr sz="1200">
         <a:solidFill>
           <a:schemeClr val="tx1"/>
@@ -425,7 +371,7 @@
         <a:cs typeface="+mn-cs"/>
       </a:defRPr>
     </a:lvl1pPr>
-    <a:lvl2pPr marL="457200" algn="l" defTabSz="914400" rtl="0">
+    <a:lvl2pPr marL="457200" algn="l" defTabSz="914400">
       <a:defRPr sz="1200">
         <a:solidFill>
           <a:schemeClr val="tx1"/>
@@ -435,7 +381,7 @@
         <a:cs typeface="+mn-cs"/>
       </a:defRPr>
     </a:lvl2pPr>
-    <a:lvl3pPr marL="914400" algn="l" defTabSz="914400" rtl="0">
+    <a:lvl3pPr marL="914400" algn="l" defTabSz="914400">
       <a:defRPr sz="1200">
         <a:solidFill>
           <a:schemeClr val="tx1"/>
@@ -445,7 +391,7 @@
         <a:cs typeface="+mn-cs"/>
       </a:defRPr>
     </a:lvl3pPr>
-    <a:lvl4pPr marL="1371600" algn="l" defTabSz="914400" rtl="0">
+    <a:lvl4pPr marL="1371600" algn="l" defTabSz="914400">
       <a:defRPr sz="1200">
         <a:solidFill>
           <a:schemeClr val="tx1"/>
@@ -455,7 +401,7 @@
         <a:cs typeface="+mn-cs"/>
       </a:defRPr>
     </a:lvl4pPr>
-    <a:lvl5pPr marL="1828800" algn="l" defTabSz="914400" rtl="0">
+    <a:lvl5pPr marL="1828800" algn="l" defTabSz="914400">
       <a:defRPr sz="1200">
         <a:solidFill>
           <a:schemeClr val="tx1"/>
@@ -465,7 +411,7 @@
         <a:cs typeface="+mn-cs"/>
       </a:defRPr>
     </a:lvl5pPr>
-    <a:lvl6pPr marL="2286000" algn="l" defTabSz="914400" rtl="0">
+    <a:lvl6pPr marL="2286000" algn="l" defTabSz="914400">
       <a:defRPr sz="1200">
         <a:solidFill>
           <a:schemeClr val="tx1"/>
@@ -475,7 +421,7 @@
         <a:cs typeface="+mn-cs"/>
       </a:defRPr>
     </a:lvl6pPr>
-    <a:lvl7pPr marL="2743200" algn="l" defTabSz="914400" rtl="0">
+    <a:lvl7pPr marL="2743200" algn="l" defTabSz="914400">
       <a:defRPr sz="1200">
         <a:solidFill>
           <a:schemeClr val="tx1"/>
@@ -485,7 +431,7 @@
         <a:cs typeface="+mn-cs"/>
       </a:defRPr>
     </a:lvl7pPr>
-    <a:lvl8pPr marL="3200400" algn="l" defTabSz="914400" rtl="0">
+    <a:lvl8pPr marL="3200400" algn="l" defTabSz="914400">
       <a:defRPr sz="1200">
         <a:solidFill>
           <a:schemeClr val="tx1"/>
@@ -495,7 +441,7 @@
         <a:cs typeface="+mn-cs"/>
       </a:defRPr>
     </a:lvl8pPr>
-    <a:lvl9pPr marL="3657600" algn="l" defTabSz="914400" rtl="0">
+    <a:lvl9pPr marL="3657600" algn="l" defTabSz="914400">
       <a:defRPr sz="1200">
         <a:solidFill>
           <a:schemeClr val="tx1"/>
@@ -528,7 +474,7 @@
       </p:grpSpPr>
       <p:sp>
         <p:nvSpPr>
-          <p:cNvPr id="1174348783" name="Slide Image Placeholder 1"/>
+          <p:cNvPr id="2" name="Slide Image Placeholder 1"/>
           <p:cNvSpPr>
             <a:spLocks noChangeAspect="1" noGrp="1" noRot="1"/>
           </p:cNvSpPr>
@@ -536,16 +482,11 @@
             <p:ph type="sldImg"/>
           </p:nvPr>
         </p:nvSpPr>
-        <p:spPr bwMode="auto">
-          <a:xfrm>
-            <a:off x="685800" y="1143000"/>
-            <a:ext cx="5486400" cy="3086100"/>
-          </a:xfrm>
-        </p:spPr>
-      </p:sp>
-      <p:sp>
-        <p:nvSpPr>
-          <p:cNvPr id="1148848912" name="Notes Placeholder 2"/>
+        <p:spPr bwMode="auto"/>
+      </p:sp>
+      <p:sp>
+        <p:nvSpPr>
+          <p:cNvPr id="3" name="Notes Placeholder 2"/>
           <p:cNvSpPr>
             <a:spLocks noGrp="1"/>
           </p:cNvSpPr>
@@ -561,16 +502,13 @@
             <a:pPr>
               <a:defRPr/>
             </a:pPr>
-            <a:endParaRPr lang="en-US">
-              <a:latin typeface="Arial"/>
-              <a:cs typeface="Arial"/>
-            </a:endParaRPr>
-          </a:p>
-        </p:txBody>
-      </p:sp>
-      <p:sp>
-        <p:nvSpPr>
-          <p:cNvPr id="280417678" name="Slide Number Placeholder 3"/>
+            <a:endParaRPr/>
+          </a:p>
+        </p:txBody>
+      </p:sp>
+      <p:sp>
+        <p:nvSpPr>
+          <p:cNvPr id="4" name="Slide Number Placeholder 3"/>
           <p:cNvSpPr>
             <a:spLocks noGrp="1"/>
           </p:cNvSpPr>
@@ -586,11 +524,11 @@
             <a:pPr>
               <a:defRPr/>
             </a:pPr>
-            <a:fld id="{2B062AEE-09F6-35F0-3A91-784F537244DA}" type="slidenum">
-              <a:rPr lang="en-US"/>
+            <a:fld id="{207D509B-4674-68ED-2D4D-1CFE2EF32A28}" type="slidenum">
+              <a:rPr/>
               <a:t/>
             </a:fld>
-            <a:endParaRPr lang="en-US"/>
+            <a:endParaRPr/>
           </a:p>
         </p:txBody>
       </p:sp>
@@ -621,7 +559,7 @@
       </p:grpSpPr>
       <p:sp>
         <p:nvSpPr>
-          <p:cNvPr id="919937015" name="Slide Image Placeholder 1"/>
+          <p:cNvPr id="2" name="Slide Image Placeholder 1"/>
           <p:cNvSpPr>
             <a:spLocks noChangeAspect="1" noGrp="1" noRot="1"/>
           </p:cNvSpPr>
@@ -629,16 +567,11 @@
             <p:ph type="sldImg"/>
           </p:nvPr>
         </p:nvSpPr>
-        <p:spPr bwMode="auto">
-          <a:xfrm>
-            <a:off x="685800" y="1143000"/>
-            <a:ext cx="5486400" cy="3086100"/>
-          </a:xfrm>
-        </p:spPr>
-      </p:sp>
-      <p:sp>
-        <p:nvSpPr>
-          <p:cNvPr id="1427712332" name="Notes Placeholder 2"/>
+        <p:spPr bwMode="auto"/>
+      </p:sp>
+      <p:sp>
+        <p:nvSpPr>
+          <p:cNvPr id="3" name="Notes Placeholder 2"/>
           <p:cNvSpPr>
             <a:spLocks noGrp="1"/>
           </p:cNvSpPr>
@@ -654,16 +587,13 @@
             <a:pPr>
               <a:defRPr/>
             </a:pPr>
-            <a:endParaRPr lang="en-US">
-              <a:latin typeface="Arial"/>
-              <a:cs typeface="Arial"/>
-            </a:endParaRPr>
-          </a:p>
-        </p:txBody>
-      </p:sp>
-      <p:sp>
-        <p:nvSpPr>
-          <p:cNvPr id="521492124" name="Slide Number Placeholder 3"/>
+            <a:endParaRPr/>
+          </a:p>
+        </p:txBody>
+      </p:sp>
+      <p:sp>
+        <p:nvSpPr>
+          <p:cNvPr id="4" name="Slide Number Placeholder 3"/>
           <p:cNvSpPr>
             <a:spLocks noGrp="1"/>
           </p:cNvSpPr>
@@ -679,11 +609,11 @@
             <a:pPr>
               <a:defRPr/>
             </a:pPr>
-            <a:fld id="{777D946C-4ECF-443A-3499-22CDFE31E88E}" type="slidenum">
-              <a:rPr lang="en-US"/>
+            <a:fld id="{5BF9CCA5-2B9E-A952-5B2E-FF66072F6DDD}" type="slidenum">
+              <a:rPr/>
               <a:t/>
             </a:fld>
-            <a:endParaRPr lang="en-US"/>
+            <a:endParaRPr/>
           </a:p>
         </p:txBody>
       </p:sp>
@@ -714,7 +644,7 @@
       </p:grpSpPr>
       <p:sp>
         <p:nvSpPr>
-          <p:cNvPr id="2041757344" name="Slide Image Placeholder 1"/>
+          <p:cNvPr id="2" name="Slide Image Placeholder 1"/>
           <p:cNvSpPr>
             <a:spLocks noChangeAspect="1" noGrp="1" noRot="1"/>
           </p:cNvSpPr>
@@ -722,16 +652,11 @@
             <p:ph type="sldImg"/>
           </p:nvPr>
         </p:nvSpPr>
-        <p:spPr bwMode="auto">
-          <a:xfrm>
-            <a:off x="685800" y="1143000"/>
-            <a:ext cx="5486400" cy="3086100"/>
-          </a:xfrm>
-        </p:spPr>
-      </p:sp>
-      <p:sp>
-        <p:nvSpPr>
-          <p:cNvPr id="22549486" name="Notes Placeholder 2"/>
+        <p:spPr bwMode="auto"/>
+      </p:sp>
+      <p:sp>
+        <p:nvSpPr>
+          <p:cNvPr id="3" name="Notes Placeholder 2"/>
           <p:cNvSpPr>
             <a:spLocks noGrp="1"/>
           </p:cNvSpPr>
@@ -747,16 +672,13 @@
             <a:pPr>
               <a:defRPr/>
             </a:pPr>
-            <a:endParaRPr lang="en-US">
-              <a:latin typeface="Arial"/>
-              <a:cs typeface="Arial"/>
-            </a:endParaRPr>
-          </a:p>
-        </p:txBody>
-      </p:sp>
-      <p:sp>
-        <p:nvSpPr>
-          <p:cNvPr id="1090093558" name="Slide Number Placeholder 3"/>
+            <a:endParaRPr/>
+          </a:p>
+        </p:txBody>
+      </p:sp>
+      <p:sp>
+        <p:nvSpPr>
+          <p:cNvPr id="4" name="Slide Number Placeholder 3"/>
           <p:cNvSpPr>
             <a:spLocks noGrp="1"/>
           </p:cNvSpPr>
@@ -772,11 +694,11 @@
             <a:pPr>
               <a:defRPr/>
             </a:pPr>
-            <a:fld id="{77DF61F8-71FF-4B15-4ABB-7C12FC64245B}" type="slidenum">
-              <a:rPr lang="en-US"/>
+            <a:fld id="{9D6225F6-888B-1353-2537-F08A15E7F81B}" type="slidenum">
+              <a:rPr/>
               <a:t/>
             </a:fld>
-            <a:endParaRPr lang="en-US"/>
+            <a:endParaRPr/>
           </a:p>
         </p:txBody>
       </p:sp>
@@ -807,7 +729,7 @@
       </p:grpSpPr>
       <p:sp>
         <p:nvSpPr>
-          <p:cNvPr id="941745319" name="Slide Image Placeholder 1"/>
+          <p:cNvPr id="2" name="Slide Image Placeholder 1"/>
           <p:cNvSpPr>
             <a:spLocks noChangeAspect="1" noGrp="1" noRot="1"/>
           </p:cNvSpPr>
@@ -815,16 +737,11 @@
             <p:ph type="sldImg"/>
           </p:nvPr>
         </p:nvSpPr>
-        <p:spPr bwMode="auto">
-          <a:xfrm>
-            <a:off x="685800" y="1143000"/>
-            <a:ext cx="5486400" cy="3086100"/>
-          </a:xfrm>
-        </p:spPr>
-      </p:sp>
-      <p:sp>
-        <p:nvSpPr>
-          <p:cNvPr id="744641704" name="Notes Placeholder 2"/>
+        <p:spPr bwMode="auto"/>
+      </p:sp>
+      <p:sp>
+        <p:nvSpPr>
+          <p:cNvPr id="3" name="Notes Placeholder 2"/>
           <p:cNvSpPr>
             <a:spLocks noGrp="1"/>
           </p:cNvSpPr>
@@ -840,16 +757,13 @@
             <a:pPr>
               <a:defRPr/>
             </a:pPr>
-            <a:endParaRPr lang="en-US">
-              <a:latin typeface="Arial"/>
-              <a:cs typeface="Arial"/>
-            </a:endParaRPr>
-          </a:p>
-        </p:txBody>
-      </p:sp>
-      <p:sp>
-        <p:nvSpPr>
-          <p:cNvPr id="455475825" name="Slide Number Placeholder 3"/>
+            <a:endParaRPr/>
+          </a:p>
+        </p:txBody>
+      </p:sp>
+      <p:sp>
+        <p:nvSpPr>
+          <p:cNvPr id="4" name="Slide Number Placeholder 3"/>
           <p:cNvSpPr>
             <a:spLocks noGrp="1"/>
           </p:cNvSpPr>
@@ -865,11 +779,11 @@
             <a:pPr>
               <a:defRPr/>
             </a:pPr>
-            <a:fld id="{104B7105-4809-9479-FFB8-9BB9E27796B3}" type="slidenum">
-              <a:rPr lang="en-US"/>
+            <a:fld id="{A7897C9D-1F9A-1EBC-9194-A571C5BDD164}" type="slidenum">
+              <a:rPr/>
               <a:t/>
             </a:fld>
-            <a:endParaRPr lang="en-US"/>
+            <a:endParaRPr/>
           </a:p>
         </p:txBody>
       </p:sp>
@@ -900,7 +814,7 @@
       </p:grpSpPr>
       <p:sp>
         <p:nvSpPr>
-          <p:cNvPr id="609763259" name="Slide Image Placeholder 1"/>
+          <p:cNvPr id="2" name="Slide Image Placeholder 1"/>
           <p:cNvSpPr>
             <a:spLocks noChangeAspect="1" noGrp="1" noRot="1"/>
           </p:cNvSpPr>
@@ -908,16 +822,11 @@
             <p:ph type="sldImg"/>
           </p:nvPr>
         </p:nvSpPr>
-        <p:spPr bwMode="auto">
-          <a:xfrm>
-            <a:off x="685800" y="1143000"/>
-            <a:ext cx="5486400" cy="3086100"/>
-          </a:xfrm>
-        </p:spPr>
-      </p:sp>
-      <p:sp>
-        <p:nvSpPr>
-          <p:cNvPr id="484956962" name="Notes Placeholder 2"/>
+        <p:spPr bwMode="auto"/>
+      </p:sp>
+      <p:sp>
+        <p:nvSpPr>
+          <p:cNvPr id="3" name="Notes Placeholder 2"/>
           <p:cNvSpPr>
             <a:spLocks noGrp="1"/>
           </p:cNvSpPr>
@@ -933,16 +842,13 @@
             <a:pPr>
               <a:defRPr/>
             </a:pPr>
-            <a:endParaRPr lang="en-US">
-              <a:latin typeface="Arial"/>
-              <a:cs typeface="Arial"/>
-            </a:endParaRPr>
-          </a:p>
-        </p:txBody>
-      </p:sp>
-      <p:sp>
-        <p:nvSpPr>
-          <p:cNvPr id="1837855558" name="Slide Number Placeholder 3"/>
+            <a:endParaRPr/>
+          </a:p>
+        </p:txBody>
+      </p:sp>
+      <p:sp>
+        <p:nvSpPr>
+          <p:cNvPr id="4" name="Slide Number Placeholder 3"/>
           <p:cNvSpPr>
             <a:spLocks noGrp="1"/>
           </p:cNvSpPr>
@@ -958,11 +864,11 @@
             <a:pPr>
               <a:defRPr/>
             </a:pPr>
-            <a:fld id="{08B44C91-89EB-0186-06A2-1872F7C64FB2}" type="slidenum">
-              <a:rPr lang="en-US"/>
+            <a:fld id="{B2BC9669-5886-6EE1-D73D-A6E464D46928}" type="slidenum">
+              <a:rPr/>
               <a:t/>
             </a:fld>
-            <a:endParaRPr lang="en-US"/>
+            <a:endParaRPr/>
           </a:p>
         </p:txBody>
       </p:sp>
@@ -993,7 +899,7 @@
       </p:grpSpPr>
       <p:sp>
         <p:nvSpPr>
-          <p:cNvPr id="1936195450" name="Slide Image Placeholder 1"/>
+          <p:cNvPr id="2" name="Slide Image Placeholder 1"/>
           <p:cNvSpPr>
             <a:spLocks noChangeAspect="1" noGrp="1" noRot="1"/>
           </p:cNvSpPr>
@@ -1001,16 +907,11 @@
             <p:ph type="sldImg"/>
           </p:nvPr>
         </p:nvSpPr>
-        <p:spPr bwMode="auto">
-          <a:xfrm>
-            <a:off x="685800" y="1143000"/>
-            <a:ext cx="5486400" cy="3086100"/>
-          </a:xfrm>
-        </p:spPr>
-      </p:sp>
-      <p:sp>
-        <p:nvSpPr>
-          <p:cNvPr id="766695535" name="Notes Placeholder 2"/>
+        <p:spPr bwMode="auto"/>
+      </p:sp>
+      <p:sp>
+        <p:nvSpPr>
+          <p:cNvPr id="3" name="Notes Placeholder 2"/>
           <p:cNvSpPr>
             <a:spLocks noGrp="1"/>
           </p:cNvSpPr>
@@ -1026,16 +927,13 @@
             <a:pPr>
               <a:defRPr/>
             </a:pPr>
-            <a:endParaRPr lang="en-US">
-              <a:latin typeface="Arial"/>
-              <a:cs typeface="Arial"/>
-            </a:endParaRPr>
-          </a:p>
-        </p:txBody>
-      </p:sp>
-      <p:sp>
-        <p:nvSpPr>
-          <p:cNvPr id="979868249" name="Slide Number Placeholder 3"/>
+            <a:endParaRPr/>
+          </a:p>
+        </p:txBody>
+      </p:sp>
+      <p:sp>
+        <p:nvSpPr>
+          <p:cNvPr id="4" name="Slide Number Placeholder 3"/>
           <p:cNvSpPr>
             <a:spLocks noGrp="1"/>
           </p:cNvSpPr>
@@ -1051,11 +949,11 @@
             <a:pPr>
               <a:defRPr/>
             </a:pPr>
-            <a:fld id="{E8EB65DD-12CA-CCD4-2243-80FB65F4E201}" type="slidenum">
-              <a:rPr lang="en-US"/>
+            <a:fld id="{1769DD5F-02E1-8E55-CA70-8519D885D983}" type="slidenum">
+              <a:rPr/>
               <a:t/>
             </a:fld>
-            <a:endParaRPr lang="en-US"/>
+            <a:endParaRPr/>
           </a:p>
         </p:txBody>
       </p:sp>
@@ -1086,7 +984,7 @@
       </p:grpSpPr>
       <p:sp>
         <p:nvSpPr>
-          <p:cNvPr id="1985685169" name="Slide Image Placeholder 1"/>
+          <p:cNvPr id="2" name="Slide Image Placeholder 1"/>
           <p:cNvSpPr>
             <a:spLocks noChangeAspect="1" noGrp="1" noRot="1"/>
           </p:cNvSpPr>
@@ -1094,16 +992,11 @@
             <p:ph type="sldImg"/>
           </p:nvPr>
         </p:nvSpPr>
-        <p:spPr bwMode="auto">
-          <a:xfrm>
-            <a:off x="685800" y="1143000"/>
-            <a:ext cx="5486400" cy="3086100"/>
-          </a:xfrm>
-        </p:spPr>
-      </p:sp>
-      <p:sp>
-        <p:nvSpPr>
-          <p:cNvPr id="144022729" name="Notes Placeholder 2"/>
+        <p:spPr bwMode="auto"/>
+      </p:sp>
+      <p:sp>
+        <p:nvSpPr>
+          <p:cNvPr id="3" name="Notes Placeholder 2"/>
           <p:cNvSpPr>
             <a:spLocks noGrp="1"/>
           </p:cNvSpPr>
@@ -1119,16 +1012,13 @@
             <a:pPr>
               <a:defRPr/>
             </a:pPr>
-            <a:endParaRPr lang="en-US">
-              <a:latin typeface="Arial"/>
-              <a:cs typeface="Arial"/>
-            </a:endParaRPr>
-          </a:p>
-        </p:txBody>
-      </p:sp>
-      <p:sp>
-        <p:nvSpPr>
-          <p:cNvPr id="480228141" name="Slide Number Placeholder 3"/>
+            <a:endParaRPr/>
+          </a:p>
+        </p:txBody>
+      </p:sp>
+      <p:sp>
+        <p:nvSpPr>
+          <p:cNvPr id="4" name="Slide Number Placeholder 3"/>
           <p:cNvSpPr>
             <a:spLocks noGrp="1"/>
           </p:cNvSpPr>
@@ -1144,11 +1034,11 @@
             <a:pPr>
               <a:defRPr/>
             </a:pPr>
-            <a:fld id="{EC910832-B622-4D02-FB3F-5E7585189AA8}" type="slidenum">
-              <a:rPr lang="en-US"/>
+            <a:fld id="{6E4104D1-0E39-CA72-3A70-D1B4781D472D}" type="slidenum">
+              <a:rPr/>
               <a:t/>
             </a:fld>
-            <a:endParaRPr lang="en-US"/>
+            <a:endParaRPr/>
           </a:p>
         </p:txBody>
       </p:sp>
@@ -1179,7 +1069,7 @@
       </p:grpSpPr>
       <p:sp>
         <p:nvSpPr>
-          <p:cNvPr id="577876669" name="Slide Image Placeholder 1"/>
+          <p:cNvPr id="2" name="Slide Image Placeholder 1"/>
           <p:cNvSpPr>
             <a:spLocks noChangeAspect="1" noGrp="1" noRot="1"/>
           </p:cNvSpPr>
@@ -1187,16 +1077,11 @@
             <p:ph type="sldImg"/>
           </p:nvPr>
         </p:nvSpPr>
-        <p:spPr bwMode="auto">
-          <a:xfrm>
-            <a:off x="685800" y="1143000"/>
-            <a:ext cx="5486400" cy="3086100"/>
-          </a:xfrm>
-        </p:spPr>
-      </p:sp>
-      <p:sp>
-        <p:nvSpPr>
-          <p:cNvPr id="1933825598" name="Notes Placeholder 2"/>
+        <p:spPr bwMode="auto"/>
+      </p:sp>
+      <p:sp>
+        <p:nvSpPr>
+          <p:cNvPr id="3" name="Notes Placeholder 2"/>
           <p:cNvSpPr>
             <a:spLocks noGrp="1"/>
           </p:cNvSpPr>
@@ -1212,16 +1097,13 @@
             <a:pPr>
               <a:defRPr/>
             </a:pPr>
-            <a:endParaRPr lang="en-US">
-              <a:latin typeface="Arial"/>
-              <a:cs typeface="Arial"/>
-            </a:endParaRPr>
-          </a:p>
-        </p:txBody>
-      </p:sp>
-      <p:sp>
-        <p:nvSpPr>
-          <p:cNvPr id="823454655" name="Slide Number Placeholder 3"/>
+            <a:endParaRPr/>
+          </a:p>
+        </p:txBody>
+      </p:sp>
+      <p:sp>
+        <p:nvSpPr>
+          <p:cNvPr id="4" name="Slide Number Placeholder 3"/>
           <p:cNvSpPr>
             <a:spLocks noGrp="1"/>
           </p:cNvSpPr>
@@ -1237,11 +1119,11 @@
             <a:pPr>
               <a:defRPr/>
             </a:pPr>
-            <a:fld id="{9F28D196-BC08-8468-8D98-DF3D8B40746C}" type="slidenum">
-              <a:rPr lang="en-US"/>
+            <a:fld id="{0390C9EE-4B5A-2753-953D-5C40E0A97865}" type="slidenum">
+              <a:rPr/>
               <a:t/>
             </a:fld>
-            <a:endParaRPr lang="en-US"/>
+            <a:endParaRPr/>
           </a:p>
         </p:txBody>
       </p:sp>
@@ -1272,7 +1154,7 @@
       </p:grpSpPr>
       <p:sp>
         <p:nvSpPr>
-          <p:cNvPr id="152125744" name="Slide Image Placeholder 1"/>
+          <p:cNvPr id="2" name="Slide Image Placeholder 1"/>
           <p:cNvSpPr>
             <a:spLocks noChangeAspect="1" noGrp="1" noRot="1"/>
           </p:cNvSpPr>
@@ -1280,16 +1162,11 @@
             <p:ph type="sldImg"/>
           </p:nvPr>
         </p:nvSpPr>
-        <p:spPr bwMode="auto">
-          <a:xfrm>
-            <a:off x="685800" y="1143000"/>
-            <a:ext cx="5486400" cy="3086100"/>
-          </a:xfrm>
-        </p:spPr>
-      </p:sp>
-      <p:sp>
-        <p:nvSpPr>
-          <p:cNvPr id="1559109885" name="Notes Placeholder 2"/>
+        <p:spPr bwMode="auto"/>
+      </p:sp>
+      <p:sp>
+        <p:nvSpPr>
+          <p:cNvPr id="3" name="Notes Placeholder 2"/>
           <p:cNvSpPr>
             <a:spLocks noGrp="1"/>
           </p:cNvSpPr>
@@ -1305,16 +1182,13 @@
             <a:pPr>
               <a:defRPr/>
             </a:pPr>
-            <a:endParaRPr lang="en-US">
-              <a:latin typeface="Arial"/>
-              <a:cs typeface="Arial"/>
-            </a:endParaRPr>
-          </a:p>
-        </p:txBody>
-      </p:sp>
-      <p:sp>
-        <p:nvSpPr>
-          <p:cNvPr id="295916238" name="Slide Number Placeholder 3"/>
+            <a:endParaRPr/>
+          </a:p>
+        </p:txBody>
+      </p:sp>
+      <p:sp>
+        <p:nvSpPr>
+          <p:cNvPr id="4" name="Slide Number Placeholder 3"/>
           <p:cNvSpPr>
             <a:spLocks noGrp="1"/>
           </p:cNvSpPr>
@@ -1330,11 +1204,11 @@
             <a:pPr>
               <a:defRPr/>
             </a:pPr>
-            <a:fld id="{1C4F50AB-F054-E18D-77D9-B2281BF9C517}" type="slidenum">
-              <a:rPr lang="en-US"/>
+            <a:fld id="{7DEBCE53-E1A5-2D1D-480D-16FE749463DC}" type="slidenum">
+              <a:rPr/>
               <a:t/>
             </a:fld>
-            <a:endParaRPr lang="en-US"/>
+            <a:endParaRPr/>
           </a:p>
         </p:txBody>
       </p:sp>
@@ -1365,7 +1239,7 @@
       </p:grpSpPr>
       <p:sp>
         <p:nvSpPr>
-          <p:cNvPr id="107351370" name="Slide Image Placeholder 1"/>
+          <p:cNvPr id="2" name="Slide Image Placeholder 1"/>
           <p:cNvSpPr>
             <a:spLocks noChangeAspect="1" noGrp="1" noRot="1"/>
           </p:cNvSpPr>
@@ -1373,16 +1247,11 @@
             <p:ph type="sldImg"/>
           </p:nvPr>
         </p:nvSpPr>
-        <p:spPr bwMode="auto">
-          <a:xfrm>
-            <a:off x="685800" y="1143000"/>
-            <a:ext cx="5486400" cy="3086100"/>
-          </a:xfrm>
-        </p:spPr>
-      </p:sp>
-      <p:sp>
-        <p:nvSpPr>
-          <p:cNvPr id="1822834326" name="Notes Placeholder 2"/>
+        <p:spPr bwMode="auto"/>
+      </p:sp>
+      <p:sp>
+        <p:nvSpPr>
+          <p:cNvPr id="3" name="Notes Placeholder 2"/>
           <p:cNvSpPr>
             <a:spLocks noGrp="1"/>
           </p:cNvSpPr>
@@ -1398,16 +1267,13 @@
             <a:pPr>
               <a:defRPr/>
             </a:pPr>
-            <a:endParaRPr lang="en-US">
-              <a:latin typeface="Arial"/>
-              <a:cs typeface="Arial"/>
-            </a:endParaRPr>
-          </a:p>
-        </p:txBody>
-      </p:sp>
-      <p:sp>
-        <p:nvSpPr>
-          <p:cNvPr id="1397790618" name="Slide Number Placeholder 3"/>
+            <a:endParaRPr/>
+          </a:p>
+        </p:txBody>
+      </p:sp>
+      <p:sp>
+        <p:nvSpPr>
+          <p:cNvPr id="4" name="Slide Number Placeholder 3"/>
           <p:cNvSpPr>
             <a:spLocks noGrp="1"/>
           </p:cNvSpPr>
@@ -1423,11 +1289,11 @@
             <a:pPr>
               <a:defRPr/>
             </a:pPr>
-            <a:fld id="{A44C3800-0780-6CF6-32D4-D7F4DB27387F}" type="slidenum">
-              <a:rPr lang="en-US"/>
+            <a:fld id="{B10917C5-C683-17A7-E9E2-3A1F51D5F416}" type="slidenum">
+              <a:rPr/>
               <a:t/>
             </a:fld>
-            <a:endParaRPr lang="en-US"/>
+            <a:endParaRPr/>
           </a:p>
         </p:txBody>
       </p:sp>
@@ -1458,7 +1324,7 @@
       </p:grpSpPr>
       <p:sp>
         <p:nvSpPr>
-          <p:cNvPr id="1851946929" name="Slide Image Placeholder 1"/>
+          <p:cNvPr id="2" name="Slide Image Placeholder 1"/>
           <p:cNvSpPr>
             <a:spLocks noChangeAspect="1" noGrp="1" noRot="1"/>
           </p:cNvSpPr>
@@ -1466,16 +1332,11 @@
             <p:ph type="sldImg"/>
           </p:nvPr>
         </p:nvSpPr>
-        <p:spPr bwMode="auto">
-          <a:xfrm>
-            <a:off x="685800" y="1143000"/>
-            <a:ext cx="5486400" cy="3086100"/>
-          </a:xfrm>
-        </p:spPr>
-      </p:sp>
-      <p:sp>
-        <p:nvSpPr>
-          <p:cNvPr id="1006230479" name="Notes Placeholder 2"/>
+        <p:spPr bwMode="auto"/>
+      </p:sp>
+      <p:sp>
+        <p:nvSpPr>
+          <p:cNvPr id="3" name="Notes Placeholder 2"/>
           <p:cNvSpPr>
             <a:spLocks noGrp="1"/>
           </p:cNvSpPr>
@@ -1491,16 +1352,13 @@
             <a:pPr>
               <a:defRPr/>
             </a:pPr>
-            <a:endParaRPr lang="en-US">
-              <a:latin typeface="Arial"/>
-              <a:cs typeface="Arial"/>
-            </a:endParaRPr>
-          </a:p>
-        </p:txBody>
-      </p:sp>
-      <p:sp>
-        <p:nvSpPr>
-          <p:cNvPr id="1130771096" name="Slide Number Placeholder 3"/>
+            <a:endParaRPr/>
+          </a:p>
+        </p:txBody>
+      </p:sp>
+      <p:sp>
+        <p:nvSpPr>
+          <p:cNvPr id="4" name="Slide Number Placeholder 3"/>
           <p:cNvSpPr>
             <a:spLocks noGrp="1"/>
           </p:cNvSpPr>
@@ -1516,11 +1374,11 @@
             <a:pPr>
               <a:defRPr/>
             </a:pPr>
-            <a:fld id="{52039AE4-7B2D-4F53-3570-8A35871988BB}" type="slidenum">
-              <a:rPr lang="en-US"/>
+            <a:fld id="{C710E214-9171-75E6-3FF4-4752772E8254}" type="slidenum">
+              <a:rPr/>
               <a:t/>
             </a:fld>
-            <a:endParaRPr lang="en-US"/>
+            <a:endParaRPr/>
           </a:p>
         </p:txBody>
       </p:sp>
@@ -1551,7 +1409,7 @@
       </p:grpSpPr>
       <p:sp>
         <p:nvSpPr>
-          <p:cNvPr id="451235279" name="Slide Image Placeholder 1"/>
+          <p:cNvPr id="2" name="Slide Image Placeholder 1"/>
           <p:cNvSpPr>
             <a:spLocks noChangeAspect="1" noGrp="1" noRot="1"/>
           </p:cNvSpPr>
@@ -1559,16 +1417,11 @@
             <p:ph type="sldImg"/>
           </p:nvPr>
         </p:nvSpPr>
-        <p:spPr bwMode="auto">
-          <a:xfrm>
-            <a:off x="685800" y="1143000"/>
-            <a:ext cx="5486400" cy="3086100"/>
-          </a:xfrm>
-        </p:spPr>
-      </p:sp>
-      <p:sp>
-        <p:nvSpPr>
-          <p:cNvPr id="1015010266" name="Notes Placeholder 2"/>
+        <p:spPr bwMode="auto"/>
+      </p:sp>
+      <p:sp>
+        <p:nvSpPr>
+          <p:cNvPr id="3" name="Notes Placeholder 2"/>
           <p:cNvSpPr>
             <a:spLocks noGrp="1"/>
           </p:cNvSpPr>
@@ -1584,16 +1437,13 @@
             <a:pPr>
               <a:defRPr/>
             </a:pPr>
-            <a:endParaRPr lang="en-US">
-              <a:latin typeface="Arial"/>
-              <a:cs typeface="Arial"/>
-            </a:endParaRPr>
-          </a:p>
-        </p:txBody>
-      </p:sp>
-      <p:sp>
-        <p:nvSpPr>
-          <p:cNvPr id="1116863810" name="Slide Number Placeholder 3"/>
+            <a:endParaRPr/>
+          </a:p>
+        </p:txBody>
+      </p:sp>
+      <p:sp>
+        <p:nvSpPr>
+          <p:cNvPr id="4" name="Slide Number Placeholder 3"/>
           <p:cNvSpPr>
             <a:spLocks noGrp="1"/>
           </p:cNvSpPr>
@@ -1609,11 +1459,11 @@
             <a:pPr>
               <a:defRPr/>
             </a:pPr>
-            <a:fld id="{2E6999B8-B6B4-4561-A3CD-BBCDAB9FC9D9}" type="slidenum">
-              <a:rPr lang="en-US"/>
-              <a:t>1</a:t>
+            <a:fld id="{AF9E7C39-918D-A947-A758-614E2988BC59}" type="slidenum">
+              <a:rPr/>
+              <a:t/>
             </a:fld>
-            <a:endParaRPr lang="en-US"/>
+            <a:endParaRPr/>
           </a:p>
         </p:txBody>
       </p:sp>
@@ -1644,7 +1494,7 @@
       </p:grpSpPr>
       <p:sp>
         <p:nvSpPr>
-          <p:cNvPr id="1442650242" name="Slide Image Placeholder 1"/>
+          <p:cNvPr id="2" name="Slide Image Placeholder 1"/>
           <p:cNvSpPr>
             <a:spLocks noChangeAspect="1" noGrp="1" noRot="1"/>
           </p:cNvSpPr>
@@ -1652,16 +1502,11 @@
             <p:ph type="sldImg"/>
           </p:nvPr>
         </p:nvSpPr>
-        <p:spPr bwMode="auto">
-          <a:xfrm>
-            <a:off x="685800" y="1143000"/>
-            <a:ext cx="5486400" cy="3086100"/>
-          </a:xfrm>
-        </p:spPr>
-      </p:sp>
-      <p:sp>
-        <p:nvSpPr>
-          <p:cNvPr id="1732307389" name="Notes Placeholder 2"/>
+        <p:spPr bwMode="auto"/>
+      </p:sp>
+      <p:sp>
+        <p:nvSpPr>
+          <p:cNvPr id="3" name="Notes Placeholder 2"/>
           <p:cNvSpPr>
             <a:spLocks noGrp="1"/>
           </p:cNvSpPr>
@@ -1677,16 +1522,13 @@
             <a:pPr>
               <a:defRPr/>
             </a:pPr>
-            <a:endParaRPr lang="en-US">
-              <a:latin typeface="Arial"/>
-              <a:cs typeface="Arial"/>
-            </a:endParaRPr>
-          </a:p>
-        </p:txBody>
-      </p:sp>
-      <p:sp>
-        <p:nvSpPr>
-          <p:cNvPr id="1846658703" name="Slide Number Placeholder 3"/>
+            <a:endParaRPr/>
+          </a:p>
+        </p:txBody>
+      </p:sp>
+      <p:sp>
+        <p:nvSpPr>
+          <p:cNvPr id="4" name="Slide Number Placeholder 3"/>
           <p:cNvSpPr>
             <a:spLocks noGrp="1"/>
           </p:cNvSpPr>
@@ -1702,11 +1544,11 @@
             <a:pPr>
               <a:defRPr/>
             </a:pPr>
-            <a:fld id="{A6003F0D-9015-D56F-4DA0-4E3E1EECCBC6}" type="slidenum">
-              <a:rPr lang="en-US"/>
+            <a:fld id="{6609CBEE-0B34-4B49-D412-2A9FAEA4502E}" type="slidenum">
+              <a:rPr/>
               <a:t/>
             </a:fld>
-            <a:endParaRPr lang="en-US"/>
+            <a:endParaRPr/>
           </a:p>
         </p:txBody>
       </p:sp>
@@ -1737,7 +1579,7 @@
       </p:grpSpPr>
       <p:sp>
         <p:nvSpPr>
-          <p:cNvPr id="370589818" name="Slide Image Placeholder 1"/>
+          <p:cNvPr id="2" name="Slide Image Placeholder 1"/>
           <p:cNvSpPr>
             <a:spLocks noChangeAspect="1" noGrp="1" noRot="1"/>
           </p:cNvSpPr>
@@ -1745,16 +1587,11 @@
             <p:ph type="sldImg"/>
           </p:nvPr>
         </p:nvSpPr>
-        <p:spPr bwMode="auto">
-          <a:xfrm>
-            <a:off x="685800" y="1143000"/>
-            <a:ext cx="5486400" cy="3086100"/>
-          </a:xfrm>
-        </p:spPr>
-      </p:sp>
-      <p:sp>
-        <p:nvSpPr>
-          <p:cNvPr id="1824501325" name="Notes Placeholder 2"/>
+        <p:spPr bwMode="auto"/>
+      </p:sp>
+      <p:sp>
+        <p:nvSpPr>
+          <p:cNvPr id="3" name="Notes Placeholder 2"/>
           <p:cNvSpPr>
             <a:spLocks noGrp="1"/>
           </p:cNvSpPr>
@@ -1770,16 +1607,13 @@
             <a:pPr>
               <a:defRPr/>
             </a:pPr>
-            <a:endParaRPr lang="en-US">
-              <a:latin typeface="Arial"/>
-              <a:cs typeface="Arial"/>
-            </a:endParaRPr>
-          </a:p>
-        </p:txBody>
-      </p:sp>
-      <p:sp>
-        <p:nvSpPr>
-          <p:cNvPr id="14474848" name="Slide Number Placeholder 3"/>
+            <a:endParaRPr/>
+          </a:p>
+        </p:txBody>
+      </p:sp>
+      <p:sp>
+        <p:nvSpPr>
+          <p:cNvPr id="4" name="Slide Number Placeholder 3"/>
           <p:cNvSpPr>
             <a:spLocks noGrp="1"/>
           </p:cNvSpPr>
@@ -1795,11 +1629,11 @@
             <a:pPr>
               <a:defRPr/>
             </a:pPr>
-            <a:fld id="{B1EA4351-749A-28CD-8902-D79BA6FBAA79}" type="slidenum">
-              <a:rPr lang="en-US"/>
+            <a:fld id="{8AFEFC00-140A-6CAA-0556-B37A8EC51B2F}" type="slidenum">
+              <a:rPr/>
               <a:t/>
             </a:fld>
-            <a:endParaRPr lang="en-US"/>
+            <a:endParaRPr/>
           </a:p>
         </p:txBody>
       </p:sp>
@@ -1830,7 +1664,7 @@
       </p:grpSpPr>
       <p:sp>
         <p:nvSpPr>
-          <p:cNvPr id="1375660139" name="Slide Image Placeholder 1"/>
+          <p:cNvPr id="2" name="Slide Image Placeholder 1"/>
           <p:cNvSpPr>
             <a:spLocks noChangeAspect="1" noGrp="1" noRot="1"/>
           </p:cNvSpPr>
@@ -1838,16 +1672,11 @@
             <p:ph type="sldImg"/>
           </p:nvPr>
         </p:nvSpPr>
-        <p:spPr bwMode="auto">
-          <a:xfrm>
-            <a:off x="685800" y="1143000"/>
-            <a:ext cx="5486400" cy="3086100"/>
-          </a:xfrm>
-        </p:spPr>
-      </p:sp>
-      <p:sp>
-        <p:nvSpPr>
-          <p:cNvPr id="805532641" name="Notes Placeholder 2"/>
+        <p:spPr bwMode="auto"/>
+      </p:sp>
+      <p:sp>
+        <p:nvSpPr>
+          <p:cNvPr id="3" name="Notes Placeholder 2"/>
           <p:cNvSpPr>
             <a:spLocks noGrp="1"/>
           </p:cNvSpPr>
@@ -1863,16 +1692,13 @@
             <a:pPr>
               <a:defRPr/>
             </a:pPr>
-            <a:endParaRPr lang="en-US">
-              <a:latin typeface="Arial"/>
-              <a:cs typeface="Arial"/>
-            </a:endParaRPr>
-          </a:p>
-        </p:txBody>
-      </p:sp>
-      <p:sp>
-        <p:nvSpPr>
-          <p:cNvPr id="48142751" name="Slide Number Placeholder 3"/>
+            <a:endParaRPr/>
+          </a:p>
+        </p:txBody>
+      </p:sp>
+      <p:sp>
+        <p:nvSpPr>
+          <p:cNvPr id="4" name="Slide Number Placeholder 3"/>
           <p:cNvSpPr>
             <a:spLocks noGrp="1"/>
           </p:cNvSpPr>
@@ -1888,11 +1714,11 @@
             <a:pPr>
               <a:defRPr/>
             </a:pPr>
-            <a:fld id="{337A99EF-6D10-A7CC-3A83-80838B58CCDF}" type="slidenum">
-              <a:rPr lang="en-US"/>
+            <a:fld id="{BB9454A9-5788-03F7-E203-06467E183C28}" type="slidenum">
+              <a:rPr/>
               <a:t/>
             </a:fld>
-            <a:endParaRPr lang="en-US"/>
+            <a:endParaRPr/>
           </a:p>
         </p:txBody>
       </p:sp>
@@ -1923,7 +1749,7 @@
       </p:grpSpPr>
       <p:sp>
         <p:nvSpPr>
-          <p:cNvPr id="881171360" name="Slide Image Placeholder 1"/>
+          <p:cNvPr id="2" name="Slide Image Placeholder 1"/>
           <p:cNvSpPr>
             <a:spLocks noChangeAspect="1" noGrp="1" noRot="1"/>
           </p:cNvSpPr>
@@ -1931,16 +1757,11 @@
             <p:ph type="sldImg"/>
           </p:nvPr>
         </p:nvSpPr>
-        <p:spPr bwMode="auto">
-          <a:xfrm>
-            <a:off x="685800" y="1143000"/>
-            <a:ext cx="5486400" cy="3086100"/>
-          </a:xfrm>
-        </p:spPr>
-      </p:sp>
-      <p:sp>
-        <p:nvSpPr>
-          <p:cNvPr id="663035222" name="Notes Placeholder 2"/>
+        <p:spPr bwMode="auto"/>
+      </p:sp>
+      <p:sp>
+        <p:nvSpPr>
+          <p:cNvPr id="3" name="Notes Placeholder 2"/>
           <p:cNvSpPr>
             <a:spLocks noGrp="1"/>
           </p:cNvSpPr>
@@ -1956,16 +1777,13 @@
             <a:pPr>
               <a:defRPr/>
             </a:pPr>
-            <a:endParaRPr lang="en-US">
-              <a:latin typeface="Arial"/>
-              <a:cs typeface="Arial"/>
-            </a:endParaRPr>
-          </a:p>
-        </p:txBody>
-      </p:sp>
-      <p:sp>
-        <p:nvSpPr>
-          <p:cNvPr id="836503421" name="Slide Number Placeholder 3"/>
+            <a:endParaRPr/>
+          </a:p>
+        </p:txBody>
+      </p:sp>
+      <p:sp>
+        <p:nvSpPr>
+          <p:cNvPr id="4" name="Slide Number Placeholder 3"/>
           <p:cNvSpPr>
             <a:spLocks noGrp="1"/>
           </p:cNvSpPr>
@@ -1981,11 +1799,11 @@
             <a:pPr>
               <a:defRPr/>
             </a:pPr>
-            <a:fld id="{8BFD69E6-DDA9-C650-74CF-C65A27E744B3}" type="slidenum">
-              <a:rPr lang="en-US"/>
+            <a:fld id="{3D290F6D-8538-022C-4995-60E60ED89581}" type="slidenum">
+              <a:rPr/>
               <a:t/>
             </a:fld>
-            <a:endParaRPr lang="en-US"/>
+            <a:endParaRPr/>
           </a:p>
         </p:txBody>
       </p:sp>
@@ -2016,7 +1834,7 @@
       </p:grpSpPr>
       <p:sp>
         <p:nvSpPr>
-          <p:cNvPr id="1651318024" name="Slide Image Placeholder 1"/>
+          <p:cNvPr id="2" name="Slide Image Placeholder 1"/>
           <p:cNvSpPr>
             <a:spLocks noChangeAspect="1" noGrp="1" noRot="1"/>
           </p:cNvSpPr>
@@ -2024,16 +1842,11 @@
             <p:ph type="sldImg"/>
           </p:nvPr>
         </p:nvSpPr>
-        <p:spPr bwMode="auto">
-          <a:xfrm>
-            <a:off x="685800" y="1143000"/>
-            <a:ext cx="5486400" cy="3086100"/>
-          </a:xfrm>
-        </p:spPr>
-      </p:sp>
-      <p:sp>
-        <p:nvSpPr>
-          <p:cNvPr id="1552946147" name="Notes Placeholder 2"/>
+        <p:spPr bwMode="auto"/>
+      </p:sp>
+      <p:sp>
+        <p:nvSpPr>
+          <p:cNvPr id="3" name="Notes Placeholder 2"/>
           <p:cNvSpPr>
             <a:spLocks noGrp="1"/>
           </p:cNvSpPr>
@@ -2049,16 +1862,13 @@
             <a:pPr>
               <a:defRPr/>
             </a:pPr>
-            <a:endParaRPr lang="en-US">
-              <a:latin typeface="Arial"/>
-              <a:cs typeface="Arial"/>
-            </a:endParaRPr>
-          </a:p>
-        </p:txBody>
-      </p:sp>
-      <p:sp>
-        <p:nvSpPr>
-          <p:cNvPr id="1105501162" name="Slide Number Placeholder 3"/>
+            <a:endParaRPr/>
+          </a:p>
+        </p:txBody>
+      </p:sp>
+      <p:sp>
+        <p:nvSpPr>
+          <p:cNvPr id="4" name="Slide Number Placeholder 3"/>
           <p:cNvSpPr>
             <a:spLocks noGrp="1"/>
           </p:cNvSpPr>
@@ -2074,11 +1884,11 @@
             <a:pPr>
               <a:defRPr/>
             </a:pPr>
-            <a:fld id="{D27A81ED-4069-AB09-11F2-51A2A501C2E7}" type="slidenum">
-              <a:rPr lang="en-US"/>
+            <a:fld id="{6F0904BC-0B14-A0A1-EB47-ADC39089544E}" type="slidenum">
+              <a:rPr/>
               <a:t/>
             </a:fld>
-            <a:endParaRPr lang="en-US"/>
+            <a:endParaRPr/>
           </a:p>
         </p:txBody>
       </p:sp>
@@ -2109,7 +1919,7 @@
       </p:grpSpPr>
       <p:sp>
         <p:nvSpPr>
-          <p:cNvPr id="22566097" name="Slide Image Placeholder 1"/>
+          <p:cNvPr id="2" name="Slide Image Placeholder 1"/>
           <p:cNvSpPr>
             <a:spLocks noChangeAspect="1" noGrp="1" noRot="1"/>
           </p:cNvSpPr>
@@ -2117,16 +1927,11 @@
             <p:ph type="sldImg"/>
           </p:nvPr>
         </p:nvSpPr>
-        <p:spPr bwMode="auto">
-          <a:xfrm>
-            <a:off x="685800" y="1143000"/>
-            <a:ext cx="5486400" cy="3086100"/>
-          </a:xfrm>
-        </p:spPr>
-      </p:sp>
-      <p:sp>
-        <p:nvSpPr>
-          <p:cNvPr id="1737973140" name="Notes Placeholder 2"/>
+        <p:spPr bwMode="auto"/>
+      </p:sp>
+      <p:sp>
+        <p:nvSpPr>
+          <p:cNvPr id="3" name="Notes Placeholder 2"/>
           <p:cNvSpPr>
             <a:spLocks noGrp="1"/>
           </p:cNvSpPr>
@@ -2142,16 +1947,13 @@
             <a:pPr>
               <a:defRPr/>
             </a:pPr>
-            <a:endParaRPr lang="en-US">
-              <a:latin typeface="Arial"/>
-              <a:cs typeface="Arial"/>
-            </a:endParaRPr>
-          </a:p>
-        </p:txBody>
-      </p:sp>
-      <p:sp>
-        <p:nvSpPr>
-          <p:cNvPr id="931606136" name="Slide Number Placeholder 3"/>
+            <a:endParaRPr/>
+          </a:p>
+        </p:txBody>
+      </p:sp>
+      <p:sp>
+        <p:nvSpPr>
+          <p:cNvPr id="4" name="Slide Number Placeholder 3"/>
           <p:cNvSpPr>
             <a:spLocks noGrp="1"/>
           </p:cNvSpPr>
@@ -2167,11 +1969,11 @@
             <a:pPr>
               <a:defRPr/>
             </a:pPr>
-            <a:fld id="{8C769BA2-F440-93E0-2ABF-C05B41BE9A92}" type="slidenum">
-              <a:rPr lang="en-US"/>
+            <a:fld id="{6E22ED39-2E4D-E160-592B-50C7773B7BC8}" type="slidenum">
+              <a:rPr/>
               <a:t/>
             </a:fld>
-            <a:endParaRPr lang="en-US"/>
+            <a:endParaRPr/>
           </a:p>
         </p:txBody>
       </p:sp>
@@ -2202,7 +2004,7 @@
       </p:grpSpPr>
       <p:sp>
         <p:nvSpPr>
-          <p:cNvPr id="584850519" name="Slide Image Placeholder 1"/>
+          <p:cNvPr id="2" name="Slide Image Placeholder 1"/>
           <p:cNvSpPr>
             <a:spLocks noChangeAspect="1" noGrp="1" noRot="1"/>
           </p:cNvSpPr>
@@ -2210,16 +2012,11 @@
             <p:ph type="sldImg"/>
           </p:nvPr>
         </p:nvSpPr>
-        <p:spPr bwMode="auto">
-          <a:xfrm>
-            <a:off x="685800" y="1143000"/>
-            <a:ext cx="5486400" cy="3086100"/>
-          </a:xfrm>
-        </p:spPr>
-      </p:sp>
-      <p:sp>
-        <p:nvSpPr>
-          <p:cNvPr id="230641514" name="Notes Placeholder 2"/>
+        <p:spPr bwMode="auto"/>
+      </p:sp>
+      <p:sp>
+        <p:nvSpPr>
+          <p:cNvPr id="3" name="Notes Placeholder 2"/>
           <p:cNvSpPr>
             <a:spLocks noGrp="1"/>
           </p:cNvSpPr>
@@ -2235,16 +2032,13 @@
             <a:pPr>
               <a:defRPr/>
             </a:pPr>
-            <a:endParaRPr lang="en-US">
-              <a:latin typeface="Arial"/>
-              <a:cs typeface="Arial"/>
-            </a:endParaRPr>
-          </a:p>
-        </p:txBody>
-      </p:sp>
-      <p:sp>
-        <p:nvSpPr>
-          <p:cNvPr id="1743071017" name="Slide Number Placeholder 3"/>
+            <a:endParaRPr/>
+          </a:p>
+        </p:txBody>
+      </p:sp>
+      <p:sp>
+        <p:nvSpPr>
+          <p:cNvPr id="4" name="Slide Number Placeholder 3"/>
           <p:cNvSpPr>
             <a:spLocks noGrp="1"/>
           </p:cNvSpPr>
@@ -2260,11 +2054,11 @@
             <a:pPr>
               <a:defRPr/>
             </a:pPr>
-            <a:fld id="{83BC63AE-C8EC-7F4F-17E2-7225C6041AA5}" type="slidenum">
-              <a:rPr lang="en-US"/>
+            <a:fld id="{0DAB4591-409F-844C-6BA4-987A88251CC4}" type="slidenum">
+              <a:rPr/>
               <a:t/>
             </a:fld>
-            <a:endParaRPr lang="en-US"/>
+            <a:endParaRPr/>
           </a:p>
         </p:txBody>
       </p:sp>
@@ -2295,7 +2089,7 @@
       </p:grpSpPr>
       <p:sp>
         <p:nvSpPr>
-          <p:cNvPr id="343952636" name="Slide Image Placeholder 1"/>
+          <p:cNvPr id="2" name="Slide Image Placeholder 1"/>
           <p:cNvSpPr>
             <a:spLocks noChangeAspect="1" noGrp="1" noRot="1"/>
           </p:cNvSpPr>
@@ -2303,16 +2097,11 @@
             <p:ph type="sldImg"/>
           </p:nvPr>
         </p:nvSpPr>
-        <p:spPr bwMode="auto">
-          <a:xfrm>
-            <a:off x="685800" y="1143000"/>
-            <a:ext cx="5486400" cy="3086100"/>
-          </a:xfrm>
-        </p:spPr>
-      </p:sp>
-      <p:sp>
-        <p:nvSpPr>
-          <p:cNvPr id="1451741929" name="Notes Placeholder 2"/>
+        <p:spPr bwMode="auto"/>
+      </p:sp>
+      <p:sp>
+        <p:nvSpPr>
+          <p:cNvPr id="3" name="Notes Placeholder 2"/>
           <p:cNvSpPr>
             <a:spLocks noGrp="1"/>
           </p:cNvSpPr>
@@ -2328,16 +2117,13 @@
             <a:pPr>
               <a:defRPr/>
             </a:pPr>
-            <a:endParaRPr lang="en-US">
-              <a:latin typeface="Arial"/>
-              <a:cs typeface="Arial"/>
-            </a:endParaRPr>
-          </a:p>
-        </p:txBody>
-      </p:sp>
-      <p:sp>
-        <p:nvSpPr>
-          <p:cNvPr id="1148424537" name="Slide Number Placeholder 3"/>
+            <a:endParaRPr/>
+          </a:p>
+        </p:txBody>
+      </p:sp>
+      <p:sp>
+        <p:nvSpPr>
+          <p:cNvPr id="4" name="Slide Number Placeholder 3"/>
           <p:cNvSpPr>
             <a:spLocks noGrp="1"/>
           </p:cNvSpPr>
@@ -2353,11 +2139,11 @@
             <a:pPr>
               <a:defRPr/>
             </a:pPr>
-            <a:fld id="{4842E043-B5A0-2DD9-855C-86F38D2F1307}" type="slidenum">
-              <a:rPr lang="en-US"/>
+            <a:fld id="{3B421CEA-6B0A-8161-0376-0DF7594CA213}" type="slidenum">
+              <a:rPr/>
               <a:t/>
             </a:fld>
-            <a:endParaRPr lang="en-US"/>
+            <a:endParaRPr/>
           </a:p>
         </p:txBody>
       </p:sp>
@@ -2388,7 +2174,7 @@
       </p:grpSpPr>
       <p:sp>
         <p:nvSpPr>
-          <p:cNvPr id="1451173830" name="Slide Image Placeholder 1"/>
+          <p:cNvPr id="2" name="Slide Image Placeholder 1"/>
           <p:cNvSpPr>
             <a:spLocks noChangeAspect="1" noGrp="1" noRot="1"/>
           </p:cNvSpPr>
@@ -2396,16 +2182,11 @@
             <p:ph type="sldImg"/>
           </p:nvPr>
         </p:nvSpPr>
-        <p:spPr bwMode="auto">
-          <a:xfrm>
-            <a:off x="685800" y="1143000"/>
-            <a:ext cx="5486400" cy="3086100"/>
-          </a:xfrm>
-        </p:spPr>
-      </p:sp>
-      <p:sp>
-        <p:nvSpPr>
-          <p:cNvPr id="29118975" name="Notes Placeholder 2"/>
+        <p:spPr bwMode="auto"/>
+      </p:sp>
+      <p:sp>
+        <p:nvSpPr>
+          <p:cNvPr id="3" name="Notes Placeholder 2"/>
           <p:cNvSpPr>
             <a:spLocks noGrp="1"/>
           </p:cNvSpPr>
@@ -2421,16 +2202,13 @@
             <a:pPr>
               <a:defRPr/>
             </a:pPr>
-            <a:endParaRPr lang="en-US">
-              <a:latin typeface="Arial"/>
-              <a:cs typeface="Arial"/>
-            </a:endParaRPr>
-          </a:p>
-        </p:txBody>
-      </p:sp>
-      <p:sp>
-        <p:nvSpPr>
-          <p:cNvPr id="1037131677" name="Slide Number Placeholder 3"/>
+            <a:endParaRPr/>
+          </a:p>
+        </p:txBody>
+      </p:sp>
+      <p:sp>
+        <p:nvSpPr>
+          <p:cNvPr id="4" name="Slide Number Placeholder 3"/>
           <p:cNvSpPr>
             <a:spLocks noGrp="1"/>
           </p:cNvSpPr>
@@ -2446,11 +2224,11 @@
             <a:pPr>
               <a:defRPr/>
             </a:pPr>
-            <a:fld id="{5BE654CE-69F7-FD7F-8A27-795500E82F49}" type="slidenum">
-              <a:rPr lang="en-US"/>
+            <a:fld id="{1C0DC4FC-16B3-8EE5-1652-820EE6940826}" type="slidenum">
+              <a:rPr/>
               <a:t/>
             </a:fld>
-            <a:endParaRPr lang="en-US"/>
+            <a:endParaRPr/>
           </a:p>
         </p:txBody>
       </p:sp>
@@ -2481,7 +2259,7 @@
       </p:grpSpPr>
       <p:sp>
         <p:nvSpPr>
-          <p:cNvPr id="857475920" name="Slide Image Placeholder 1"/>
+          <p:cNvPr id="2" name="Slide Image Placeholder 1"/>
           <p:cNvSpPr>
             <a:spLocks noChangeAspect="1" noGrp="1" noRot="1"/>
           </p:cNvSpPr>
@@ -2489,16 +2267,11 @@
             <p:ph type="sldImg"/>
           </p:nvPr>
         </p:nvSpPr>
-        <p:spPr bwMode="auto">
-          <a:xfrm>
-            <a:off x="685800" y="1143000"/>
-            <a:ext cx="5486400" cy="3086100"/>
-          </a:xfrm>
-        </p:spPr>
-      </p:sp>
-      <p:sp>
-        <p:nvSpPr>
-          <p:cNvPr id="1602313276" name="Notes Placeholder 2"/>
+        <p:spPr bwMode="auto"/>
+      </p:sp>
+      <p:sp>
+        <p:nvSpPr>
+          <p:cNvPr id="3" name="Notes Placeholder 2"/>
           <p:cNvSpPr>
             <a:spLocks noGrp="1"/>
           </p:cNvSpPr>
@@ -2514,16 +2287,13 @@
             <a:pPr>
               <a:defRPr/>
             </a:pPr>
-            <a:endParaRPr lang="en-US">
-              <a:latin typeface="Arial"/>
-              <a:cs typeface="Arial"/>
-            </a:endParaRPr>
-          </a:p>
-        </p:txBody>
-      </p:sp>
-      <p:sp>
-        <p:nvSpPr>
-          <p:cNvPr id="1058785948" name="Slide Number Placeholder 3"/>
+            <a:endParaRPr/>
+          </a:p>
+        </p:txBody>
+      </p:sp>
+      <p:sp>
+        <p:nvSpPr>
+          <p:cNvPr id="4" name="Slide Number Placeholder 3"/>
           <p:cNvSpPr>
             <a:spLocks noGrp="1"/>
           </p:cNvSpPr>
@@ -2539,11 +2309,11 @@
             <a:pPr>
               <a:defRPr/>
             </a:pPr>
-            <a:fld id="{35A19A18-427E-B83B-AE68-4CB94EFB2E02}" type="slidenum">
-              <a:rPr lang="en-US"/>
+            <a:fld id="{635A6BC5-B446-40BD-C139-46A544BDF46C}" type="slidenum">
+              <a:rPr/>
               <a:t/>
             </a:fld>
-            <a:endParaRPr lang="en-US"/>
+            <a:endParaRPr/>
           </a:p>
         </p:txBody>
       </p:sp>
@@ -2574,7 +2344,7 @@
       </p:grpSpPr>
       <p:sp>
         <p:nvSpPr>
-          <p:cNvPr id="881193714" name="Slide Image Placeholder 1"/>
+          <p:cNvPr id="2" name="Slide Image Placeholder 1"/>
           <p:cNvSpPr>
             <a:spLocks noChangeAspect="1" noGrp="1" noRot="1"/>
           </p:cNvSpPr>
@@ -2582,16 +2352,11 @@
             <p:ph type="sldImg"/>
           </p:nvPr>
         </p:nvSpPr>
-        <p:spPr bwMode="auto">
-          <a:xfrm>
-            <a:off x="685800" y="1143000"/>
-            <a:ext cx="5486400" cy="3086100"/>
-          </a:xfrm>
-        </p:spPr>
-      </p:sp>
-      <p:sp>
-        <p:nvSpPr>
-          <p:cNvPr id="728023417" name="Notes Placeholder 2"/>
+        <p:spPr bwMode="auto"/>
+      </p:sp>
+      <p:sp>
+        <p:nvSpPr>
+          <p:cNvPr id="3" name="Notes Placeholder 2"/>
           <p:cNvSpPr>
             <a:spLocks noGrp="1"/>
           </p:cNvSpPr>
@@ -2607,16 +2372,13 @@
             <a:pPr>
               <a:defRPr/>
             </a:pPr>
-            <a:endParaRPr lang="en-US">
-              <a:latin typeface="Arial"/>
-              <a:cs typeface="Arial"/>
-            </a:endParaRPr>
-          </a:p>
-        </p:txBody>
-      </p:sp>
-      <p:sp>
-        <p:nvSpPr>
-          <p:cNvPr id="1365832287" name="Slide Number Placeholder 3"/>
+            <a:endParaRPr/>
+          </a:p>
+        </p:txBody>
+      </p:sp>
+      <p:sp>
+        <p:nvSpPr>
+          <p:cNvPr id="4" name="Slide Number Placeholder 3"/>
           <p:cNvSpPr>
             <a:spLocks noGrp="1"/>
           </p:cNvSpPr>
@@ -2632,11 +2394,11 @@
             <a:pPr>
               <a:defRPr/>
             </a:pPr>
-            <a:fld id="{9AB04321-7A63-6217-184F-491F5EA0B336}" type="slidenum">
-              <a:rPr lang="en-US"/>
+            <a:fld id="{B6C28D3E-997D-E8BD-3C4B-C75F9998A6CF}" type="slidenum">
+              <a:rPr/>
               <a:t/>
             </a:fld>
-            <a:endParaRPr lang="en-US"/>
+            <a:endParaRPr/>
           </a:p>
         </p:txBody>
       </p:sp>
@@ -2667,7 +2429,7 @@
       </p:grpSpPr>
       <p:sp>
         <p:nvSpPr>
-          <p:cNvPr id="1895140364" name="Slide Image Placeholder 1"/>
+          <p:cNvPr id="2" name="Slide Image Placeholder 1"/>
           <p:cNvSpPr>
             <a:spLocks noChangeAspect="1" noGrp="1" noRot="1"/>
           </p:cNvSpPr>
@@ -2675,16 +2437,11 @@
             <p:ph type="sldImg"/>
           </p:nvPr>
         </p:nvSpPr>
-        <p:spPr bwMode="auto">
-          <a:xfrm>
-            <a:off x="685800" y="1143000"/>
-            <a:ext cx="5486400" cy="3086100"/>
-          </a:xfrm>
-        </p:spPr>
-      </p:sp>
-      <p:sp>
-        <p:nvSpPr>
-          <p:cNvPr id="1121545696" name="Notes Placeholder 2"/>
+        <p:spPr bwMode="auto"/>
+      </p:sp>
+      <p:sp>
+        <p:nvSpPr>
+          <p:cNvPr id="3" name="Notes Placeholder 2"/>
           <p:cNvSpPr>
             <a:spLocks noGrp="1"/>
           </p:cNvSpPr>
@@ -2700,16 +2457,13 @@
             <a:pPr>
               <a:defRPr/>
             </a:pPr>
-            <a:endParaRPr lang="en-US">
-              <a:latin typeface="Arial"/>
-              <a:cs typeface="Arial"/>
-            </a:endParaRPr>
-          </a:p>
-        </p:txBody>
-      </p:sp>
-      <p:sp>
-        <p:nvSpPr>
-          <p:cNvPr id="591911858" name="Slide Number Placeholder 3"/>
+            <a:endParaRPr/>
+          </a:p>
+        </p:txBody>
+      </p:sp>
+      <p:sp>
+        <p:nvSpPr>
+          <p:cNvPr id="4" name="Slide Number Placeholder 3"/>
           <p:cNvSpPr>
             <a:spLocks noGrp="1"/>
           </p:cNvSpPr>
@@ -2725,11 +2479,11 @@
             <a:pPr>
               <a:defRPr/>
             </a:pPr>
-            <a:fld id="{3CAE4DD1-94C8-CDA2-5101-03392FC5B62C}" type="slidenum">
-              <a:rPr lang="en-US"/>
+            <a:fld id="{1D3DF7AE-3F75-2681-3FD5-27B5D565D81B}" type="slidenum">
+              <a:rPr/>
               <a:t/>
             </a:fld>
-            <a:endParaRPr lang="en-US"/>
+            <a:endParaRPr/>
           </a:p>
         </p:txBody>
       </p:sp>
@@ -2760,7 +2514,7 @@
       </p:grpSpPr>
       <p:sp>
         <p:nvSpPr>
-          <p:cNvPr id="673422143" name="Slide Image Placeholder 1"/>
+          <p:cNvPr id="2" name="Slide Image Placeholder 1"/>
           <p:cNvSpPr>
             <a:spLocks noChangeAspect="1" noGrp="1" noRot="1"/>
           </p:cNvSpPr>
@@ -2768,16 +2522,11 @@
             <p:ph type="sldImg"/>
           </p:nvPr>
         </p:nvSpPr>
-        <p:spPr bwMode="auto">
-          <a:xfrm>
-            <a:off x="685800" y="1143000"/>
-            <a:ext cx="5486400" cy="3086100"/>
-          </a:xfrm>
-        </p:spPr>
-      </p:sp>
-      <p:sp>
-        <p:nvSpPr>
-          <p:cNvPr id="1022336096" name="Notes Placeholder 2"/>
+        <p:spPr bwMode="auto"/>
+      </p:sp>
+      <p:sp>
+        <p:nvSpPr>
+          <p:cNvPr id="3" name="Notes Placeholder 2"/>
           <p:cNvSpPr>
             <a:spLocks noGrp="1"/>
           </p:cNvSpPr>
@@ -2793,16 +2542,13 @@
             <a:pPr>
               <a:defRPr/>
             </a:pPr>
-            <a:endParaRPr lang="en-US">
-              <a:latin typeface="Arial"/>
-              <a:cs typeface="Arial"/>
-            </a:endParaRPr>
-          </a:p>
-        </p:txBody>
-      </p:sp>
-      <p:sp>
-        <p:nvSpPr>
-          <p:cNvPr id="2050670164" name="Slide Number Placeholder 3"/>
+            <a:endParaRPr/>
+          </a:p>
+        </p:txBody>
+      </p:sp>
+      <p:sp>
+        <p:nvSpPr>
+          <p:cNvPr id="4" name="Slide Number Placeholder 3"/>
           <p:cNvSpPr>
             <a:spLocks noGrp="1"/>
           </p:cNvSpPr>
@@ -2818,11 +2564,11 @@
             <a:pPr>
               <a:defRPr/>
             </a:pPr>
-            <a:fld id="{A335A88A-9A16-752A-467E-55568ED6247F}" type="slidenum">
-              <a:rPr lang="en-US"/>
+            <a:fld id="{B74852FA-A43C-91E8-5DD7-307AA79884C1}" type="slidenum">
+              <a:rPr/>
               <a:t/>
             </a:fld>
-            <a:endParaRPr lang="en-US"/>
+            <a:endParaRPr/>
           </a:p>
         </p:txBody>
       </p:sp>
@@ -2853,7 +2599,7 @@
       </p:grpSpPr>
       <p:sp>
         <p:nvSpPr>
-          <p:cNvPr id="317104672" name="Slide Image Placeholder 1"/>
+          <p:cNvPr id="2" name="Slide Image Placeholder 1"/>
           <p:cNvSpPr>
             <a:spLocks noChangeAspect="1" noGrp="1" noRot="1"/>
           </p:cNvSpPr>
@@ -2861,16 +2607,11 @@
             <p:ph type="sldImg"/>
           </p:nvPr>
         </p:nvSpPr>
-        <p:spPr bwMode="auto">
-          <a:xfrm>
-            <a:off x="685800" y="1143000"/>
-            <a:ext cx="5486400" cy="3086100"/>
-          </a:xfrm>
-        </p:spPr>
-      </p:sp>
-      <p:sp>
-        <p:nvSpPr>
-          <p:cNvPr id="1674198853" name="Notes Placeholder 2"/>
+        <p:spPr bwMode="auto"/>
+      </p:sp>
+      <p:sp>
+        <p:nvSpPr>
+          <p:cNvPr id="3" name="Notes Placeholder 2"/>
           <p:cNvSpPr>
             <a:spLocks noGrp="1"/>
           </p:cNvSpPr>
@@ -2886,16 +2627,13 @@
             <a:pPr>
               <a:defRPr/>
             </a:pPr>
-            <a:endParaRPr lang="en-US">
-              <a:latin typeface="Arial"/>
-              <a:cs typeface="Arial"/>
-            </a:endParaRPr>
-          </a:p>
-        </p:txBody>
-      </p:sp>
-      <p:sp>
-        <p:nvSpPr>
-          <p:cNvPr id="1553582736" name="Slide Number Placeholder 3"/>
+            <a:endParaRPr/>
+          </a:p>
+        </p:txBody>
+      </p:sp>
+      <p:sp>
+        <p:nvSpPr>
+          <p:cNvPr id="4" name="Slide Number Placeholder 3"/>
           <p:cNvSpPr>
             <a:spLocks noGrp="1"/>
           </p:cNvSpPr>
@@ -2911,11 +2649,11 @@
             <a:pPr>
               <a:defRPr/>
             </a:pPr>
-            <a:fld id="{C0BB381B-355D-0441-16FF-7BFFCAF7649A}" type="slidenum">
-              <a:rPr lang="en-US"/>
+            <a:fld id="{AA43FEE7-78C6-6908-1CDE-74679D886C74}" type="slidenum">
+              <a:rPr/>
               <a:t/>
             </a:fld>
-            <a:endParaRPr lang="en-US"/>
+            <a:endParaRPr/>
           </a:p>
         </p:txBody>
       </p:sp>
@@ -2946,7 +2684,7 @@
       </p:grpSpPr>
       <p:sp>
         <p:nvSpPr>
-          <p:cNvPr id="1076935584" name="Title 1"/>
+          <p:cNvPr id="697162335" name="Title 1"/>
           <p:cNvSpPr>
             <a:spLocks noGrp="1"/>
           </p:cNvSpPr>
@@ -2956,17 +2694,13 @@
         </p:nvSpPr>
         <p:spPr bwMode="auto">
           <a:xfrm>
-            <a:off x="1524000" y="1122363"/>
-            <a:ext cx="9144000" cy="2387600"/>
+            <a:off x="685800" y="2130425"/>
+            <a:ext cx="7772400" cy="1470025"/>
           </a:xfrm>
         </p:spPr>
         <p:txBody>
-          <a:bodyPr anchor="b"/>
-          <a:lstStyle>
-            <a:lvl1pPr algn="ctr">
-              <a:defRPr sz="6000"/>
-            </a:lvl1pPr>
-          </a:lstStyle>
+          <a:bodyPr/>
+          <a:lstStyle/>
           <a:p>
             <a:pPr>
               <a:defRPr/>
@@ -2981,7 +2715,7 @@
       </p:sp>
       <p:sp>
         <p:nvSpPr>
-          <p:cNvPr id="1081149902" name="Subtitle 2"/>
+          <p:cNvPr id="3584207" name="Subtitle 2"/>
           <p:cNvSpPr>
             <a:spLocks noGrp="1"/>
           </p:cNvSpPr>
@@ -2991,8 +2725,8 @@
         </p:nvSpPr>
         <p:spPr bwMode="auto">
           <a:xfrm>
-            <a:off x="1524000" y="3602038"/>
-            <a:ext cx="9144000" cy="1655762"/>
+            <a:off x="1371600" y="3886200"/>
+            <a:ext cx="6400800" cy="1752599"/>
           </a:xfrm>
         </p:spPr>
         <p:txBody>
@@ -3000,39 +2734,93 @@
           <a:lstStyle>
             <a:lvl1pPr marL="0" indent="0" algn="ctr">
               <a:buNone/>
-              <a:defRPr sz="2400"/>
+              <a:defRPr>
+                <a:solidFill>
+                  <a:schemeClr val="tx1">
+                    <a:tint val="75000"/>
+                  </a:schemeClr>
+                </a:solidFill>
+              </a:defRPr>
             </a:lvl1pPr>
             <a:lvl2pPr marL="457200" indent="0" algn="ctr">
               <a:buNone/>
-              <a:defRPr sz="2000"/>
+              <a:defRPr>
+                <a:solidFill>
+                  <a:schemeClr val="tx1">
+                    <a:tint val="75000"/>
+                  </a:schemeClr>
+                </a:solidFill>
+              </a:defRPr>
             </a:lvl2pPr>
             <a:lvl3pPr marL="914400" indent="0" algn="ctr">
               <a:buNone/>
-              <a:defRPr sz="1800"/>
+              <a:defRPr>
+                <a:solidFill>
+                  <a:schemeClr val="tx1">
+                    <a:tint val="75000"/>
+                  </a:schemeClr>
+                </a:solidFill>
+              </a:defRPr>
             </a:lvl3pPr>
             <a:lvl4pPr marL="1371600" indent="0" algn="ctr">
               <a:buNone/>
-              <a:defRPr sz="1600"/>
+              <a:defRPr>
+                <a:solidFill>
+                  <a:schemeClr val="tx1">
+                    <a:tint val="75000"/>
+                  </a:schemeClr>
+                </a:solidFill>
+              </a:defRPr>
             </a:lvl4pPr>
             <a:lvl5pPr marL="1828800" indent="0" algn="ctr">
               <a:buNone/>
-              <a:defRPr sz="1600"/>
+              <a:defRPr>
+                <a:solidFill>
+                  <a:schemeClr val="tx1">
+                    <a:tint val="75000"/>
+                  </a:schemeClr>
+                </a:solidFill>
+              </a:defRPr>
             </a:lvl5pPr>
             <a:lvl6pPr marL="2286000" indent="0" algn="ctr">
               <a:buNone/>
-              <a:defRPr sz="1600"/>
+              <a:defRPr>
+                <a:solidFill>
+                  <a:schemeClr val="tx1">
+                    <a:tint val="75000"/>
+                  </a:schemeClr>
+                </a:solidFill>
+              </a:defRPr>
             </a:lvl6pPr>
             <a:lvl7pPr marL="2743200" indent="0" algn="ctr">
               <a:buNone/>
-              <a:defRPr sz="1600"/>
+              <a:defRPr>
+                <a:solidFill>
+                  <a:schemeClr val="tx1">
+                    <a:tint val="75000"/>
+                  </a:schemeClr>
+                </a:solidFill>
+              </a:defRPr>
             </a:lvl7pPr>
             <a:lvl8pPr marL="3200400" indent="0" algn="ctr">
               <a:buNone/>
-              <a:defRPr sz="1600"/>
+              <a:defRPr>
+                <a:solidFill>
+                  <a:schemeClr val="tx1">
+                    <a:tint val="75000"/>
+                  </a:schemeClr>
+                </a:solidFill>
+              </a:defRPr>
             </a:lvl8pPr>
             <a:lvl9pPr marL="3657600" indent="0" algn="ctr">
               <a:buNone/>
-              <a:defRPr sz="1600"/>
+              <a:defRPr>
+                <a:solidFill>
+                  <a:schemeClr val="tx1">
+                    <a:tint val="75000"/>
+                  </a:schemeClr>
+                </a:solidFill>
+              </a:defRPr>
             </a:lvl9pPr>
           </a:lstStyle>
           <a:p>
@@ -3049,7 +2837,7 @@
       </p:sp>
       <p:sp>
         <p:nvSpPr>
-          <p:cNvPr id="1685147700" name="Date Placeholder 3"/>
+          <p:cNvPr id="808733566" name="Date Placeholder 3"/>
           <p:cNvSpPr>
             <a:spLocks noGrp="1"/>
           </p:cNvSpPr>
@@ -3065,9 +2853,9 @@
             <a:pPr>
               <a:defRPr/>
             </a:pPr>
-            <a:fld id="{BCC18F51-09EC-435C-A3BA-64A766E099C0}" type="datetimeFigureOut">
+            <a:fld id="{5BCAD085-E8A6-8845-BD4E-CB4CCA059FC4}" type="datetimeFigureOut">
               <a:rPr lang="en-US"/>
-              <a:t>30.10.2013</a:t>
+              <a:t>1/27/13</a:t>
             </a:fld>
             <a:endParaRPr lang="en-US"/>
           </a:p>
@@ -3075,7 +2863,7 @@
       </p:sp>
       <p:sp>
         <p:nvSpPr>
-          <p:cNvPr id="1537533697" name="Footer Placeholder 4"/>
+          <p:cNvPr id="1917451321" name="Footer Placeholder 4"/>
           <p:cNvSpPr>
             <a:spLocks noGrp="1"/>
           </p:cNvSpPr>
@@ -3097,7 +2885,7 @@
       </p:sp>
       <p:sp>
         <p:nvSpPr>
-          <p:cNvPr id="1700884924" name="Slide Number Placeholder 5"/>
+          <p:cNvPr id="1799244361" name="Slide Number Placeholder 5"/>
           <p:cNvSpPr>
             <a:spLocks noGrp="1"/>
           </p:cNvSpPr>
@@ -3113,7 +2901,7 @@
             <a:pPr>
               <a:defRPr/>
             </a:pPr>
-            <a:fld id="{08395586-F03A-48D1-94DF-16B239DF4FB5}" type="slidenum">
+            <a:fld id="{C1FF6DA9-008F-8B48-92A6-B652298478BF}" type="slidenum">
               <a:rPr lang="en-US"/>
               <a:t>‹#›</a:t>
             </a:fld>
@@ -3148,7 +2936,7 @@
       </p:grpSpPr>
       <p:sp>
         <p:nvSpPr>
-          <p:cNvPr id="2108403141" name="Title 1"/>
+          <p:cNvPr id="991041584" name="Title 1"/>
           <p:cNvSpPr>
             <a:spLocks noGrp="1"/>
           </p:cNvSpPr>
@@ -3174,7 +2962,7 @@
       </p:sp>
       <p:sp>
         <p:nvSpPr>
-          <p:cNvPr id="518265471" name="Vertical Text Placeholder 2"/>
+          <p:cNvPr id="678091770" name="Vertical Text Placeholder 2"/>
           <p:cNvSpPr>
             <a:spLocks noGrp="1"/>
           </p:cNvSpPr>
@@ -3240,7 +3028,7 @@
       </p:sp>
       <p:sp>
         <p:nvSpPr>
-          <p:cNvPr id="913700083" name="Date Placeholder 3"/>
+          <p:cNvPr id="949223975" name="Date Placeholder 3"/>
           <p:cNvSpPr>
             <a:spLocks noGrp="1"/>
           </p:cNvSpPr>
@@ -3256,9 +3044,9 @@
             <a:pPr>
               <a:defRPr/>
             </a:pPr>
-            <a:fld id="{BCC18F51-09EC-435C-A3BA-64A766E099C0}" type="datetimeFigureOut">
+            <a:fld id="{5BCAD085-E8A6-8845-BD4E-CB4CCA059FC4}" type="datetimeFigureOut">
               <a:rPr lang="en-US"/>
-              <a:t>30.10.2013</a:t>
+              <a:t>1/27/13</a:t>
             </a:fld>
             <a:endParaRPr lang="en-US"/>
           </a:p>
@@ -3266,7 +3054,7 @@
       </p:sp>
       <p:sp>
         <p:nvSpPr>
-          <p:cNvPr id="459467219" name="Footer Placeholder 4"/>
+          <p:cNvPr id="1924617531" name="Footer Placeholder 4"/>
           <p:cNvSpPr>
             <a:spLocks noGrp="1"/>
           </p:cNvSpPr>
@@ -3288,7 +3076,7 @@
       </p:sp>
       <p:sp>
         <p:nvSpPr>
-          <p:cNvPr id="886311153" name="Slide Number Placeholder 5"/>
+          <p:cNvPr id="112828055" name="Slide Number Placeholder 5"/>
           <p:cNvSpPr>
             <a:spLocks noGrp="1"/>
           </p:cNvSpPr>
@@ -3304,7 +3092,7 @@
             <a:pPr>
               <a:defRPr/>
             </a:pPr>
-            <a:fld id="{08395586-F03A-48D1-94DF-16B239DF4FB5}" type="slidenum">
+            <a:fld id="{C1FF6DA9-008F-8B48-92A6-B652298478BF}" type="slidenum">
               <a:rPr lang="en-US"/>
               <a:t>‹#›</a:t>
             </a:fld>
@@ -3339,7 +3127,7 @@
       </p:grpSpPr>
       <p:sp>
         <p:nvSpPr>
-          <p:cNvPr id="1594908438" name="Vertical Title 1"/>
+          <p:cNvPr id="167593750" name="Vertical Title 1"/>
           <p:cNvSpPr>
             <a:spLocks noGrp="1"/>
           </p:cNvSpPr>
@@ -3349,8 +3137,8 @@
         </p:nvSpPr>
         <p:spPr bwMode="auto">
           <a:xfrm>
-            <a:off x="8724900" y="365125"/>
-            <a:ext cx="2628900" cy="5811838"/>
+            <a:off x="6629400" y="274638"/>
+            <a:ext cx="2057400" cy="5851525"/>
           </a:xfrm>
         </p:spPr>
         <p:txBody>
@@ -3370,7 +3158,7 @@
       </p:sp>
       <p:sp>
         <p:nvSpPr>
-          <p:cNvPr id="36599380" name="Vertical Text Placeholder 2"/>
+          <p:cNvPr id="1408148006" name="Vertical Text Placeholder 2"/>
           <p:cNvSpPr>
             <a:spLocks noGrp="1"/>
           </p:cNvSpPr>
@@ -3380,8 +3168,8 @@
         </p:nvSpPr>
         <p:spPr bwMode="auto">
           <a:xfrm>
-            <a:off x="838200" y="365125"/>
-            <a:ext cx="7734300" cy="5811838"/>
+            <a:off x="457200" y="274638"/>
+            <a:ext cx="6019800" cy="5851525"/>
           </a:xfrm>
         </p:spPr>
         <p:txBody>
@@ -3441,7 +3229,7 @@
       </p:sp>
       <p:sp>
         <p:nvSpPr>
-          <p:cNvPr id="1757872857" name="Date Placeholder 3"/>
+          <p:cNvPr id="330319799" name="Date Placeholder 3"/>
           <p:cNvSpPr>
             <a:spLocks noGrp="1"/>
           </p:cNvSpPr>
@@ -3457,9 +3245,9 @@
             <a:pPr>
               <a:defRPr/>
             </a:pPr>
-            <a:fld id="{BCC18F51-09EC-435C-A3BA-64A766E099C0}" type="datetimeFigureOut">
+            <a:fld id="{5BCAD085-E8A6-8845-BD4E-CB4CCA059FC4}" type="datetimeFigureOut">
               <a:rPr lang="en-US"/>
-              <a:t>30.10.2013</a:t>
+              <a:t>1/27/13</a:t>
             </a:fld>
             <a:endParaRPr lang="en-US"/>
           </a:p>
@@ -3467,7 +3255,7 @@
       </p:sp>
       <p:sp>
         <p:nvSpPr>
-          <p:cNvPr id="1325874513" name="Footer Placeholder 4"/>
+          <p:cNvPr id="1266834503" name="Footer Placeholder 4"/>
           <p:cNvSpPr>
             <a:spLocks noGrp="1"/>
           </p:cNvSpPr>
@@ -3489,7 +3277,7 @@
       </p:sp>
       <p:sp>
         <p:nvSpPr>
-          <p:cNvPr id="807772980" name="Slide Number Placeholder 5"/>
+          <p:cNvPr id="1418320801" name="Slide Number Placeholder 5"/>
           <p:cNvSpPr>
             <a:spLocks noGrp="1"/>
           </p:cNvSpPr>
@@ -3505,7 +3293,7 @@
             <a:pPr>
               <a:defRPr/>
             </a:pPr>
-            <a:fld id="{08395586-F03A-48D1-94DF-16B239DF4FB5}" type="slidenum">
+            <a:fld id="{C1FF6DA9-008F-8B48-92A6-B652298478BF}" type="slidenum">
               <a:rPr lang="en-US"/>
               <a:t>‹#›</a:t>
             </a:fld>
@@ -3540,7 +3328,7 @@
       </p:grpSpPr>
       <p:sp>
         <p:nvSpPr>
-          <p:cNvPr id="58750472" name="Title 1"/>
+          <p:cNvPr id="326068299" name="Title 1"/>
           <p:cNvSpPr>
             <a:spLocks noGrp="1"/>
           </p:cNvSpPr>
@@ -3566,7 +3354,7 @@
       </p:sp>
       <p:sp>
         <p:nvSpPr>
-          <p:cNvPr id="653544468" name="Content Placeholder 2"/>
+          <p:cNvPr id="334152313" name="Content Placeholder 2"/>
           <p:cNvSpPr>
             <a:spLocks noGrp="1"/>
           </p:cNvSpPr>
@@ -3632,7 +3420,7 @@
       </p:sp>
       <p:sp>
         <p:nvSpPr>
-          <p:cNvPr id="2068405478" name="Date Placeholder 3"/>
+          <p:cNvPr id="11904609" name="Date Placeholder 3"/>
           <p:cNvSpPr>
             <a:spLocks noGrp="1"/>
           </p:cNvSpPr>
@@ -3648,9 +3436,9 @@
             <a:pPr>
               <a:defRPr/>
             </a:pPr>
-            <a:fld id="{BCC18F51-09EC-435C-A3BA-64A766E099C0}" type="datetimeFigureOut">
+            <a:fld id="{5BCAD085-E8A6-8845-BD4E-CB4CCA059FC4}" type="datetimeFigureOut">
               <a:rPr lang="en-US"/>
-              <a:t>30.10.2013</a:t>
+              <a:t>1/27/13</a:t>
             </a:fld>
             <a:endParaRPr lang="en-US"/>
           </a:p>
@@ -3658,7 +3446,7 @@
       </p:sp>
       <p:sp>
         <p:nvSpPr>
-          <p:cNvPr id="1397571434" name="Footer Placeholder 4"/>
+          <p:cNvPr id="426729742" name="Footer Placeholder 4"/>
           <p:cNvSpPr>
             <a:spLocks noGrp="1"/>
           </p:cNvSpPr>
@@ -3680,7 +3468,7 @@
       </p:sp>
       <p:sp>
         <p:nvSpPr>
-          <p:cNvPr id="1219807394" name="Slide Number Placeholder 5"/>
+          <p:cNvPr id="1750304052" name="Slide Number Placeholder 5"/>
           <p:cNvSpPr>
             <a:spLocks noGrp="1"/>
           </p:cNvSpPr>
@@ -3696,7 +3484,7 @@
             <a:pPr>
               <a:defRPr/>
             </a:pPr>
-            <a:fld id="{08395586-F03A-48D1-94DF-16B239DF4FB5}" type="slidenum">
+            <a:fld id="{C1FF6DA9-008F-8B48-92A6-B652298478BF}" type="slidenum">
               <a:rPr lang="en-US"/>
               <a:t>‹#›</a:t>
             </a:fld>
@@ -3731,7 +3519,7 @@
       </p:grpSpPr>
       <p:sp>
         <p:nvSpPr>
-          <p:cNvPr id="1666597731" name="Title 1"/>
+          <p:cNvPr id="618561471" name="Title 1"/>
           <p:cNvSpPr>
             <a:spLocks noGrp="1"/>
           </p:cNvSpPr>
@@ -3741,15 +3529,15 @@
         </p:nvSpPr>
         <p:spPr bwMode="auto">
           <a:xfrm>
-            <a:off x="831850" y="1709738"/>
-            <a:ext cx="10515600" cy="2852737"/>
+            <a:off x="722313" y="4406900"/>
+            <a:ext cx="7772400" cy="1362075"/>
           </a:xfrm>
         </p:spPr>
         <p:txBody>
-          <a:bodyPr anchor="b"/>
+          <a:bodyPr anchor="t"/>
           <a:lstStyle>
-            <a:lvl1pPr>
-              <a:defRPr sz="6000"/>
+            <a:lvl1pPr algn="l">
+              <a:defRPr sz="4000" b="1" cap="all"/>
             </a:lvl1pPr>
           </a:lstStyle>
           <a:p>
@@ -3766,7 +3554,7 @@
       </p:sp>
       <p:sp>
         <p:nvSpPr>
-          <p:cNvPr id="578763749" name="Text Placeholder 2"/>
+          <p:cNvPr id="717548372" name="Text Placeholder 2"/>
           <p:cNvSpPr>
             <a:spLocks noGrp="1"/>
           </p:cNvSpPr>
@@ -3776,16 +3564,16 @@
         </p:nvSpPr>
         <p:spPr bwMode="auto">
           <a:xfrm>
-            <a:off x="831850" y="4589463"/>
-            <a:ext cx="10515600" cy="1500187"/>
+            <a:off x="722313" y="2906713"/>
+            <a:ext cx="7772400" cy="1500187"/>
           </a:xfrm>
         </p:spPr>
         <p:txBody>
-          <a:bodyPr/>
+          <a:bodyPr anchor="b"/>
           <a:lstStyle>
             <a:lvl1pPr marL="0" indent="0">
               <a:buNone/>
-              <a:defRPr sz="2400">
+              <a:defRPr sz="2000">
                 <a:solidFill>
                   <a:schemeClr val="tx1">
                     <a:tint val="75000"/>
@@ -3795,7 +3583,7 @@
             </a:lvl1pPr>
             <a:lvl2pPr marL="457200" indent="0">
               <a:buNone/>
-              <a:defRPr sz="2000">
+              <a:defRPr sz="1800">
                 <a:solidFill>
                   <a:schemeClr val="tx1">
                     <a:tint val="75000"/>
@@ -3805,7 +3593,7 @@
             </a:lvl2pPr>
             <a:lvl3pPr marL="914400" indent="0">
               <a:buNone/>
-              <a:defRPr sz="1800">
+              <a:defRPr sz="1600">
                 <a:solidFill>
                   <a:schemeClr val="tx1">
                     <a:tint val="75000"/>
@@ -3815,7 +3603,7 @@
             </a:lvl3pPr>
             <a:lvl4pPr marL="1371600" indent="0">
               <a:buNone/>
-              <a:defRPr sz="1600">
+              <a:defRPr sz="1400">
                 <a:solidFill>
                   <a:schemeClr val="tx1">
                     <a:tint val="75000"/>
@@ -3825,7 +3613,7 @@
             </a:lvl4pPr>
             <a:lvl5pPr marL="1828800" indent="0">
               <a:buNone/>
-              <a:defRPr sz="1600">
+              <a:defRPr sz="1400">
                 <a:solidFill>
                   <a:schemeClr val="tx1">
                     <a:tint val="75000"/>
@@ -3835,7 +3623,7 @@
             </a:lvl5pPr>
             <a:lvl6pPr marL="2286000" indent="0">
               <a:buNone/>
-              <a:defRPr sz="1600">
+              <a:defRPr sz="1400">
                 <a:solidFill>
                   <a:schemeClr val="tx1">
                     <a:tint val="75000"/>
@@ -3845,7 +3633,7 @@
             </a:lvl6pPr>
             <a:lvl7pPr marL="2743200" indent="0">
               <a:buNone/>
-              <a:defRPr sz="1600">
+              <a:defRPr sz="1400">
                 <a:solidFill>
                   <a:schemeClr val="tx1">
                     <a:tint val="75000"/>
@@ -3855,7 +3643,7 @@
             </a:lvl7pPr>
             <a:lvl8pPr marL="3200400" indent="0">
               <a:buNone/>
-              <a:defRPr sz="1600">
+              <a:defRPr sz="1400">
                 <a:solidFill>
                   <a:schemeClr val="tx1">
                     <a:tint val="75000"/>
@@ -3865,7 +3653,7 @@
             </a:lvl8pPr>
             <a:lvl9pPr marL="3657600" indent="0">
               <a:buNone/>
-              <a:defRPr sz="1600">
+              <a:defRPr sz="1400">
                 <a:solidFill>
                   <a:schemeClr val="tx1">
                     <a:tint val="75000"/>
@@ -3888,7 +3676,7 @@
       </p:sp>
       <p:sp>
         <p:nvSpPr>
-          <p:cNvPr id="648441790" name="Date Placeholder 3"/>
+          <p:cNvPr id="811700605" name="Date Placeholder 3"/>
           <p:cNvSpPr>
             <a:spLocks noGrp="1"/>
           </p:cNvSpPr>
@@ -3904,9 +3692,9 @@
             <a:pPr>
               <a:defRPr/>
             </a:pPr>
-            <a:fld id="{BCC18F51-09EC-435C-A3BA-64A766E099C0}" type="datetimeFigureOut">
+            <a:fld id="{5BCAD085-E8A6-8845-BD4E-CB4CCA059FC4}" type="datetimeFigureOut">
               <a:rPr lang="en-US"/>
-              <a:t>30.10.2013</a:t>
+              <a:t>1/27/13</a:t>
             </a:fld>
             <a:endParaRPr lang="en-US"/>
           </a:p>
@@ -3914,7 +3702,7 @@
       </p:sp>
       <p:sp>
         <p:nvSpPr>
-          <p:cNvPr id="1248958355" name="Footer Placeholder 4"/>
+          <p:cNvPr id="794802409" name="Footer Placeholder 4"/>
           <p:cNvSpPr>
             <a:spLocks noGrp="1"/>
           </p:cNvSpPr>
@@ -3936,7 +3724,7 @@
       </p:sp>
       <p:sp>
         <p:nvSpPr>
-          <p:cNvPr id="1498117290" name="Slide Number Placeholder 5"/>
+          <p:cNvPr id="747002816" name="Slide Number Placeholder 5"/>
           <p:cNvSpPr>
             <a:spLocks noGrp="1"/>
           </p:cNvSpPr>
@@ -3952,7 +3740,7 @@
             <a:pPr>
               <a:defRPr/>
             </a:pPr>
-            <a:fld id="{08395586-F03A-48D1-94DF-16B239DF4FB5}" type="slidenum">
+            <a:fld id="{C1FF6DA9-008F-8B48-92A6-B652298478BF}" type="slidenum">
               <a:rPr lang="en-US"/>
               <a:t>‹#›</a:t>
             </a:fld>
@@ -3987,7 +3775,7 @@
       </p:grpSpPr>
       <p:sp>
         <p:nvSpPr>
-          <p:cNvPr id="1067058756" name="Title 1"/>
+          <p:cNvPr id="1938423289" name="Title 1"/>
           <p:cNvSpPr>
             <a:spLocks noGrp="1"/>
           </p:cNvSpPr>
@@ -4013,7 +3801,7 @@
       </p:sp>
       <p:sp>
         <p:nvSpPr>
-          <p:cNvPr id="517071102" name="Content Placeholder 2"/>
+          <p:cNvPr id="1905813655" name="Content Placeholder 2"/>
           <p:cNvSpPr>
             <a:spLocks noGrp="1"/>
           </p:cNvSpPr>
@@ -4023,13 +3811,41 @@
         </p:nvSpPr>
         <p:spPr bwMode="auto">
           <a:xfrm>
-            <a:off x="838200" y="1825625"/>
-            <a:ext cx="5181600" cy="4351338"/>
+            <a:off x="457200" y="1600200"/>
+            <a:ext cx="4038600" cy="4525963"/>
           </a:xfrm>
         </p:spPr>
         <p:txBody>
           <a:bodyPr/>
-          <a:lstStyle/>
+          <a:lstStyle>
+            <a:lvl1pPr>
+              <a:defRPr sz="2800"/>
+            </a:lvl1pPr>
+            <a:lvl2pPr>
+              <a:defRPr sz="2400"/>
+            </a:lvl2pPr>
+            <a:lvl3pPr>
+              <a:defRPr sz="2000"/>
+            </a:lvl3pPr>
+            <a:lvl4pPr>
+              <a:defRPr sz="1800"/>
+            </a:lvl4pPr>
+            <a:lvl5pPr>
+              <a:defRPr sz="1800"/>
+            </a:lvl5pPr>
+            <a:lvl6pPr>
+              <a:defRPr sz="1800"/>
+            </a:lvl6pPr>
+            <a:lvl7pPr>
+              <a:defRPr sz="1800"/>
+            </a:lvl7pPr>
+            <a:lvl8pPr>
+              <a:defRPr sz="1800"/>
+            </a:lvl8pPr>
+            <a:lvl9pPr>
+              <a:defRPr sz="1800"/>
+            </a:lvl9pPr>
+          </a:lstStyle>
           <a:p>
             <a:pPr lvl="0">
               <a:defRPr/>
@@ -4084,7 +3900,7 @@
       </p:sp>
       <p:sp>
         <p:nvSpPr>
-          <p:cNvPr id="796394910" name="Content Placeholder 3"/>
+          <p:cNvPr id="1200512167" name="Content Placeholder 3"/>
           <p:cNvSpPr>
             <a:spLocks noGrp="1"/>
           </p:cNvSpPr>
@@ -4094,13 +3910,41 @@
         </p:nvSpPr>
         <p:spPr bwMode="auto">
           <a:xfrm>
-            <a:off x="6172200" y="1825625"/>
-            <a:ext cx="5181600" cy="4351338"/>
+            <a:off x="4648200" y="1600200"/>
+            <a:ext cx="4038600" cy="4525963"/>
           </a:xfrm>
         </p:spPr>
         <p:txBody>
           <a:bodyPr/>
-          <a:lstStyle/>
+          <a:lstStyle>
+            <a:lvl1pPr>
+              <a:defRPr sz="2800"/>
+            </a:lvl1pPr>
+            <a:lvl2pPr>
+              <a:defRPr sz="2400"/>
+            </a:lvl2pPr>
+            <a:lvl3pPr>
+              <a:defRPr sz="2000"/>
+            </a:lvl3pPr>
+            <a:lvl4pPr>
+              <a:defRPr sz="1800"/>
+            </a:lvl4pPr>
+            <a:lvl5pPr>
+              <a:defRPr sz="1800"/>
+            </a:lvl5pPr>
+            <a:lvl6pPr>
+              <a:defRPr sz="1800"/>
+            </a:lvl6pPr>
+            <a:lvl7pPr>
+              <a:defRPr sz="1800"/>
+            </a:lvl7pPr>
+            <a:lvl8pPr>
+              <a:defRPr sz="1800"/>
+            </a:lvl8pPr>
+            <a:lvl9pPr>
+              <a:defRPr sz="1800"/>
+            </a:lvl9pPr>
+          </a:lstStyle>
           <a:p>
             <a:pPr lvl="0">
               <a:defRPr/>
@@ -4155,7 +3999,7 @@
       </p:sp>
       <p:sp>
         <p:nvSpPr>
-          <p:cNvPr id="1028344060" name="Date Placeholder 4"/>
+          <p:cNvPr id="1643690407" name="Date Placeholder 4"/>
           <p:cNvSpPr>
             <a:spLocks noGrp="1"/>
           </p:cNvSpPr>
@@ -4171,9 +4015,9 @@
             <a:pPr>
               <a:defRPr/>
             </a:pPr>
-            <a:fld id="{BCC18F51-09EC-435C-A3BA-64A766E099C0}" type="datetimeFigureOut">
+            <a:fld id="{5BCAD085-E8A6-8845-BD4E-CB4CCA059FC4}" type="datetimeFigureOut">
               <a:rPr lang="en-US"/>
-              <a:t>30.10.2013</a:t>
+              <a:t>1/27/13</a:t>
             </a:fld>
             <a:endParaRPr lang="en-US"/>
           </a:p>
@@ -4181,7 +4025,7 @@
       </p:sp>
       <p:sp>
         <p:nvSpPr>
-          <p:cNvPr id="907867729" name="Footer Placeholder 5"/>
+          <p:cNvPr id="1812323882" name="Footer Placeholder 5"/>
           <p:cNvSpPr>
             <a:spLocks noGrp="1"/>
           </p:cNvSpPr>
@@ -4203,7 +4047,7 @@
       </p:sp>
       <p:sp>
         <p:nvSpPr>
-          <p:cNvPr id="529009373" name="Slide Number Placeholder 6"/>
+          <p:cNvPr id="716746486" name="Slide Number Placeholder 6"/>
           <p:cNvSpPr>
             <a:spLocks noGrp="1"/>
           </p:cNvSpPr>
@@ -4219,7 +4063,7 @@
             <a:pPr>
               <a:defRPr/>
             </a:pPr>
-            <a:fld id="{08395586-F03A-48D1-94DF-16B239DF4FB5}" type="slidenum">
+            <a:fld id="{C1FF6DA9-008F-8B48-92A6-B652298478BF}" type="slidenum">
               <a:rPr lang="en-US"/>
               <a:t>‹#›</a:t>
             </a:fld>
@@ -4254,49 +4098,48 @@
       </p:grpSpPr>
       <p:sp>
         <p:nvSpPr>
-          <p:cNvPr id="435086566" name="Title 1"/>
+          <p:cNvPr id="586373774" name="Title 1"/>
           <p:cNvSpPr>
             <a:spLocks noGrp="1"/>
           </p:cNvSpPr>
           <p:nvPr>
             <p:ph type="title"/>
+          </p:nvPr>
+        </p:nvSpPr>
+        <p:spPr bwMode="auto"/>
+        <p:txBody>
+          <a:bodyPr/>
+          <a:lstStyle>
+            <a:lvl1pPr>
+              <a:defRPr/>
+            </a:lvl1pPr>
+          </a:lstStyle>
+          <a:p>
+            <a:pPr>
+              <a:defRPr/>
+            </a:pPr>
+            <a:r>
+              <a:rPr lang="en-US"/>
+              <a:t>Click to edit Master title style</a:t>
+            </a:r>
+            <a:endParaRPr lang="en-US"/>
+          </a:p>
+        </p:txBody>
+      </p:sp>
+      <p:sp>
+        <p:nvSpPr>
+          <p:cNvPr id="391735486" name="Text Placeholder 2"/>
+          <p:cNvSpPr>
+            <a:spLocks noGrp="1"/>
+          </p:cNvSpPr>
+          <p:nvPr>
+            <p:ph type="body" idx="1"/>
           </p:nvPr>
         </p:nvSpPr>
         <p:spPr bwMode="auto">
           <a:xfrm>
-            <a:off x="839788" y="365125"/>
-            <a:ext cx="10515600" cy="1325563"/>
-          </a:xfrm>
-        </p:spPr>
-        <p:txBody>
-          <a:bodyPr/>
-          <a:lstStyle/>
-          <a:p>
-            <a:pPr>
-              <a:defRPr/>
-            </a:pPr>
-            <a:r>
-              <a:rPr lang="en-US"/>
-              <a:t>Click to edit Master title style</a:t>
-            </a:r>
-            <a:endParaRPr lang="en-US"/>
-          </a:p>
-        </p:txBody>
-      </p:sp>
-      <p:sp>
-        <p:nvSpPr>
-          <p:cNvPr id="1737051819" name="Text Placeholder 2"/>
-          <p:cNvSpPr>
-            <a:spLocks noGrp="1"/>
-          </p:cNvSpPr>
-          <p:nvPr>
-            <p:ph type="body" idx="1"/>
-          </p:nvPr>
-        </p:nvSpPr>
-        <p:spPr bwMode="auto">
-          <a:xfrm>
-            <a:off x="839788" y="1681163"/>
-            <a:ext cx="5157787" cy="823912"/>
+            <a:off x="457200" y="1535113"/>
+            <a:ext cx="4040188" cy="639762"/>
           </a:xfrm>
         </p:spPr>
         <p:txBody>
@@ -4353,7 +4196,7 @@
       </p:sp>
       <p:sp>
         <p:nvSpPr>
-          <p:cNvPr id="1997492601" name="Content Placeholder 3"/>
+          <p:cNvPr id="573760095" name="Content Placeholder 3"/>
           <p:cNvSpPr>
             <a:spLocks noGrp="1"/>
           </p:cNvSpPr>
@@ -4363,13 +4206,41 @@
         </p:nvSpPr>
         <p:spPr bwMode="auto">
           <a:xfrm>
-            <a:off x="839788" y="2505074"/>
-            <a:ext cx="5157787" cy="3684588"/>
+            <a:off x="457200" y="2174875"/>
+            <a:ext cx="4040188" cy="3951288"/>
           </a:xfrm>
         </p:spPr>
         <p:txBody>
           <a:bodyPr/>
-          <a:lstStyle/>
+          <a:lstStyle>
+            <a:lvl1pPr>
+              <a:defRPr sz="2400"/>
+            </a:lvl1pPr>
+            <a:lvl2pPr>
+              <a:defRPr sz="2000"/>
+            </a:lvl2pPr>
+            <a:lvl3pPr>
+              <a:defRPr sz="1800"/>
+            </a:lvl3pPr>
+            <a:lvl4pPr>
+              <a:defRPr sz="1600"/>
+            </a:lvl4pPr>
+            <a:lvl5pPr>
+              <a:defRPr sz="1600"/>
+            </a:lvl5pPr>
+            <a:lvl6pPr>
+              <a:defRPr sz="1600"/>
+            </a:lvl6pPr>
+            <a:lvl7pPr>
+              <a:defRPr sz="1600"/>
+            </a:lvl7pPr>
+            <a:lvl8pPr>
+              <a:defRPr sz="1600"/>
+            </a:lvl8pPr>
+            <a:lvl9pPr>
+              <a:defRPr sz="1600"/>
+            </a:lvl9pPr>
+          </a:lstStyle>
           <a:p>
             <a:pPr lvl="0">
               <a:defRPr/>
@@ -4424,7 +4295,7 @@
       </p:sp>
       <p:sp>
         <p:nvSpPr>
-          <p:cNvPr id="1025701530" name="Text Placeholder 4"/>
+          <p:cNvPr id="286710794" name="Text Placeholder 4"/>
           <p:cNvSpPr>
             <a:spLocks noGrp="1"/>
           </p:cNvSpPr>
@@ -4434,8 +4305,8 @@
         </p:nvSpPr>
         <p:spPr bwMode="auto">
           <a:xfrm>
-            <a:off x="6172200" y="1681163"/>
-            <a:ext cx="5183188" cy="823912"/>
+            <a:off x="4645025" y="1535113"/>
+            <a:ext cx="4041775" cy="639762"/>
           </a:xfrm>
         </p:spPr>
         <p:txBody>
@@ -4492,7 +4363,7 @@
       </p:sp>
       <p:sp>
         <p:nvSpPr>
-          <p:cNvPr id="1607067010" name="Content Placeholder 5"/>
+          <p:cNvPr id="1443222149" name="Content Placeholder 5"/>
           <p:cNvSpPr>
             <a:spLocks noGrp="1"/>
           </p:cNvSpPr>
@@ -4502,13 +4373,41 @@
         </p:nvSpPr>
         <p:spPr bwMode="auto">
           <a:xfrm>
-            <a:off x="6172200" y="2505074"/>
-            <a:ext cx="5183188" cy="3684588"/>
+            <a:off x="4645025" y="2174875"/>
+            <a:ext cx="4041775" cy="3951288"/>
           </a:xfrm>
         </p:spPr>
         <p:txBody>
           <a:bodyPr/>
-          <a:lstStyle/>
+          <a:lstStyle>
+            <a:lvl1pPr>
+              <a:defRPr sz="2400"/>
+            </a:lvl1pPr>
+            <a:lvl2pPr>
+              <a:defRPr sz="2000"/>
+            </a:lvl2pPr>
+            <a:lvl3pPr>
+              <a:defRPr sz="1800"/>
+            </a:lvl3pPr>
+            <a:lvl4pPr>
+              <a:defRPr sz="1600"/>
+            </a:lvl4pPr>
+            <a:lvl5pPr>
+              <a:defRPr sz="1600"/>
+            </a:lvl5pPr>
+            <a:lvl6pPr>
+              <a:defRPr sz="1600"/>
+            </a:lvl6pPr>
+            <a:lvl7pPr>
+              <a:defRPr sz="1600"/>
+            </a:lvl7pPr>
+            <a:lvl8pPr>
+              <a:defRPr sz="1600"/>
+            </a:lvl8pPr>
+            <a:lvl9pPr>
+              <a:defRPr sz="1600"/>
+            </a:lvl9pPr>
+          </a:lstStyle>
           <a:p>
             <a:pPr lvl="0">
               <a:defRPr/>
@@ -4563,7 +4462,7 @@
       </p:sp>
       <p:sp>
         <p:nvSpPr>
-          <p:cNvPr id="2127570796" name="Date Placeholder 6"/>
+          <p:cNvPr id="470432373" name="Date Placeholder 6"/>
           <p:cNvSpPr>
             <a:spLocks noGrp="1"/>
           </p:cNvSpPr>
@@ -4579,9 +4478,9 @@
             <a:pPr>
               <a:defRPr/>
             </a:pPr>
-            <a:fld id="{BCC18F51-09EC-435C-A3BA-64A766E099C0}" type="datetimeFigureOut">
+            <a:fld id="{5BCAD085-E8A6-8845-BD4E-CB4CCA059FC4}" type="datetimeFigureOut">
               <a:rPr lang="en-US"/>
-              <a:t>30.10.2013</a:t>
+              <a:t>1/27/13</a:t>
             </a:fld>
             <a:endParaRPr lang="en-US"/>
           </a:p>
@@ -4589,7 +4488,7 @@
       </p:sp>
       <p:sp>
         <p:nvSpPr>
-          <p:cNvPr id="1877694108" name="Footer Placeholder 7"/>
+          <p:cNvPr id="1214830290" name="Footer Placeholder 7"/>
           <p:cNvSpPr>
             <a:spLocks noGrp="1"/>
           </p:cNvSpPr>
@@ -4611,7 +4510,7 @@
       </p:sp>
       <p:sp>
         <p:nvSpPr>
-          <p:cNvPr id="2092217997" name="Slide Number Placeholder 8"/>
+          <p:cNvPr id="2114029253" name="Slide Number Placeholder 8"/>
           <p:cNvSpPr>
             <a:spLocks noGrp="1"/>
           </p:cNvSpPr>
@@ -4627,7 +4526,7 @@
             <a:pPr>
               <a:defRPr/>
             </a:pPr>
-            <a:fld id="{08395586-F03A-48D1-94DF-16B239DF4FB5}" type="slidenum">
+            <a:fld id="{C1FF6DA9-008F-8B48-92A6-B652298478BF}" type="slidenum">
               <a:rPr lang="en-US"/>
               <a:t>‹#›</a:t>
             </a:fld>
@@ -4662,7 +4561,7 @@
       </p:grpSpPr>
       <p:sp>
         <p:nvSpPr>
-          <p:cNvPr id="1897394574" name="Title 1"/>
+          <p:cNvPr id="289197207" name="Title 1"/>
           <p:cNvSpPr>
             <a:spLocks noGrp="1"/>
           </p:cNvSpPr>
@@ -4688,7 +4587,7 @@
       </p:sp>
       <p:sp>
         <p:nvSpPr>
-          <p:cNvPr id="231084729" name="Date Placeholder 2"/>
+          <p:cNvPr id="694437015" name="Date Placeholder 2"/>
           <p:cNvSpPr>
             <a:spLocks noGrp="1"/>
           </p:cNvSpPr>
@@ -4704,9 +4603,9 @@
             <a:pPr>
               <a:defRPr/>
             </a:pPr>
-            <a:fld id="{BCC18F51-09EC-435C-A3BA-64A766E099C0}" type="datetimeFigureOut">
+            <a:fld id="{5BCAD085-E8A6-8845-BD4E-CB4CCA059FC4}" type="datetimeFigureOut">
               <a:rPr lang="en-US"/>
-              <a:t>30.10.2013</a:t>
+              <a:t>1/27/13</a:t>
             </a:fld>
             <a:endParaRPr lang="en-US"/>
           </a:p>
@@ -4714,7 +4613,7 @@
       </p:sp>
       <p:sp>
         <p:nvSpPr>
-          <p:cNvPr id="1280039014" name="Footer Placeholder 3"/>
+          <p:cNvPr id="81213587" name="Footer Placeholder 3"/>
           <p:cNvSpPr>
             <a:spLocks noGrp="1"/>
           </p:cNvSpPr>
@@ -4736,7 +4635,7 @@
       </p:sp>
       <p:sp>
         <p:nvSpPr>
-          <p:cNvPr id="1357941906" name="Slide Number Placeholder 4"/>
+          <p:cNvPr id="1997459951" name="Slide Number Placeholder 4"/>
           <p:cNvSpPr>
             <a:spLocks noGrp="1"/>
           </p:cNvSpPr>
@@ -4752,7 +4651,7 @@
             <a:pPr>
               <a:defRPr/>
             </a:pPr>
-            <a:fld id="{08395586-F03A-48D1-94DF-16B239DF4FB5}" type="slidenum">
+            <a:fld id="{C1FF6DA9-008F-8B48-92A6-B652298478BF}" type="slidenum">
               <a:rPr lang="en-US"/>
               <a:t>‹#›</a:t>
             </a:fld>
@@ -4787,7 +4686,7 @@
       </p:grpSpPr>
       <p:sp>
         <p:nvSpPr>
-          <p:cNvPr id="525813492" name="Date Placeholder 1"/>
+          <p:cNvPr id="1795482243" name="Date Placeholder 1"/>
           <p:cNvSpPr>
             <a:spLocks noGrp="1"/>
           </p:cNvSpPr>
@@ -4803,9 +4702,9 @@
             <a:pPr>
               <a:defRPr/>
             </a:pPr>
-            <a:fld id="{BCC18F51-09EC-435C-A3BA-64A766E099C0}" type="datetimeFigureOut">
+            <a:fld id="{5BCAD085-E8A6-8845-BD4E-CB4CCA059FC4}" type="datetimeFigureOut">
               <a:rPr lang="en-US"/>
-              <a:t>30.10.2013</a:t>
+              <a:t>1/27/13</a:t>
             </a:fld>
             <a:endParaRPr lang="en-US"/>
           </a:p>
@@ -4813,7 +4712,7 @@
       </p:sp>
       <p:sp>
         <p:nvSpPr>
-          <p:cNvPr id="232003456" name="Footer Placeholder 2"/>
+          <p:cNvPr id="1968699515" name="Footer Placeholder 2"/>
           <p:cNvSpPr>
             <a:spLocks noGrp="1"/>
           </p:cNvSpPr>
@@ -4835,7 +4734,7 @@
       </p:sp>
       <p:sp>
         <p:nvSpPr>
-          <p:cNvPr id="1529541691" name="Slide Number Placeholder 3"/>
+          <p:cNvPr id="1231925875" name="Slide Number Placeholder 3"/>
           <p:cNvSpPr>
             <a:spLocks noGrp="1"/>
           </p:cNvSpPr>
@@ -4851,7 +4750,7 @@
             <a:pPr>
               <a:defRPr/>
             </a:pPr>
-            <a:fld id="{08395586-F03A-48D1-94DF-16B239DF4FB5}" type="slidenum">
+            <a:fld id="{C1FF6DA9-008F-8B48-92A6-B652298478BF}" type="slidenum">
               <a:rPr lang="en-US"/>
               <a:t>‹#›</a:t>
             </a:fld>
@@ -4886,7 +4785,7 @@
       </p:grpSpPr>
       <p:sp>
         <p:nvSpPr>
-          <p:cNvPr id="384400283" name="Title 1"/>
+          <p:cNvPr id="1671441071" name="Title 1"/>
           <p:cNvSpPr>
             <a:spLocks noGrp="1"/>
           </p:cNvSpPr>
@@ -4896,15 +4795,15 @@
         </p:nvSpPr>
         <p:spPr bwMode="auto">
           <a:xfrm>
-            <a:off x="839788" y="457200"/>
-            <a:ext cx="3932237" cy="1600200"/>
+            <a:off x="457200" y="273050"/>
+            <a:ext cx="3008313" cy="1162050"/>
           </a:xfrm>
         </p:spPr>
         <p:txBody>
           <a:bodyPr anchor="b"/>
           <a:lstStyle>
-            <a:lvl1pPr>
-              <a:defRPr sz="3200"/>
+            <a:lvl1pPr algn="l">
+              <a:defRPr sz="2000" b="1"/>
             </a:lvl1pPr>
           </a:lstStyle>
           <a:p>
@@ -4921,7 +4820,7 @@
       </p:sp>
       <p:sp>
         <p:nvSpPr>
-          <p:cNvPr id="1458942444" name="Content Placeholder 2"/>
+          <p:cNvPr id="711792200" name="Content Placeholder 2"/>
           <p:cNvSpPr>
             <a:spLocks noGrp="1"/>
           </p:cNvSpPr>
@@ -4931,8 +4830,8 @@
         </p:nvSpPr>
         <p:spPr bwMode="auto">
           <a:xfrm>
-            <a:off x="5183188" y="987425"/>
-            <a:ext cx="6172200" cy="4873625"/>
+            <a:off x="3575050" y="273050"/>
+            <a:ext cx="5111750" cy="5853113"/>
           </a:xfrm>
         </p:spPr>
         <p:txBody>
@@ -5020,7 +4919,7 @@
       </p:sp>
       <p:sp>
         <p:nvSpPr>
-          <p:cNvPr id="526758062" name="Text Placeholder 3"/>
+          <p:cNvPr id="1369171456" name="Text Placeholder 3"/>
           <p:cNvSpPr>
             <a:spLocks noGrp="1"/>
           </p:cNvSpPr>
@@ -5030,8 +4929,8 @@
         </p:nvSpPr>
         <p:spPr bwMode="auto">
           <a:xfrm>
-            <a:off x="839788" y="2057400"/>
-            <a:ext cx="3932237" cy="3811588"/>
+            <a:off x="457200" y="1435100"/>
+            <a:ext cx="3008313" cy="4691063"/>
           </a:xfrm>
         </p:spPr>
         <p:txBody>
@@ -5039,39 +4938,39 @@
           <a:lstStyle>
             <a:lvl1pPr marL="0" indent="0">
               <a:buNone/>
-              <a:defRPr sz="1600"/>
+              <a:defRPr sz="1400"/>
             </a:lvl1pPr>
             <a:lvl2pPr marL="457200" indent="0">
               <a:buNone/>
-              <a:defRPr sz="1400"/>
+              <a:defRPr sz="1200"/>
             </a:lvl2pPr>
             <a:lvl3pPr marL="914400" indent="0">
               <a:buNone/>
-              <a:defRPr sz="1200"/>
+              <a:defRPr sz="1000"/>
             </a:lvl3pPr>
             <a:lvl4pPr marL="1371600" indent="0">
               <a:buNone/>
-              <a:defRPr sz="1000"/>
+              <a:defRPr sz="900"/>
             </a:lvl4pPr>
             <a:lvl5pPr marL="1828800" indent="0">
               <a:buNone/>
-              <a:defRPr sz="1000"/>
+              <a:defRPr sz="900"/>
             </a:lvl5pPr>
             <a:lvl6pPr marL="2286000" indent="0">
               <a:buNone/>
-              <a:defRPr sz="1000"/>
+              <a:defRPr sz="900"/>
             </a:lvl6pPr>
             <a:lvl7pPr marL="2743200" indent="0">
               <a:buNone/>
-              <a:defRPr sz="1000"/>
+              <a:defRPr sz="900"/>
             </a:lvl7pPr>
             <a:lvl8pPr marL="3200400" indent="0">
               <a:buNone/>
-              <a:defRPr sz="1000"/>
+              <a:defRPr sz="900"/>
             </a:lvl8pPr>
             <a:lvl9pPr marL="3657600" indent="0">
               <a:buNone/>
-              <a:defRPr sz="1000"/>
+              <a:defRPr sz="900"/>
             </a:lvl9pPr>
           </a:lstStyle>
           <a:p>
@@ -5088,7 +4987,7 @@
       </p:sp>
       <p:sp>
         <p:nvSpPr>
-          <p:cNvPr id="27506819" name="Date Placeholder 4"/>
+          <p:cNvPr id="1895675049" name="Date Placeholder 4"/>
           <p:cNvSpPr>
             <a:spLocks noGrp="1"/>
           </p:cNvSpPr>
@@ -5104,9 +5003,9 @@
             <a:pPr>
               <a:defRPr/>
             </a:pPr>
-            <a:fld id="{BCC18F51-09EC-435C-A3BA-64A766E099C0}" type="datetimeFigureOut">
+            <a:fld id="{5BCAD085-E8A6-8845-BD4E-CB4CCA059FC4}" type="datetimeFigureOut">
               <a:rPr lang="en-US"/>
-              <a:t>30.10.2013</a:t>
+              <a:t>1/27/13</a:t>
             </a:fld>
             <a:endParaRPr lang="en-US"/>
           </a:p>
@@ -5114,7 +5013,7 @@
       </p:sp>
       <p:sp>
         <p:nvSpPr>
-          <p:cNvPr id="83772722" name="Footer Placeholder 5"/>
+          <p:cNvPr id="1280266895" name="Footer Placeholder 5"/>
           <p:cNvSpPr>
             <a:spLocks noGrp="1"/>
           </p:cNvSpPr>
@@ -5136,7 +5035,7 @@
       </p:sp>
       <p:sp>
         <p:nvSpPr>
-          <p:cNvPr id="646281792" name="Slide Number Placeholder 6"/>
+          <p:cNvPr id="376253737" name="Slide Number Placeholder 6"/>
           <p:cNvSpPr>
             <a:spLocks noGrp="1"/>
           </p:cNvSpPr>
@@ -5152,7 +5051,7 @@
             <a:pPr>
               <a:defRPr/>
             </a:pPr>
-            <a:fld id="{08395586-F03A-48D1-94DF-16B239DF4FB5}" type="slidenum">
+            <a:fld id="{C1FF6DA9-008F-8B48-92A6-B652298478BF}" type="slidenum">
               <a:rPr lang="en-US"/>
               <a:t>‹#›</a:t>
             </a:fld>
@@ -5187,7 +5086,7 @@
       </p:grpSpPr>
       <p:sp>
         <p:nvSpPr>
-          <p:cNvPr id="1902006364" name="Title 1"/>
+          <p:cNvPr id="1537776499" name="Title 1"/>
           <p:cNvSpPr>
             <a:spLocks noGrp="1"/>
           </p:cNvSpPr>
@@ -5197,15 +5096,15 @@
         </p:nvSpPr>
         <p:spPr bwMode="auto">
           <a:xfrm>
-            <a:off x="839788" y="457200"/>
-            <a:ext cx="3932237" cy="1600200"/>
+            <a:off x="1792288" y="4800600"/>
+            <a:ext cx="5486400" cy="566738"/>
           </a:xfrm>
         </p:spPr>
         <p:txBody>
           <a:bodyPr anchor="b"/>
           <a:lstStyle>
-            <a:lvl1pPr>
-              <a:defRPr sz="3200"/>
+            <a:lvl1pPr algn="l">
+              <a:defRPr sz="2000" b="1"/>
             </a:lvl1pPr>
           </a:lstStyle>
           <a:p>
@@ -5222,9 +5121,9 @@
       </p:sp>
       <p:sp>
         <p:nvSpPr>
-          <p:cNvPr id="1768389542" name="Picture Placeholder 2"/>
-          <p:cNvSpPr>
-            <a:spLocks noChangeAspect="1" noGrp="1"/>
+          <p:cNvPr id="1867961846" name="Picture Placeholder 2"/>
+          <p:cNvSpPr>
+            <a:spLocks noGrp="1"/>
           </p:cNvSpPr>
           <p:nvPr>
             <p:ph type="pic" idx="1"/>
@@ -5232,12 +5131,12 @@
         </p:nvSpPr>
         <p:spPr bwMode="auto">
           <a:xfrm>
-            <a:off x="5183188" y="987425"/>
-            <a:ext cx="6172200" cy="4873625"/>
+            <a:off x="1792288" y="612775"/>
+            <a:ext cx="5486400" cy="4114800"/>
           </a:xfrm>
         </p:spPr>
         <p:txBody>
-          <a:bodyPr anchor="t"/>
+          <a:bodyPr/>
           <a:lstStyle>
             <a:lvl1pPr marL="0" indent="0">
               <a:buNone/>
@@ -5280,17 +5179,13 @@
             <a:pPr>
               <a:defRPr/>
             </a:pPr>
-            <a:r>
-              <a:rPr lang="en-US"/>
-              <a:t>Click icon to add picture</a:t>
-            </a:r>
             <a:endParaRPr lang="en-US"/>
           </a:p>
         </p:txBody>
       </p:sp>
       <p:sp>
         <p:nvSpPr>
-          <p:cNvPr id="209539095" name="Text Placeholder 3"/>
+          <p:cNvPr id="1862842868" name="Text Placeholder 3"/>
           <p:cNvSpPr>
             <a:spLocks noGrp="1"/>
           </p:cNvSpPr>
@@ -5300,8 +5195,8 @@
         </p:nvSpPr>
         <p:spPr bwMode="auto">
           <a:xfrm>
-            <a:off x="839788" y="2057400"/>
-            <a:ext cx="3932237" cy="3811588"/>
+            <a:off x="1792288" y="5367338"/>
+            <a:ext cx="5486400" cy="804862"/>
           </a:xfrm>
         </p:spPr>
         <p:txBody>
@@ -5309,39 +5204,39 @@
           <a:lstStyle>
             <a:lvl1pPr marL="0" indent="0">
               <a:buNone/>
-              <a:defRPr sz="1600"/>
+              <a:defRPr sz="1400"/>
             </a:lvl1pPr>
             <a:lvl2pPr marL="457200" indent="0">
               <a:buNone/>
-              <a:defRPr sz="1400"/>
+              <a:defRPr sz="1200"/>
             </a:lvl2pPr>
             <a:lvl3pPr marL="914400" indent="0">
               <a:buNone/>
-              <a:defRPr sz="1200"/>
+              <a:defRPr sz="1000"/>
             </a:lvl3pPr>
             <a:lvl4pPr marL="1371600" indent="0">
               <a:buNone/>
-              <a:defRPr sz="1000"/>
+              <a:defRPr sz="900"/>
             </a:lvl4pPr>
             <a:lvl5pPr marL="1828800" indent="0">
               <a:buNone/>
-              <a:defRPr sz="1000"/>
+              <a:defRPr sz="900"/>
             </a:lvl5pPr>
             <a:lvl6pPr marL="2286000" indent="0">
               <a:buNone/>
-              <a:defRPr sz="1000"/>
+              <a:defRPr sz="900"/>
             </a:lvl6pPr>
             <a:lvl7pPr marL="2743200" indent="0">
               <a:buNone/>
-              <a:defRPr sz="1000"/>
+              <a:defRPr sz="900"/>
             </a:lvl7pPr>
             <a:lvl8pPr marL="3200400" indent="0">
               <a:buNone/>
-              <a:defRPr sz="1000"/>
+              <a:defRPr sz="900"/>
             </a:lvl8pPr>
             <a:lvl9pPr marL="3657600" indent="0">
               <a:buNone/>
-              <a:defRPr sz="1000"/>
+              <a:defRPr sz="900"/>
             </a:lvl9pPr>
           </a:lstStyle>
           <a:p>
@@ -5358,7 +5253,7 @@
       </p:sp>
       <p:sp>
         <p:nvSpPr>
-          <p:cNvPr id="347513428" name="Date Placeholder 4"/>
+          <p:cNvPr id="1612694870" name="Date Placeholder 4"/>
           <p:cNvSpPr>
             <a:spLocks noGrp="1"/>
           </p:cNvSpPr>
@@ -5374,9 +5269,9 @@
             <a:pPr>
               <a:defRPr/>
             </a:pPr>
-            <a:fld id="{BCC18F51-09EC-435C-A3BA-64A766E099C0}" type="datetimeFigureOut">
+            <a:fld id="{5BCAD085-E8A6-8845-BD4E-CB4CCA059FC4}" type="datetimeFigureOut">
               <a:rPr lang="en-US"/>
-              <a:t>30.10.2013</a:t>
+              <a:t>1/27/13</a:t>
             </a:fld>
             <a:endParaRPr lang="en-US"/>
           </a:p>
@@ -5384,7 +5279,7 @@
       </p:sp>
       <p:sp>
         <p:nvSpPr>
-          <p:cNvPr id="380514405" name="Footer Placeholder 5"/>
+          <p:cNvPr id="6216638" name="Footer Placeholder 5"/>
           <p:cNvSpPr>
             <a:spLocks noGrp="1"/>
           </p:cNvSpPr>
@@ -5406,7 +5301,7 @@
       </p:sp>
       <p:sp>
         <p:nvSpPr>
-          <p:cNvPr id="2031692764" name="Slide Number Placeholder 6"/>
+          <p:cNvPr id="490221449" name="Slide Number Placeholder 6"/>
           <p:cNvSpPr>
             <a:spLocks noGrp="1"/>
           </p:cNvSpPr>
@@ -5422,7 +5317,7 @@
             <a:pPr>
               <a:defRPr/>
             </a:pPr>
-            <a:fld id="{08395586-F03A-48D1-94DF-16B239DF4FB5}" type="slidenum">
+            <a:fld id="{C1FF6DA9-008F-8B48-92A6-B652298478BF}" type="slidenum">
               <a:rPr lang="en-US"/>
               <a:t>‹#›</a:t>
             </a:fld>
@@ -5462,7 +5357,7 @@
       </p:grpSpPr>
       <p:sp>
         <p:nvSpPr>
-          <p:cNvPr id="716690089" name="Title Placeholder 1"/>
+          <p:cNvPr id="136924959" name="Title Placeholder 1"/>
           <p:cNvSpPr>
             <a:spLocks noGrp="1"/>
           </p:cNvSpPr>
@@ -5472,8 +5367,8 @@
         </p:nvSpPr>
         <p:spPr bwMode="auto">
           <a:xfrm>
-            <a:off x="838200" y="365125"/>
-            <a:ext cx="10515600" cy="1325563"/>
+            <a:off x="457200" y="274638"/>
+            <a:ext cx="8229600" cy="1143000"/>
           </a:xfrm>
           <a:prstGeom prst="rect">
             <a:avLst/>
@@ -5498,7 +5393,7 @@
       </p:sp>
       <p:sp>
         <p:nvSpPr>
-          <p:cNvPr id="174583000" name="Text Placeholder 2"/>
+          <p:cNvPr id="2004538305" name="Text Placeholder 2"/>
           <p:cNvSpPr>
             <a:spLocks noGrp="1"/>
           </p:cNvSpPr>
@@ -5508,8 +5403,8 @@
         </p:nvSpPr>
         <p:spPr bwMode="auto">
           <a:xfrm>
-            <a:off x="838200" y="1825625"/>
-            <a:ext cx="10515600" cy="4351338"/>
+            <a:off x="457200" y="1600200"/>
+            <a:ext cx="8229600" cy="4525963"/>
           </a:xfrm>
           <a:prstGeom prst="rect">
             <a:avLst/>
@@ -5574,7 +5469,7 @@
       </p:sp>
       <p:sp>
         <p:nvSpPr>
-          <p:cNvPr id="1919072191" name="Date Placeholder 3"/>
+          <p:cNvPr id="39270196" name="Date Placeholder 3"/>
           <p:cNvSpPr>
             <a:spLocks noGrp="1"/>
           </p:cNvSpPr>
@@ -5584,8 +5479,8 @@
         </p:nvSpPr>
         <p:spPr bwMode="auto">
           <a:xfrm>
-            <a:off x="838200" y="6356350"/>
-            <a:ext cx="2743200" cy="365125"/>
+            <a:off x="457200" y="6356350"/>
+            <a:ext cx="2133600" cy="365125"/>
           </a:xfrm>
           <a:prstGeom prst="rect">
             <a:avLst/>
@@ -5608,9 +5503,9 @@
             <a:pPr>
               <a:defRPr/>
             </a:pPr>
-            <a:fld id="{BCC18F51-09EC-435C-A3BA-64A766E099C0}" type="datetimeFigureOut">
+            <a:fld id="{5BCAD085-E8A6-8845-BD4E-CB4CCA059FC4}" type="datetimeFigureOut">
               <a:rPr lang="en-US"/>
-              <a:t>30.10.2013</a:t>
+              <a:t>1/27/13</a:t>
             </a:fld>
             <a:endParaRPr lang="en-US"/>
           </a:p>
@@ -5618,7 +5513,7 @@
       </p:sp>
       <p:sp>
         <p:nvSpPr>
-          <p:cNvPr id="682919403" name="Footer Placeholder 4"/>
+          <p:cNvPr id="804865830" name="Footer Placeholder 4"/>
           <p:cNvSpPr>
             <a:spLocks noGrp="1"/>
           </p:cNvSpPr>
@@ -5628,8 +5523,8 @@
         </p:nvSpPr>
         <p:spPr bwMode="auto">
           <a:xfrm>
-            <a:off x="4038600" y="6356350"/>
-            <a:ext cx="4114800" cy="365125"/>
+            <a:off x="3124200" y="6356350"/>
+            <a:ext cx="2895600" cy="365125"/>
           </a:xfrm>
           <a:prstGeom prst="rect">
             <a:avLst/>
@@ -5658,7 +5553,7 @@
       </p:sp>
       <p:sp>
         <p:nvSpPr>
-          <p:cNvPr id="2012353720" name="Slide Number Placeholder 5"/>
+          <p:cNvPr id="119908766" name="Slide Number Placeholder 5"/>
           <p:cNvSpPr>
             <a:spLocks noGrp="1"/>
           </p:cNvSpPr>
@@ -5668,8 +5563,8 @@
         </p:nvSpPr>
         <p:spPr bwMode="auto">
           <a:xfrm>
-            <a:off x="8610600" y="6356350"/>
-            <a:ext cx="2743200" cy="365125"/>
+            <a:off x="6553200" y="6356350"/>
+            <a:ext cx="2133600" cy="365125"/>
           </a:xfrm>
           <a:prstGeom prst="rect">
             <a:avLst/>
@@ -5692,7 +5587,7 @@
             <a:pPr>
               <a:defRPr/>
             </a:pPr>
-            <a:fld id="{08395586-F03A-48D1-94DF-16B239DF4FB5}" type="slidenum">
+            <a:fld id="{C1FF6DA9-008F-8B48-92A6-B652298478BF}" type="slidenum">
               <a:rPr lang="en-US"/>
               <a:t>‹#›</a:t>
             </a:fld>
@@ -5718,10 +5613,7 @@
   </p:sldLayoutIdLst>
   <p:txStyles>
     <p:titleStyle>
-      <a:lvl1pPr algn="l" defTabSz="914400" rtl="0">
-        <a:lnSpc>
-          <a:spcPct val="90000"/>
-        </a:lnSpc>
+      <a:lvl1pPr algn="ctr" defTabSz="457200" rtl="0">
         <a:spcBef>
           <a:spcPts val="0"/>
         </a:spcBef>
@@ -5737,15 +5629,27 @@
       </a:lvl1pPr>
     </p:titleStyle>
     <p:bodyStyle>
-      <a:lvl1pPr marL="228600" indent="-228600" algn="l" defTabSz="914400" rtl="0">
-        <a:lnSpc>
-          <a:spcPct val="90000"/>
-        </a:lnSpc>
+      <a:lvl1pPr marL="342900" indent="-342900" algn="l" defTabSz="457200" rtl="0">
         <a:spcBef>
-          <a:spcPts val="1000"/>
+          <a:spcPts val="0"/>
         </a:spcBef>
         <a:buFont typeface="Arial"/>
         <a:buChar char="•"/>
+        <a:defRPr sz="3200">
+          <a:solidFill>
+            <a:schemeClr val="tx1"/>
+          </a:solidFill>
+          <a:latin typeface="+mn-lt"/>
+          <a:ea typeface="+mn-ea"/>
+          <a:cs typeface="+mn-cs"/>
+        </a:defRPr>
+      </a:lvl1pPr>
+      <a:lvl2pPr marL="742950" indent="-285750" algn="l" defTabSz="457200" rtl="0">
+        <a:spcBef>
+          <a:spcPts val="0"/>
+        </a:spcBef>
+        <a:buFont typeface="Arial"/>
+        <a:buChar char="–"/>
         <a:defRPr sz="2800">
           <a:solidFill>
             <a:schemeClr val="tx1"/>
@@ -5754,13 +5658,10 @@
           <a:ea typeface="+mn-ea"/>
           <a:cs typeface="+mn-cs"/>
         </a:defRPr>
-      </a:lvl1pPr>
-      <a:lvl2pPr marL="685800" indent="-228600" algn="l" defTabSz="914400" rtl="0">
-        <a:lnSpc>
-          <a:spcPct val="90000"/>
-        </a:lnSpc>
+      </a:lvl2pPr>
+      <a:lvl3pPr marL="1143000" indent="-228600" algn="l" defTabSz="457200" rtl="0">
         <a:spcBef>
-          <a:spcPts val="500"/>
+          <a:spcPts val="0"/>
         </a:spcBef>
         <a:buFont typeface="Arial"/>
         <a:buChar char="•"/>
@@ -5772,13 +5673,40 @@
           <a:ea typeface="+mn-ea"/>
           <a:cs typeface="+mn-cs"/>
         </a:defRPr>
-      </a:lvl2pPr>
-      <a:lvl3pPr marL="1143000" indent="-228600" algn="l" defTabSz="914400" rtl="0">
-        <a:lnSpc>
-          <a:spcPct val="90000"/>
-        </a:lnSpc>
+      </a:lvl3pPr>
+      <a:lvl4pPr marL="1600200" indent="-228600" algn="l" defTabSz="457200" rtl="0">
         <a:spcBef>
-          <a:spcPts val="500"/>
+          <a:spcPts val="0"/>
+        </a:spcBef>
+        <a:buFont typeface="Arial"/>
+        <a:buChar char="–"/>
+        <a:defRPr sz="2000">
+          <a:solidFill>
+            <a:schemeClr val="tx1"/>
+          </a:solidFill>
+          <a:latin typeface="+mn-lt"/>
+          <a:ea typeface="+mn-ea"/>
+          <a:cs typeface="+mn-cs"/>
+        </a:defRPr>
+      </a:lvl4pPr>
+      <a:lvl5pPr marL="2057400" indent="-228600" algn="l" defTabSz="457200" rtl="0">
+        <a:spcBef>
+          <a:spcPts val="0"/>
+        </a:spcBef>
+        <a:buFont typeface="Arial"/>
+        <a:buChar char="»"/>
+        <a:defRPr sz="2000">
+          <a:solidFill>
+            <a:schemeClr val="tx1"/>
+          </a:solidFill>
+          <a:latin typeface="+mn-lt"/>
+          <a:ea typeface="+mn-ea"/>
+          <a:cs typeface="+mn-cs"/>
+        </a:defRPr>
+      </a:lvl5pPr>
+      <a:lvl6pPr marL="2514600" indent="-228600" algn="l" defTabSz="457200" rtl="0">
+        <a:spcBef>
+          <a:spcPts val="0"/>
         </a:spcBef>
         <a:buFont typeface="Arial"/>
         <a:buChar char="•"/>
@@ -5790,71 +5718,14 @@
           <a:ea typeface="+mn-ea"/>
           <a:cs typeface="+mn-cs"/>
         </a:defRPr>
-      </a:lvl3pPr>
-      <a:lvl4pPr marL="1600200" indent="-228600" algn="l" defTabSz="914400" rtl="0">
-        <a:lnSpc>
-          <a:spcPct val="90000"/>
-        </a:lnSpc>
+      </a:lvl6pPr>
+      <a:lvl7pPr marL="2971800" indent="-228600" algn="l" defTabSz="457200" rtl="0">
         <a:spcBef>
-          <a:spcPts val="500"/>
+          <a:spcPts val="0"/>
         </a:spcBef>
         <a:buFont typeface="Arial"/>
         <a:buChar char="•"/>
-        <a:defRPr sz="1800">
-          <a:solidFill>
-            <a:schemeClr val="tx1"/>
-          </a:solidFill>
-          <a:latin typeface="+mn-lt"/>
-          <a:ea typeface="+mn-ea"/>
-          <a:cs typeface="+mn-cs"/>
-        </a:defRPr>
-      </a:lvl4pPr>
-      <a:lvl5pPr marL="2057400" indent="-228600" algn="l" defTabSz="914400" rtl="0">
-        <a:lnSpc>
-          <a:spcPct val="90000"/>
-        </a:lnSpc>
-        <a:spcBef>
-          <a:spcPts val="500"/>
-        </a:spcBef>
-        <a:buFont typeface="Arial"/>
-        <a:buChar char="•"/>
-        <a:defRPr sz="1800">
-          <a:solidFill>
-            <a:schemeClr val="tx1"/>
-          </a:solidFill>
-          <a:latin typeface="+mn-lt"/>
-          <a:ea typeface="+mn-ea"/>
-          <a:cs typeface="+mn-cs"/>
-        </a:defRPr>
-      </a:lvl5pPr>
-      <a:lvl6pPr marL="2514600" indent="-228600" algn="l" defTabSz="914400" rtl="0">
-        <a:lnSpc>
-          <a:spcPct val="90000"/>
-        </a:lnSpc>
-        <a:spcBef>
-          <a:spcPts val="500"/>
-        </a:spcBef>
-        <a:buFont typeface="Arial"/>
-        <a:buChar char="•"/>
-        <a:defRPr sz="1800">
-          <a:solidFill>
-            <a:schemeClr val="tx1"/>
-          </a:solidFill>
-          <a:latin typeface="+mn-lt"/>
-          <a:ea typeface="+mn-ea"/>
-          <a:cs typeface="+mn-cs"/>
-        </a:defRPr>
-      </a:lvl6pPr>
-      <a:lvl7pPr marL="2971800" indent="-228600" algn="l" defTabSz="914400" rtl="0">
-        <a:lnSpc>
-          <a:spcPct val="90000"/>
-        </a:lnSpc>
-        <a:spcBef>
-          <a:spcPts val="500"/>
-        </a:spcBef>
-        <a:buFont typeface="Arial"/>
-        <a:buChar char="•"/>
-        <a:defRPr sz="1800">
+        <a:defRPr sz="2000">
           <a:solidFill>
             <a:schemeClr val="tx1"/>
           </a:solidFill>
@@ -5863,16 +5734,13 @@
           <a:cs typeface="+mn-cs"/>
         </a:defRPr>
       </a:lvl7pPr>
-      <a:lvl8pPr marL="3429000" indent="-228600" algn="l" defTabSz="914400" rtl="0">
-        <a:lnSpc>
-          <a:spcPct val="90000"/>
-        </a:lnSpc>
+      <a:lvl8pPr marL="3429000" indent="-228600" algn="l" defTabSz="457200" rtl="0">
         <a:spcBef>
-          <a:spcPts val="500"/>
+          <a:spcPts val="0"/>
         </a:spcBef>
         <a:buFont typeface="Arial"/>
         <a:buChar char="•"/>
-        <a:defRPr sz="1800">
+        <a:defRPr sz="2000">
           <a:solidFill>
             <a:schemeClr val="tx1"/>
           </a:solidFill>
@@ -5881,16 +5749,13 @@
           <a:cs typeface="+mn-cs"/>
         </a:defRPr>
       </a:lvl8pPr>
-      <a:lvl9pPr marL="3886200" indent="-228600" algn="l" defTabSz="914400" rtl="0">
-        <a:lnSpc>
-          <a:spcPct val="90000"/>
-        </a:lnSpc>
+      <a:lvl9pPr marL="3886200" indent="-228600" algn="l" defTabSz="457200" rtl="0">
         <a:spcBef>
-          <a:spcPts val="500"/>
+          <a:spcPts val="0"/>
         </a:spcBef>
         <a:buFont typeface="Arial"/>
         <a:buChar char="•"/>
-        <a:defRPr sz="1800">
+        <a:defRPr sz="2000">
           <a:solidFill>
             <a:schemeClr val="tx1"/>
           </a:solidFill>
@@ -5904,7 +5769,7 @@
       <a:defPPr>
         <a:defRPr lang="en-US"/>
       </a:defPPr>
-      <a:lvl1pPr marL="0" algn="l" defTabSz="914400" rtl="0">
+      <a:lvl1pPr marL="0" algn="l" defTabSz="457200" rtl="0">
         <a:defRPr sz="1800">
           <a:solidFill>
             <a:schemeClr val="tx1"/>
@@ -5914,7 +5779,7 @@
           <a:cs typeface="+mn-cs"/>
         </a:defRPr>
       </a:lvl1pPr>
-      <a:lvl2pPr marL="457200" algn="l" defTabSz="914400" rtl="0">
+      <a:lvl2pPr marL="457200" algn="l" defTabSz="457200" rtl="0">
         <a:defRPr sz="1800">
           <a:solidFill>
             <a:schemeClr val="tx1"/>
@@ -5924,7 +5789,7 @@
           <a:cs typeface="+mn-cs"/>
         </a:defRPr>
       </a:lvl2pPr>
-      <a:lvl3pPr marL="914400" algn="l" defTabSz="914400" rtl="0">
+      <a:lvl3pPr marL="914400" algn="l" defTabSz="457200" rtl="0">
         <a:defRPr sz="1800">
           <a:solidFill>
             <a:schemeClr val="tx1"/>
@@ -5934,7 +5799,7 @@
           <a:cs typeface="+mn-cs"/>
         </a:defRPr>
       </a:lvl3pPr>
-      <a:lvl4pPr marL="1371600" algn="l" defTabSz="914400" rtl="0">
+      <a:lvl4pPr marL="1371600" algn="l" defTabSz="457200" rtl="0">
         <a:defRPr sz="1800">
           <a:solidFill>
             <a:schemeClr val="tx1"/>
@@ -5944,7 +5809,7 @@
           <a:cs typeface="+mn-cs"/>
         </a:defRPr>
       </a:lvl4pPr>
-      <a:lvl5pPr marL="1828800" algn="l" defTabSz="914400" rtl="0">
+      <a:lvl5pPr marL="1828800" algn="l" defTabSz="457200" rtl="0">
         <a:defRPr sz="1800">
           <a:solidFill>
             <a:schemeClr val="tx1"/>
@@ -5954,7 +5819,7 @@
           <a:cs typeface="+mn-cs"/>
         </a:defRPr>
       </a:lvl5pPr>
-      <a:lvl6pPr marL="2286000" algn="l" defTabSz="914400" rtl="0">
+      <a:lvl6pPr marL="2286000" algn="l" defTabSz="457200" rtl="0">
         <a:defRPr sz="1800">
           <a:solidFill>
             <a:schemeClr val="tx1"/>
@@ -5964,7 +5829,7 @@
           <a:cs typeface="+mn-cs"/>
         </a:defRPr>
       </a:lvl6pPr>
-      <a:lvl7pPr marL="2743200" algn="l" defTabSz="914400" rtl="0">
+      <a:lvl7pPr marL="2743200" algn="l" defTabSz="457200" rtl="0">
         <a:defRPr sz="1800">
           <a:solidFill>
             <a:schemeClr val="tx1"/>
@@ -5974,7 +5839,7 @@
           <a:cs typeface="+mn-cs"/>
         </a:defRPr>
       </a:lvl7pPr>
-      <a:lvl8pPr marL="3200400" algn="l" defTabSz="914400" rtl="0">
+      <a:lvl8pPr marL="3200400" algn="l" defTabSz="457200" rtl="0">
         <a:defRPr sz="1800">
           <a:solidFill>
             <a:schemeClr val="tx1"/>
@@ -5984,7 +5849,7 @@
           <a:cs typeface="+mn-cs"/>
         </a:defRPr>
       </a:lvl8pPr>
-      <a:lvl9pPr marL="3657600" algn="l" defTabSz="914400" rtl="0">
+      <a:lvl9pPr marL="3657600" algn="l" defTabSz="457200" rtl="0">
         <a:defRPr sz="1800">
           <a:solidFill>
             <a:schemeClr val="tx1"/>
@@ -6018,7 +5883,7 @@
       </p:grpSpPr>
       <p:sp>
         <p:nvSpPr>
-          <p:cNvPr id="816771328" name="Title 1"/>
+          <p:cNvPr id="348857889" name="Title 1"/>
           <p:cNvSpPr>
             <a:spLocks noGrp="1"/>
           </p:cNvSpPr>
@@ -6035,16 +5900,16 @@
               <a:defRPr/>
             </a:pPr>
             <a:r>
-              <a:rPr lang="en-US"/>
-              <a:t>This is slide 1 of data</a:t>
-            </a:r>
-            <a:endParaRPr lang="en-US"/>
-          </a:p>
-        </p:txBody>
-      </p:sp>
-      <p:sp>
-        <p:nvSpPr>
-          <p:cNvPr id="1131939053" name="Subtitle 2"/>
+              <a:rPr/>
+              <a:t>Amazon Features Overview</a:t>
+            </a:r>
+            <a:endParaRPr/>
+          </a:p>
+        </p:txBody>
+      </p:sp>
+      <p:sp>
+        <p:nvSpPr>
+          <p:cNvPr id="1722137603" name="Subtitle 2"/>
           <p:cNvSpPr>
             <a:spLocks noGrp="1"/>
           </p:cNvSpPr>
@@ -6060,7 +5925,11 @@
             <a:pPr>
               <a:defRPr/>
             </a:pPr>
-            <a:endParaRPr lang="en-US"/>
+            <a:r>
+              <a:rPr/>
+              <a:t>26 Key Features of Amazon</a:t>
+            </a:r>
+            <a:endParaRPr/>
           </a:p>
         </p:txBody>
       </p:sp>
@@ -6099,49 +5968,53 @@
       </p:grpSpPr>
       <p:sp>
         <p:nvSpPr>
-          <p:cNvPr id="1520265885" name="Title 1"/>
-          <p:cNvSpPr>
-            <a:spLocks noGrp="1"/>
-          </p:cNvSpPr>
-          <p:nvPr>
-            <p:ph type="ctrTitle"/>
-          </p:nvPr>
-        </p:nvSpPr>
-        <p:spPr bwMode="auto"/>
-        <p:txBody>
-          <a:bodyPr/>
-          <a:lstStyle/>
-          <a:p>
-            <a:pPr>
-              <a:defRPr/>
-            </a:pPr>
-            <a:r>
-              <a:rPr lang="en-US"/>
-              <a:t>This is slide 1 of data</a:t>
-            </a:r>
-            <a:endParaRPr lang="en-US"/>
-          </a:p>
-        </p:txBody>
-      </p:sp>
-      <p:sp>
-        <p:nvSpPr>
-          <p:cNvPr id="1308442280" name="Subtitle 2"/>
-          <p:cNvSpPr>
-            <a:spLocks noGrp="1"/>
-          </p:cNvSpPr>
-          <p:nvPr>
-            <p:ph type="subTitle" idx="1"/>
-          </p:nvPr>
-        </p:nvSpPr>
-        <p:spPr bwMode="auto"/>
-        <p:txBody>
-          <a:bodyPr/>
-          <a:lstStyle/>
-          <a:p>
-            <a:pPr>
-              <a:defRPr/>
-            </a:pPr>
-            <a:endParaRPr lang="en-US"/>
+          <p:cNvPr id="504054171" name="Title 1"/>
+          <p:cNvSpPr>
+            <a:spLocks noGrp="1"/>
+          </p:cNvSpPr>
+          <p:nvPr>
+            <p:ph type="title"/>
+          </p:nvPr>
+        </p:nvSpPr>
+        <p:spPr bwMode="auto"/>
+        <p:txBody>
+          <a:bodyPr/>
+          <a:lstStyle/>
+          <a:p>
+            <a:pPr>
+              <a:defRPr/>
+            </a:pPr>
+            <a:r>
+              <a:rPr/>
+              <a:t>9. Kindle &amp; E-Books</a:t>
+            </a:r>
+            <a:endParaRPr/>
+          </a:p>
+        </p:txBody>
+      </p:sp>
+      <p:sp>
+        <p:nvSpPr>
+          <p:cNvPr id="680890995" name="Content Placeholder 2"/>
+          <p:cNvSpPr>
+            <a:spLocks noGrp="1"/>
+          </p:cNvSpPr>
+          <p:nvPr>
+            <p:ph idx="1"/>
+          </p:nvPr>
+        </p:nvSpPr>
+        <p:spPr bwMode="auto"/>
+        <p:txBody>
+          <a:bodyPr/>
+          <a:lstStyle/>
+          <a:p>
+            <a:pPr>
+              <a:defRPr/>
+            </a:pPr>
+            <a:r>
+              <a:rPr/>
+              <a:t>Details about 9. Kindle &amp; E-Books will be explained here.</a:t>
+            </a:r>
+            <a:endParaRPr/>
           </a:p>
         </p:txBody>
       </p:sp>
@@ -6180,49 +6053,53 @@
       </p:grpSpPr>
       <p:sp>
         <p:nvSpPr>
-          <p:cNvPr id="2040193997" name="Title 1"/>
-          <p:cNvSpPr>
-            <a:spLocks noGrp="1"/>
-          </p:cNvSpPr>
-          <p:nvPr>
-            <p:ph type="ctrTitle"/>
-          </p:nvPr>
-        </p:nvSpPr>
-        <p:spPr bwMode="auto"/>
-        <p:txBody>
-          <a:bodyPr/>
-          <a:lstStyle/>
-          <a:p>
-            <a:pPr>
-              <a:defRPr/>
-            </a:pPr>
-            <a:r>
-              <a:rPr lang="en-US"/>
-              <a:t>This is slide 1 of data</a:t>
-            </a:r>
-            <a:endParaRPr lang="en-US"/>
-          </a:p>
-        </p:txBody>
-      </p:sp>
-      <p:sp>
-        <p:nvSpPr>
-          <p:cNvPr id="1393770502" name="Subtitle 2"/>
-          <p:cNvSpPr>
-            <a:spLocks noGrp="1"/>
-          </p:cNvSpPr>
-          <p:nvPr>
-            <p:ph type="subTitle" idx="1"/>
-          </p:nvPr>
-        </p:nvSpPr>
-        <p:spPr bwMode="auto"/>
-        <p:txBody>
-          <a:bodyPr/>
-          <a:lstStyle/>
-          <a:p>
-            <a:pPr>
-              <a:defRPr/>
-            </a:pPr>
-            <a:endParaRPr lang="en-US"/>
+          <p:cNvPr id="1343009922" name="Title 1"/>
+          <p:cNvSpPr>
+            <a:spLocks noGrp="1"/>
+          </p:cNvSpPr>
+          <p:nvPr>
+            <p:ph type="title"/>
+          </p:nvPr>
+        </p:nvSpPr>
+        <p:spPr bwMode="auto"/>
+        <p:txBody>
+          <a:bodyPr/>
+          <a:lstStyle/>
+          <a:p>
+            <a:pPr>
+              <a:defRPr/>
+            </a:pPr>
+            <a:r>
+              <a:rPr/>
+              <a:t>10. Amazon Music</a:t>
+            </a:r>
+            <a:endParaRPr/>
+          </a:p>
+        </p:txBody>
+      </p:sp>
+      <p:sp>
+        <p:nvSpPr>
+          <p:cNvPr id="1425344457" name="Content Placeholder 2"/>
+          <p:cNvSpPr>
+            <a:spLocks noGrp="1"/>
+          </p:cNvSpPr>
+          <p:nvPr>
+            <p:ph idx="1"/>
+          </p:nvPr>
+        </p:nvSpPr>
+        <p:spPr bwMode="auto"/>
+        <p:txBody>
+          <a:bodyPr/>
+          <a:lstStyle/>
+          <a:p>
+            <a:pPr>
+              <a:defRPr/>
+            </a:pPr>
+            <a:r>
+              <a:rPr/>
+              <a:t>Details about 10. Amazon Music will be explained here.</a:t>
+            </a:r>
+            <a:endParaRPr/>
           </a:p>
         </p:txBody>
       </p:sp>
@@ -6261,49 +6138,53 @@
       </p:grpSpPr>
       <p:sp>
         <p:nvSpPr>
-          <p:cNvPr id="84926020" name="Title 1"/>
-          <p:cNvSpPr>
-            <a:spLocks noGrp="1"/>
-          </p:cNvSpPr>
-          <p:nvPr>
-            <p:ph type="ctrTitle"/>
-          </p:nvPr>
-        </p:nvSpPr>
-        <p:spPr bwMode="auto"/>
-        <p:txBody>
-          <a:bodyPr/>
-          <a:lstStyle/>
-          <a:p>
-            <a:pPr>
-              <a:defRPr/>
-            </a:pPr>
-            <a:r>
-              <a:rPr lang="en-US"/>
-              <a:t>This is slide 1 of data</a:t>
-            </a:r>
-            <a:endParaRPr lang="en-US"/>
-          </a:p>
-        </p:txBody>
-      </p:sp>
-      <p:sp>
-        <p:nvSpPr>
-          <p:cNvPr id="1445041806" name="Subtitle 2"/>
-          <p:cNvSpPr>
-            <a:spLocks noGrp="1"/>
-          </p:cNvSpPr>
-          <p:nvPr>
-            <p:ph type="subTitle" idx="1"/>
-          </p:nvPr>
-        </p:nvSpPr>
-        <p:spPr bwMode="auto"/>
-        <p:txBody>
-          <a:bodyPr/>
-          <a:lstStyle/>
-          <a:p>
-            <a:pPr>
-              <a:defRPr/>
-            </a:pPr>
-            <a:endParaRPr lang="en-US"/>
+          <p:cNvPr id="1638052316" name="Title 1"/>
+          <p:cNvSpPr>
+            <a:spLocks noGrp="1"/>
+          </p:cNvSpPr>
+          <p:nvPr>
+            <p:ph type="title"/>
+          </p:nvPr>
+        </p:nvSpPr>
+        <p:spPr bwMode="auto"/>
+        <p:txBody>
+          <a:bodyPr/>
+          <a:lstStyle/>
+          <a:p>
+            <a:pPr>
+              <a:defRPr/>
+            </a:pPr>
+            <a:r>
+              <a:rPr/>
+              <a:t>11. Prime Video</a:t>
+            </a:r>
+            <a:endParaRPr/>
+          </a:p>
+        </p:txBody>
+      </p:sp>
+      <p:sp>
+        <p:nvSpPr>
+          <p:cNvPr id="1914853103" name="Content Placeholder 2"/>
+          <p:cNvSpPr>
+            <a:spLocks noGrp="1"/>
+          </p:cNvSpPr>
+          <p:nvPr>
+            <p:ph idx="1"/>
+          </p:nvPr>
+        </p:nvSpPr>
+        <p:spPr bwMode="auto"/>
+        <p:txBody>
+          <a:bodyPr/>
+          <a:lstStyle/>
+          <a:p>
+            <a:pPr>
+              <a:defRPr/>
+            </a:pPr>
+            <a:r>
+              <a:rPr/>
+              <a:t>Details about 11. Prime Video will be explained here.</a:t>
+            </a:r>
+            <a:endParaRPr/>
           </a:p>
         </p:txBody>
       </p:sp>
@@ -6342,49 +6223,53 @@
       </p:grpSpPr>
       <p:sp>
         <p:nvSpPr>
-          <p:cNvPr id="2004746642" name="Title 1"/>
-          <p:cNvSpPr>
-            <a:spLocks noGrp="1"/>
-          </p:cNvSpPr>
-          <p:nvPr>
-            <p:ph type="ctrTitle"/>
-          </p:nvPr>
-        </p:nvSpPr>
-        <p:spPr bwMode="auto"/>
-        <p:txBody>
-          <a:bodyPr/>
-          <a:lstStyle/>
-          <a:p>
-            <a:pPr>
-              <a:defRPr/>
-            </a:pPr>
-            <a:r>
-              <a:rPr lang="en-US"/>
-              <a:t>This is slide 1 of data</a:t>
-            </a:r>
-            <a:endParaRPr lang="en-US"/>
-          </a:p>
-        </p:txBody>
-      </p:sp>
-      <p:sp>
-        <p:nvSpPr>
-          <p:cNvPr id="2021470631" name="Subtitle 2"/>
-          <p:cNvSpPr>
-            <a:spLocks noGrp="1"/>
-          </p:cNvSpPr>
-          <p:nvPr>
-            <p:ph type="subTitle" idx="1"/>
-          </p:nvPr>
-        </p:nvSpPr>
-        <p:spPr bwMode="auto"/>
-        <p:txBody>
-          <a:bodyPr/>
-          <a:lstStyle/>
-          <a:p>
-            <a:pPr>
-              <a:defRPr/>
-            </a:pPr>
-            <a:endParaRPr lang="en-US"/>
+          <p:cNvPr id="2107582964" name="Title 1"/>
+          <p:cNvSpPr>
+            <a:spLocks noGrp="1"/>
+          </p:cNvSpPr>
+          <p:nvPr>
+            <p:ph type="title"/>
+          </p:nvPr>
+        </p:nvSpPr>
+        <p:spPr bwMode="auto"/>
+        <p:txBody>
+          <a:bodyPr/>
+          <a:lstStyle/>
+          <a:p>
+            <a:pPr>
+              <a:defRPr/>
+            </a:pPr>
+            <a:r>
+              <a:rPr/>
+              <a:t>12. Amazon Web Services (AWS)</a:t>
+            </a:r>
+            <a:endParaRPr/>
+          </a:p>
+        </p:txBody>
+      </p:sp>
+      <p:sp>
+        <p:nvSpPr>
+          <p:cNvPr id="1327348165" name="Content Placeholder 2"/>
+          <p:cNvSpPr>
+            <a:spLocks noGrp="1"/>
+          </p:cNvSpPr>
+          <p:nvPr>
+            <p:ph idx="1"/>
+          </p:nvPr>
+        </p:nvSpPr>
+        <p:spPr bwMode="auto"/>
+        <p:txBody>
+          <a:bodyPr/>
+          <a:lstStyle/>
+          <a:p>
+            <a:pPr>
+              <a:defRPr/>
+            </a:pPr>
+            <a:r>
+              <a:rPr/>
+              <a:t>Details about 12. Amazon Web Services (AWS) will be explained here.</a:t>
+            </a:r>
+            <a:endParaRPr/>
           </a:p>
         </p:txBody>
       </p:sp>
@@ -6423,49 +6308,53 @@
       </p:grpSpPr>
       <p:sp>
         <p:nvSpPr>
-          <p:cNvPr id="1062261644" name="Title 1"/>
-          <p:cNvSpPr>
-            <a:spLocks noGrp="1"/>
-          </p:cNvSpPr>
-          <p:nvPr>
-            <p:ph type="ctrTitle"/>
-          </p:nvPr>
-        </p:nvSpPr>
-        <p:spPr bwMode="auto"/>
-        <p:txBody>
-          <a:bodyPr/>
-          <a:lstStyle/>
-          <a:p>
-            <a:pPr>
-              <a:defRPr/>
-            </a:pPr>
-            <a:r>
-              <a:rPr lang="en-US"/>
-              <a:t>This is slide 1 of data</a:t>
-            </a:r>
-            <a:endParaRPr lang="en-US"/>
-          </a:p>
-        </p:txBody>
-      </p:sp>
-      <p:sp>
-        <p:nvSpPr>
-          <p:cNvPr id="514334542" name="Subtitle 2"/>
-          <p:cNvSpPr>
-            <a:spLocks noGrp="1"/>
-          </p:cNvSpPr>
-          <p:nvPr>
-            <p:ph type="subTitle" idx="1"/>
-          </p:nvPr>
-        </p:nvSpPr>
-        <p:spPr bwMode="auto"/>
-        <p:txBody>
-          <a:bodyPr/>
-          <a:lstStyle/>
-          <a:p>
-            <a:pPr>
-              <a:defRPr/>
-            </a:pPr>
-            <a:endParaRPr lang="en-US"/>
+          <p:cNvPr id="1303476418" name="Title 1"/>
+          <p:cNvSpPr>
+            <a:spLocks noGrp="1"/>
+          </p:cNvSpPr>
+          <p:nvPr>
+            <p:ph type="title"/>
+          </p:nvPr>
+        </p:nvSpPr>
+        <p:spPr bwMode="auto"/>
+        <p:txBody>
+          <a:bodyPr/>
+          <a:lstStyle/>
+          <a:p>
+            <a:pPr>
+              <a:defRPr/>
+            </a:pPr>
+            <a:r>
+              <a:rPr/>
+              <a:t>13. Amazon Marketplace</a:t>
+            </a:r>
+            <a:endParaRPr/>
+          </a:p>
+        </p:txBody>
+      </p:sp>
+      <p:sp>
+        <p:nvSpPr>
+          <p:cNvPr id="1480214422" name="Content Placeholder 2"/>
+          <p:cNvSpPr>
+            <a:spLocks noGrp="1"/>
+          </p:cNvSpPr>
+          <p:nvPr>
+            <p:ph idx="1"/>
+          </p:nvPr>
+        </p:nvSpPr>
+        <p:spPr bwMode="auto"/>
+        <p:txBody>
+          <a:bodyPr/>
+          <a:lstStyle/>
+          <a:p>
+            <a:pPr>
+              <a:defRPr/>
+            </a:pPr>
+            <a:r>
+              <a:rPr/>
+              <a:t>Details about 13. Amazon Marketplace will be explained here.</a:t>
+            </a:r>
+            <a:endParaRPr/>
           </a:p>
         </p:txBody>
       </p:sp>
@@ -6504,49 +6393,53 @@
       </p:grpSpPr>
       <p:sp>
         <p:nvSpPr>
-          <p:cNvPr id="995786096" name="Title 1"/>
-          <p:cNvSpPr>
-            <a:spLocks noGrp="1"/>
-          </p:cNvSpPr>
-          <p:nvPr>
-            <p:ph type="ctrTitle"/>
-          </p:nvPr>
-        </p:nvSpPr>
-        <p:spPr bwMode="auto"/>
-        <p:txBody>
-          <a:bodyPr/>
-          <a:lstStyle/>
-          <a:p>
-            <a:pPr>
-              <a:defRPr/>
-            </a:pPr>
-            <a:r>
-              <a:rPr lang="en-US"/>
-              <a:t>This is slide 1 of data</a:t>
-            </a:r>
-            <a:endParaRPr lang="en-US"/>
-          </a:p>
-        </p:txBody>
-      </p:sp>
-      <p:sp>
-        <p:nvSpPr>
-          <p:cNvPr id="497924211" name="Subtitle 2"/>
-          <p:cNvSpPr>
-            <a:spLocks noGrp="1"/>
-          </p:cNvSpPr>
-          <p:nvPr>
-            <p:ph type="subTitle" idx="1"/>
-          </p:nvPr>
-        </p:nvSpPr>
-        <p:spPr bwMode="auto"/>
-        <p:txBody>
-          <a:bodyPr/>
-          <a:lstStyle/>
-          <a:p>
-            <a:pPr>
-              <a:defRPr/>
-            </a:pPr>
-            <a:endParaRPr lang="en-US"/>
+          <p:cNvPr id="60737175" name="Title 1"/>
+          <p:cNvSpPr>
+            <a:spLocks noGrp="1"/>
+          </p:cNvSpPr>
+          <p:nvPr>
+            <p:ph type="title"/>
+          </p:nvPr>
+        </p:nvSpPr>
+        <p:spPr bwMode="auto"/>
+        <p:txBody>
+          <a:bodyPr/>
+          <a:lstStyle/>
+          <a:p>
+            <a:pPr>
+              <a:defRPr/>
+            </a:pPr>
+            <a:r>
+              <a:rPr/>
+              <a:t>14. Customer Reviews &amp; Ratings</a:t>
+            </a:r>
+            <a:endParaRPr/>
+          </a:p>
+        </p:txBody>
+      </p:sp>
+      <p:sp>
+        <p:nvSpPr>
+          <p:cNvPr id="789089246" name="Content Placeholder 2"/>
+          <p:cNvSpPr>
+            <a:spLocks noGrp="1"/>
+          </p:cNvSpPr>
+          <p:nvPr>
+            <p:ph idx="1"/>
+          </p:nvPr>
+        </p:nvSpPr>
+        <p:spPr bwMode="auto"/>
+        <p:txBody>
+          <a:bodyPr/>
+          <a:lstStyle/>
+          <a:p>
+            <a:pPr>
+              <a:defRPr/>
+            </a:pPr>
+            <a:r>
+              <a:rPr/>
+              <a:t>Details about 14. Customer Reviews &amp; Ratings will be explained here.</a:t>
+            </a:r>
+            <a:endParaRPr/>
           </a:p>
         </p:txBody>
       </p:sp>
@@ -6585,49 +6478,53 @@
       </p:grpSpPr>
       <p:sp>
         <p:nvSpPr>
-          <p:cNvPr id="1203546687" name="Title 1"/>
-          <p:cNvSpPr>
-            <a:spLocks noGrp="1"/>
-          </p:cNvSpPr>
-          <p:nvPr>
-            <p:ph type="ctrTitle"/>
-          </p:nvPr>
-        </p:nvSpPr>
-        <p:spPr bwMode="auto"/>
-        <p:txBody>
-          <a:bodyPr/>
-          <a:lstStyle/>
-          <a:p>
-            <a:pPr>
-              <a:defRPr/>
-            </a:pPr>
-            <a:r>
-              <a:rPr lang="en-US"/>
-              <a:t>This is slide 1 of data</a:t>
-            </a:r>
-            <a:endParaRPr lang="en-US"/>
-          </a:p>
-        </p:txBody>
-      </p:sp>
-      <p:sp>
-        <p:nvSpPr>
-          <p:cNvPr id="709540173" name="Subtitle 2"/>
-          <p:cNvSpPr>
-            <a:spLocks noGrp="1"/>
-          </p:cNvSpPr>
-          <p:nvPr>
-            <p:ph type="subTitle" idx="1"/>
-          </p:nvPr>
-        </p:nvSpPr>
-        <p:spPr bwMode="auto"/>
-        <p:txBody>
-          <a:bodyPr/>
-          <a:lstStyle/>
-          <a:p>
-            <a:pPr>
-              <a:defRPr/>
-            </a:pPr>
-            <a:endParaRPr lang="en-US"/>
+          <p:cNvPr id="522312808" name="Title 1"/>
+          <p:cNvSpPr>
+            <a:spLocks noGrp="1"/>
+          </p:cNvSpPr>
+          <p:nvPr>
+            <p:ph type="title"/>
+          </p:nvPr>
+        </p:nvSpPr>
+        <p:spPr bwMode="auto"/>
+        <p:txBody>
+          <a:bodyPr/>
+          <a:lstStyle/>
+          <a:p>
+            <a:pPr>
+              <a:defRPr/>
+            </a:pPr>
+            <a:r>
+              <a:rPr/>
+              <a:t>15. Wish Lists &amp; Gift Registries</a:t>
+            </a:r>
+            <a:endParaRPr/>
+          </a:p>
+        </p:txBody>
+      </p:sp>
+      <p:sp>
+        <p:nvSpPr>
+          <p:cNvPr id="1283920018" name="Content Placeholder 2"/>
+          <p:cNvSpPr>
+            <a:spLocks noGrp="1"/>
+          </p:cNvSpPr>
+          <p:nvPr>
+            <p:ph idx="1"/>
+          </p:nvPr>
+        </p:nvSpPr>
+        <p:spPr bwMode="auto"/>
+        <p:txBody>
+          <a:bodyPr/>
+          <a:lstStyle/>
+          <a:p>
+            <a:pPr>
+              <a:defRPr/>
+            </a:pPr>
+            <a:r>
+              <a:rPr/>
+              <a:t>Details about 15. Wish Lists &amp; Gift Registries will be explained here.</a:t>
+            </a:r>
+            <a:endParaRPr/>
           </a:p>
         </p:txBody>
       </p:sp>
@@ -6666,49 +6563,53 @@
       </p:grpSpPr>
       <p:sp>
         <p:nvSpPr>
-          <p:cNvPr id="1965374367" name="Title 1"/>
-          <p:cNvSpPr>
-            <a:spLocks noGrp="1"/>
-          </p:cNvSpPr>
-          <p:nvPr>
-            <p:ph type="ctrTitle"/>
-          </p:nvPr>
-        </p:nvSpPr>
-        <p:spPr bwMode="auto"/>
-        <p:txBody>
-          <a:bodyPr/>
-          <a:lstStyle/>
-          <a:p>
-            <a:pPr>
-              <a:defRPr/>
-            </a:pPr>
-            <a:r>
-              <a:rPr lang="en-US"/>
-              <a:t>This is slide 1 of data</a:t>
-            </a:r>
-            <a:endParaRPr lang="en-US"/>
-          </a:p>
-        </p:txBody>
-      </p:sp>
-      <p:sp>
-        <p:nvSpPr>
-          <p:cNvPr id="1187614264" name="Subtitle 2"/>
-          <p:cNvSpPr>
-            <a:spLocks noGrp="1"/>
-          </p:cNvSpPr>
-          <p:nvPr>
-            <p:ph type="subTitle" idx="1"/>
-          </p:nvPr>
-        </p:nvSpPr>
-        <p:spPr bwMode="auto"/>
-        <p:txBody>
-          <a:bodyPr/>
-          <a:lstStyle/>
-          <a:p>
-            <a:pPr>
-              <a:defRPr/>
-            </a:pPr>
-            <a:endParaRPr lang="en-US"/>
+          <p:cNvPr id="1611193941" name="Title 1"/>
+          <p:cNvSpPr>
+            <a:spLocks noGrp="1"/>
+          </p:cNvSpPr>
+          <p:nvPr>
+            <p:ph type="title"/>
+          </p:nvPr>
+        </p:nvSpPr>
+        <p:spPr bwMode="auto"/>
+        <p:txBody>
+          <a:bodyPr/>
+          <a:lstStyle/>
+          <a:p>
+            <a:pPr>
+              <a:defRPr/>
+            </a:pPr>
+            <a:r>
+              <a:rPr/>
+              <a:t>16. Amazon Go (Cashier-less Stores)</a:t>
+            </a:r>
+            <a:endParaRPr/>
+          </a:p>
+        </p:txBody>
+      </p:sp>
+      <p:sp>
+        <p:nvSpPr>
+          <p:cNvPr id="778786707" name="Content Placeholder 2"/>
+          <p:cNvSpPr>
+            <a:spLocks noGrp="1"/>
+          </p:cNvSpPr>
+          <p:nvPr>
+            <p:ph idx="1"/>
+          </p:nvPr>
+        </p:nvSpPr>
+        <p:spPr bwMode="auto"/>
+        <p:txBody>
+          <a:bodyPr/>
+          <a:lstStyle/>
+          <a:p>
+            <a:pPr>
+              <a:defRPr/>
+            </a:pPr>
+            <a:r>
+              <a:rPr/>
+              <a:t>Details about 16. Amazon Go (Cashier-less Stores) will be explained here.</a:t>
+            </a:r>
+            <a:endParaRPr/>
           </a:p>
         </p:txBody>
       </p:sp>
@@ -6747,49 +6648,53 @@
       </p:grpSpPr>
       <p:sp>
         <p:nvSpPr>
-          <p:cNvPr id="1060499741" name="Title 1"/>
-          <p:cNvSpPr>
-            <a:spLocks noGrp="1"/>
-          </p:cNvSpPr>
-          <p:nvPr>
-            <p:ph type="ctrTitle"/>
-          </p:nvPr>
-        </p:nvSpPr>
-        <p:spPr bwMode="auto"/>
-        <p:txBody>
-          <a:bodyPr/>
-          <a:lstStyle/>
-          <a:p>
-            <a:pPr>
-              <a:defRPr/>
-            </a:pPr>
-            <a:r>
-              <a:rPr lang="en-US"/>
-              <a:t>This is slide 1 of data</a:t>
-            </a:r>
-            <a:endParaRPr lang="en-US"/>
-          </a:p>
-        </p:txBody>
-      </p:sp>
-      <p:sp>
-        <p:nvSpPr>
-          <p:cNvPr id="2098020419" name="Subtitle 2"/>
-          <p:cNvSpPr>
-            <a:spLocks noGrp="1"/>
-          </p:cNvSpPr>
-          <p:nvPr>
-            <p:ph type="subTitle" idx="1"/>
-          </p:nvPr>
-        </p:nvSpPr>
-        <p:spPr bwMode="auto"/>
-        <p:txBody>
-          <a:bodyPr/>
-          <a:lstStyle/>
-          <a:p>
-            <a:pPr>
-              <a:defRPr/>
-            </a:pPr>
-            <a:endParaRPr lang="en-US"/>
+          <p:cNvPr id="2018585820" name="Title 1"/>
+          <p:cNvSpPr>
+            <a:spLocks noGrp="1"/>
+          </p:cNvSpPr>
+          <p:nvPr>
+            <p:ph type="title"/>
+          </p:nvPr>
+        </p:nvSpPr>
+        <p:spPr bwMode="auto"/>
+        <p:txBody>
+          <a:bodyPr/>
+          <a:lstStyle/>
+          <a:p>
+            <a:pPr>
+              <a:defRPr/>
+            </a:pPr>
+            <a:r>
+              <a:rPr/>
+              <a:t>17. Amazon Pay</a:t>
+            </a:r>
+            <a:endParaRPr/>
+          </a:p>
+        </p:txBody>
+      </p:sp>
+      <p:sp>
+        <p:nvSpPr>
+          <p:cNvPr id="683250756" name="Content Placeholder 2"/>
+          <p:cNvSpPr>
+            <a:spLocks noGrp="1"/>
+          </p:cNvSpPr>
+          <p:nvPr>
+            <p:ph idx="1"/>
+          </p:nvPr>
+        </p:nvSpPr>
+        <p:spPr bwMode="auto"/>
+        <p:txBody>
+          <a:bodyPr/>
+          <a:lstStyle/>
+          <a:p>
+            <a:pPr>
+              <a:defRPr/>
+            </a:pPr>
+            <a:r>
+              <a:rPr/>
+              <a:t>Details about 17. Amazon Pay will be explained here.</a:t>
+            </a:r>
+            <a:endParaRPr/>
           </a:p>
         </p:txBody>
       </p:sp>
@@ -6828,49 +6733,53 @@
       </p:grpSpPr>
       <p:sp>
         <p:nvSpPr>
-          <p:cNvPr id="1757254133" name="Title 1"/>
-          <p:cNvSpPr>
-            <a:spLocks noGrp="1"/>
-          </p:cNvSpPr>
-          <p:nvPr>
-            <p:ph type="ctrTitle"/>
-          </p:nvPr>
-        </p:nvSpPr>
-        <p:spPr bwMode="auto"/>
-        <p:txBody>
-          <a:bodyPr/>
-          <a:lstStyle/>
-          <a:p>
-            <a:pPr>
-              <a:defRPr/>
-            </a:pPr>
-            <a:r>
-              <a:rPr lang="en-US"/>
-              <a:t>This is slide 1 of data</a:t>
-            </a:r>
-            <a:endParaRPr lang="en-US"/>
-          </a:p>
-        </p:txBody>
-      </p:sp>
-      <p:sp>
-        <p:nvSpPr>
-          <p:cNvPr id="1683726786" name="Subtitle 2"/>
-          <p:cNvSpPr>
-            <a:spLocks noGrp="1"/>
-          </p:cNvSpPr>
-          <p:nvPr>
-            <p:ph type="subTitle" idx="1"/>
-          </p:nvPr>
-        </p:nvSpPr>
-        <p:spPr bwMode="auto"/>
-        <p:txBody>
-          <a:bodyPr/>
-          <a:lstStyle/>
-          <a:p>
-            <a:pPr>
-              <a:defRPr/>
-            </a:pPr>
-            <a:endParaRPr lang="en-US"/>
+          <p:cNvPr id="465365846" name="Title 1"/>
+          <p:cNvSpPr>
+            <a:spLocks noGrp="1"/>
+          </p:cNvSpPr>
+          <p:nvPr>
+            <p:ph type="title"/>
+          </p:nvPr>
+        </p:nvSpPr>
+        <p:spPr bwMode="auto"/>
+        <p:txBody>
+          <a:bodyPr/>
+          <a:lstStyle/>
+          <a:p>
+            <a:pPr>
+              <a:defRPr/>
+            </a:pPr>
+            <a:r>
+              <a:rPr/>
+              <a:t>18. Amazon Photos Cloud Storage</a:t>
+            </a:r>
+            <a:endParaRPr/>
+          </a:p>
+        </p:txBody>
+      </p:sp>
+      <p:sp>
+        <p:nvSpPr>
+          <p:cNvPr id="288510996" name="Content Placeholder 2"/>
+          <p:cNvSpPr>
+            <a:spLocks noGrp="1"/>
+          </p:cNvSpPr>
+          <p:nvPr>
+            <p:ph idx="1"/>
+          </p:nvPr>
+        </p:nvSpPr>
+        <p:spPr bwMode="auto"/>
+        <p:txBody>
+          <a:bodyPr/>
+          <a:lstStyle/>
+          <a:p>
+            <a:pPr>
+              <a:defRPr/>
+            </a:pPr>
+            <a:r>
+              <a:rPr/>
+              <a:t>Details about 18. Amazon Photos Cloud Storage will be explained here.</a:t>
+            </a:r>
+            <a:endParaRPr/>
           </a:p>
         </p:txBody>
       </p:sp>
@@ -6909,49 +6818,53 @@
       </p:grpSpPr>
       <p:sp>
         <p:nvSpPr>
-          <p:cNvPr id="79461631" name="Title 1"/>
-          <p:cNvSpPr>
-            <a:spLocks noGrp="1"/>
-          </p:cNvSpPr>
-          <p:nvPr>
-            <p:ph type="ctrTitle"/>
-          </p:nvPr>
-        </p:nvSpPr>
-        <p:spPr bwMode="auto"/>
-        <p:txBody>
-          <a:bodyPr/>
-          <a:lstStyle/>
-          <a:p>
-            <a:pPr>
-              <a:defRPr/>
-            </a:pPr>
-            <a:r>
-              <a:rPr lang="en-US"/>
-              <a:t>This is slide 1 of data</a:t>
-            </a:r>
-            <a:endParaRPr lang="en-US"/>
-          </a:p>
-        </p:txBody>
-      </p:sp>
-      <p:sp>
-        <p:nvSpPr>
-          <p:cNvPr id="740205904" name="Subtitle 2"/>
-          <p:cNvSpPr>
-            <a:spLocks noGrp="1"/>
-          </p:cNvSpPr>
-          <p:nvPr>
-            <p:ph type="subTitle" idx="1"/>
-          </p:nvPr>
-        </p:nvSpPr>
-        <p:spPr bwMode="auto"/>
-        <p:txBody>
-          <a:bodyPr/>
-          <a:lstStyle/>
-          <a:p>
-            <a:pPr>
-              <a:defRPr/>
-            </a:pPr>
-            <a:endParaRPr lang="en-US"/>
+          <p:cNvPr id="1797508264" name="Title 1"/>
+          <p:cNvSpPr>
+            <a:spLocks noGrp="1"/>
+          </p:cNvSpPr>
+          <p:nvPr>
+            <p:ph type="title"/>
+          </p:nvPr>
+        </p:nvSpPr>
+        <p:spPr bwMode="auto"/>
+        <p:txBody>
+          <a:bodyPr/>
+          <a:lstStyle/>
+          <a:p>
+            <a:pPr>
+              <a:defRPr/>
+            </a:pPr>
+            <a:r>
+              <a:rPr/>
+              <a:t>1. One-Click Ordering</a:t>
+            </a:r>
+            <a:endParaRPr/>
+          </a:p>
+        </p:txBody>
+      </p:sp>
+      <p:sp>
+        <p:nvSpPr>
+          <p:cNvPr id="1966584794" name="Content Placeholder 2"/>
+          <p:cNvSpPr>
+            <a:spLocks noGrp="1"/>
+          </p:cNvSpPr>
+          <p:nvPr>
+            <p:ph idx="1"/>
+          </p:nvPr>
+        </p:nvSpPr>
+        <p:spPr bwMode="auto"/>
+        <p:txBody>
+          <a:bodyPr/>
+          <a:lstStyle/>
+          <a:p>
+            <a:pPr>
+              <a:defRPr/>
+            </a:pPr>
+            <a:r>
+              <a:rPr/>
+              <a:t>Details about 1. One-Click Ordering will be explained here.</a:t>
+            </a:r>
+            <a:endParaRPr/>
           </a:p>
         </p:txBody>
       </p:sp>
@@ -6990,49 +6903,53 @@
       </p:grpSpPr>
       <p:sp>
         <p:nvSpPr>
-          <p:cNvPr id="30133946" name="Title 1"/>
-          <p:cNvSpPr>
-            <a:spLocks noGrp="1"/>
-          </p:cNvSpPr>
-          <p:nvPr>
-            <p:ph type="ctrTitle"/>
-          </p:nvPr>
-        </p:nvSpPr>
-        <p:spPr bwMode="auto"/>
-        <p:txBody>
-          <a:bodyPr/>
-          <a:lstStyle/>
-          <a:p>
-            <a:pPr>
-              <a:defRPr/>
-            </a:pPr>
-            <a:r>
-              <a:rPr lang="en-US"/>
-              <a:t>This is slide 1 of data</a:t>
-            </a:r>
-            <a:endParaRPr lang="en-US"/>
-          </a:p>
-        </p:txBody>
-      </p:sp>
-      <p:sp>
-        <p:nvSpPr>
-          <p:cNvPr id="574254397" name="Subtitle 2"/>
-          <p:cNvSpPr>
-            <a:spLocks noGrp="1"/>
-          </p:cNvSpPr>
-          <p:nvPr>
-            <p:ph type="subTitle" idx="1"/>
-          </p:nvPr>
-        </p:nvSpPr>
-        <p:spPr bwMode="auto"/>
-        <p:txBody>
-          <a:bodyPr/>
-          <a:lstStyle/>
-          <a:p>
-            <a:pPr>
-              <a:defRPr/>
-            </a:pPr>
-            <a:endParaRPr lang="en-US"/>
+          <p:cNvPr id="2017398795" name="Title 1"/>
+          <p:cNvSpPr>
+            <a:spLocks noGrp="1"/>
+          </p:cNvSpPr>
+          <p:nvPr>
+            <p:ph type="title"/>
+          </p:nvPr>
+        </p:nvSpPr>
+        <p:spPr bwMode="auto"/>
+        <p:txBody>
+          <a:bodyPr/>
+          <a:lstStyle/>
+          <a:p>
+            <a:pPr>
+              <a:defRPr/>
+            </a:pPr>
+            <a:r>
+              <a:rPr/>
+              <a:t>19. Prime Wardrobe (Try Before You Buy)</a:t>
+            </a:r>
+            <a:endParaRPr/>
+          </a:p>
+        </p:txBody>
+      </p:sp>
+      <p:sp>
+        <p:nvSpPr>
+          <p:cNvPr id="1108198327" name="Content Placeholder 2"/>
+          <p:cNvSpPr>
+            <a:spLocks noGrp="1"/>
+          </p:cNvSpPr>
+          <p:nvPr>
+            <p:ph idx="1"/>
+          </p:nvPr>
+        </p:nvSpPr>
+        <p:spPr bwMode="auto"/>
+        <p:txBody>
+          <a:bodyPr/>
+          <a:lstStyle/>
+          <a:p>
+            <a:pPr>
+              <a:defRPr/>
+            </a:pPr>
+            <a:r>
+              <a:rPr/>
+              <a:t>Details about 19. Prime Wardrobe (Try Before You Buy) will be explained here.</a:t>
+            </a:r>
+            <a:endParaRPr/>
           </a:p>
         </p:txBody>
       </p:sp>
@@ -7071,49 +6988,53 @@
       </p:grpSpPr>
       <p:sp>
         <p:nvSpPr>
-          <p:cNvPr id="761677668" name="Title 1"/>
-          <p:cNvSpPr>
-            <a:spLocks noGrp="1"/>
-          </p:cNvSpPr>
-          <p:nvPr>
-            <p:ph type="ctrTitle"/>
-          </p:nvPr>
-        </p:nvSpPr>
-        <p:spPr bwMode="auto"/>
-        <p:txBody>
-          <a:bodyPr/>
-          <a:lstStyle/>
-          <a:p>
-            <a:pPr>
-              <a:defRPr/>
-            </a:pPr>
-            <a:r>
-              <a:rPr lang="en-US"/>
-              <a:t>This is slide 1 of data</a:t>
-            </a:r>
-            <a:endParaRPr lang="en-US"/>
-          </a:p>
-        </p:txBody>
-      </p:sp>
-      <p:sp>
-        <p:nvSpPr>
-          <p:cNvPr id="1030390788" name="Subtitle 2"/>
-          <p:cNvSpPr>
-            <a:spLocks noGrp="1"/>
-          </p:cNvSpPr>
-          <p:nvPr>
-            <p:ph type="subTitle" idx="1"/>
-          </p:nvPr>
-        </p:nvSpPr>
-        <p:spPr bwMode="auto"/>
-        <p:txBody>
-          <a:bodyPr/>
-          <a:lstStyle/>
-          <a:p>
-            <a:pPr>
-              <a:defRPr/>
-            </a:pPr>
-            <a:endParaRPr lang="en-US"/>
+          <p:cNvPr id="364996568" name="Title 1"/>
+          <p:cNvSpPr>
+            <a:spLocks noGrp="1"/>
+          </p:cNvSpPr>
+          <p:nvPr>
+            <p:ph type="title"/>
+          </p:nvPr>
+        </p:nvSpPr>
+        <p:spPr bwMode="auto"/>
+        <p:txBody>
+          <a:bodyPr/>
+          <a:lstStyle/>
+          <a:p>
+            <a:pPr>
+              <a:defRPr/>
+            </a:pPr>
+            <a:r>
+              <a:rPr/>
+              <a:t>20. Amazon Pharmacy</a:t>
+            </a:r>
+            <a:endParaRPr/>
+          </a:p>
+        </p:txBody>
+      </p:sp>
+      <p:sp>
+        <p:nvSpPr>
+          <p:cNvPr id="1425471856" name="Content Placeholder 2"/>
+          <p:cNvSpPr>
+            <a:spLocks noGrp="1"/>
+          </p:cNvSpPr>
+          <p:nvPr>
+            <p:ph idx="1"/>
+          </p:nvPr>
+        </p:nvSpPr>
+        <p:spPr bwMode="auto"/>
+        <p:txBody>
+          <a:bodyPr/>
+          <a:lstStyle/>
+          <a:p>
+            <a:pPr>
+              <a:defRPr/>
+            </a:pPr>
+            <a:r>
+              <a:rPr/>
+              <a:t>Details about 20. Amazon Pharmacy will be explained here.</a:t>
+            </a:r>
+            <a:endParaRPr/>
           </a:p>
         </p:txBody>
       </p:sp>
@@ -7152,49 +7073,53 @@
       </p:grpSpPr>
       <p:sp>
         <p:nvSpPr>
-          <p:cNvPr id="1327623811" name="Title 1"/>
-          <p:cNvSpPr>
-            <a:spLocks noGrp="1"/>
-          </p:cNvSpPr>
-          <p:nvPr>
-            <p:ph type="ctrTitle"/>
-          </p:nvPr>
-        </p:nvSpPr>
-        <p:spPr bwMode="auto"/>
-        <p:txBody>
-          <a:bodyPr/>
-          <a:lstStyle/>
-          <a:p>
-            <a:pPr>
-              <a:defRPr/>
-            </a:pPr>
-            <a:r>
-              <a:rPr lang="en-US"/>
-              <a:t>This is slide 1 of data</a:t>
-            </a:r>
-            <a:endParaRPr lang="en-US"/>
-          </a:p>
-        </p:txBody>
-      </p:sp>
-      <p:sp>
-        <p:nvSpPr>
-          <p:cNvPr id="2016243966" name="Subtitle 2"/>
-          <p:cNvSpPr>
-            <a:spLocks noGrp="1"/>
-          </p:cNvSpPr>
-          <p:nvPr>
-            <p:ph type="subTitle" idx="1"/>
-          </p:nvPr>
-        </p:nvSpPr>
-        <p:spPr bwMode="auto"/>
-        <p:txBody>
-          <a:bodyPr/>
-          <a:lstStyle/>
-          <a:p>
-            <a:pPr>
-              <a:defRPr/>
-            </a:pPr>
-            <a:endParaRPr lang="en-US"/>
+          <p:cNvPr id="2048606515" name="Title 1"/>
+          <p:cNvSpPr>
+            <a:spLocks noGrp="1"/>
+          </p:cNvSpPr>
+          <p:nvPr>
+            <p:ph type="title"/>
+          </p:nvPr>
+        </p:nvSpPr>
+        <p:spPr bwMode="auto"/>
+        <p:txBody>
+          <a:bodyPr/>
+          <a:lstStyle/>
+          <a:p>
+            <a:pPr>
+              <a:defRPr/>
+            </a:pPr>
+            <a:r>
+              <a:rPr/>
+              <a:t>21. Amazon Luna (Cloud Gaming)</a:t>
+            </a:r>
+            <a:endParaRPr/>
+          </a:p>
+        </p:txBody>
+      </p:sp>
+      <p:sp>
+        <p:nvSpPr>
+          <p:cNvPr id="1605377530" name="Content Placeholder 2"/>
+          <p:cNvSpPr>
+            <a:spLocks noGrp="1"/>
+          </p:cNvSpPr>
+          <p:nvPr>
+            <p:ph idx="1"/>
+          </p:nvPr>
+        </p:nvSpPr>
+        <p:spPr bwMode="auto"/>
+        <p:txBody>
+          <a:bodyPr/>
+          <a:lstStyle/>
+          <a:p>
+            <a:pPr>
+              <a:defRPr/>
+            </a:pPr>
+            <a:r>
+              <a:rPr/>
+              <a:t>Details about 21. Amazon Luna (Cloud Gaming) will be explained here.</a:t>
+            </a:r>
+            <a:endParaRPr/>
           </a:p>
         </p:txBody>
       </p:sp>
@@ -7233,49 +7158,53 @@
       </p:grpSpPr>
       <p:sp>
         <p:nvSpPr>
-          <p:cNvPr id="1445276216" name="Title 1"/>
-          <p:cNvSpPr>
-            <a:spLocks noGrp="1"/>
-          </p:cNvSpPr>
-          <p:nvPr>
-            <p:ph type="ctrTitle"/>
-          </p:nvPr>
-        </p:nvSpPr>
-        <p:spPr bwMode="auto"/>
-        <p:txBody>
-          <a:bodyPr/>
-          <a:lstStyle/>
-          <a:p>
-            <a:pPr>
-              <a:defRPr/>
-            </a:pPr>
-            <a:r>
-              <a:rPr lang="en-US"/>
-              <a:t>This is slide 1 of data</a:t>
-            </a:r>
-            <a:endParaRPr lang="en-US"/>
-          </a:p>
-        </p:txBody>
-      </p:sp>
-      <p:sp>
-        <p:nvSpPr>
-          <p:cNvPr id="929468492" name="Subtitle 2"/>
-          <p:cNvSpPr>
-            <a:spLocks noGrp="1"/>
-          </p:cNvSpPr>
-          <p:nvPr>
-            <p:ph type="subTitle" idx="1"/>
-          </p:nvPr>
-        </p:nvSpPr>
-        <p:spPr bwMode="auto"/>
-        <p:txBody>
-          <a:bodyPr/>
-          <a:lstStyle/>
-          <a:p>
-            <a:pPr>
-              <a:defRPr/>
-            </a:pPr>
-            <a:endParaRPr lang="en-US"/>
+          <p:cNvPr id="1953680878" name="Title 1"/>
+          <p:cNvSpPr>
+            <a:spLocks noGrp="1"/>
+          </p:cNvSpPr>
+          <p:nvPr>
+            <p:ph type="title"/>
+          </p:nvPr>
+        </p:nvSpPr>
+        <p:spPr bwMode="auto"/>
+        <p:txBody>
+          <a:bodyPr/>
+          <a:lstStyle/>
+          <a:p>
+            <a:pPr>
+              <a:defRPr/>
+            </a:pPr>
+            <a:r>
+              <a:rPr/>
+              <a:t>22. Amazon Devices (Echo, Fire TV, etc.)</a:t>
+            </a:r>
+            <a:endParaRPr/>
+          </a:p>
+        </p:txBody>
+      </p:sp>
+      <p:sp>
+        <p:nvSpPr>
+          <p:cNvPr id="1974451059" name="Content Placeholder 2"/>
+          <p:cNvSpPr>
+            <a:spLocks noGrp="1"/>
+          </p:cNvSpPr>
+          <p:nvPr>
+            <p:ph idx="1"/>
+          </p:nvPr>
+        </p:nvSpPr>
+        <p:spPr bwMode="auto"/>
+        <p:txBody>
+          <a:bodyPr/>
+          <a:lstStyle/>
+          <a:p>
+            <a:pPr>
+              <a:defRPr/>
+            </a:pPr>
+            <a:r>
+              <a:rPr/>
+              <a:t>Details about 22. Amazon Devices (Echo, Fire TV, etc.) will be explained here.</a:t>
+            </a:r>
+            <a:endParaRPr/>
           </a:p>
         </p:txBody>
       </p:sp>
@@ -7314,49 +7243,53 @@
       </p:grpSpPr>
       <p:sp>
         <p:nvSpPr>
-          <p:cNvPr id="709099237" name="Title 1"/>
-          <p:cNvSpPr>
-            <a:spLocks noGrp="1"/>
-          </p:cNvSpPr>
-          <p:nvPr>
-            <p:ph type="ctrTitle"/>
-          </p:nvPr>
-        </p:nvSpPr>
-        <p:spPr bwMode="auto"/>
-        <p:txBody>
-          <a:bodyPr/>
-          <a:lstStyle/>
-          <a:p>
-            <a:pPr>
-              <a:defRPr/>
-            </a:pPr>
-            <a:r>
-              <a:rPr lang="en-US"/>
-              <a:t>This is slide 1 of data</a:t>
-            </a:r>
-            <a:endParaRPr lang="en-US"/>
-          </a:p>
-        </p:txBody>
-      </p:sp>
-      <p:sp>
-        <p:nvSpPr>
-          <p:cNvPr id="725251624" name="Subtitle 2"/>
-          <p:cNvSpPr>
-            <a:spLocks noGrp="1"/>
-          </p:cNvSpPr>
-          <p:nvPr>
-            <p:ph type="subTitle" idx="1"/>
-          </p:nvPr>
-        </p:nvSpPr>
-        <p:spPr bwMode="auto"/>
-        <p:txBody>
-          <a:bodyPr/>
-          <a:lstStyle/>
-          <a:p>
-            <a:pPr>
-              <a:defRPr/>
-            </a:pPr>
-            <a:endParaRPr lang="en-US"/>
+          <p:cNvPr id="333295709" name="Title 1"/>
+          <p:cNvSpPr>
+            <a:spLocks noGrp="1"/>
+          </p:cNvSpPr>
+          <p:nvPr>
+            <p:ph type="title"/>
+          </p:nvPr>
+        </p:nvSpPr>
+        <p:spPr bwMode="auto"/>
+        <p:txBody>
+          <a:bodyPr/>
+          <a:lstStyle/>
+          <a:p>
+            <a:pPr>
+              <a:defRPr/>
+            </a:pPr>
+            <a:r>
+              <a:rPr/>
+              <a:t>23. Subscribe with Amazon</a:t>
+            </a:r>
+            <a:endParaRPr/>
+          </a:p>
+        </p:txBody>
+      </p:sp>
+      <p:sp>
+        <p:nvSpPr>
+          <p:cNvPr id="688168363" name="Content Placeholder 2"/>
+          <p:cNvSpPr>
+            <a:spLocks noGrp="1"/>
+          </p:cNvSpPr>
+          <p:nvPr>
+            <p:ph idx="1"/>
+          </p:nvPr>
+        </p:nvSpPr>
+        <p:spPr bwMode="auto"/>
+        <p:txBody>
+          <a:bodyPr/>
+          <a:lstStyle/>
+          <a:p>
+            <a:pPr>
+              <a:defRPr/>
+            </a:pPr>
+            <a:r>
+              <a:rPr/>
+              <a:t>Details about 23. Subscribe with Amazon will be explained here.</a:t>
+            </a:r>
+            <a:endParaRPr/>
           </a:p>
         </p:txBody>
       </p:sp>
@@ -7395,49 +7328,53 @@
       </p:grpSpPr>
       <p:sp>
         <p:nvSpPr>
-          <p:cNvPr id="1692956103" name="Title 1"/>
-          <p:cNvSpPr>
-            <a:spLocks noGrp="1"/>
-          </p:cNvSpPr>
-          <p:nvPr>
-            <p:ph type="ctrTitle"/>
-          </p:nvPr>
-        </p:nvSpPr>
-        <p:spPr bwMode="auto"/>
-        <p:txBody>
-          <a:bodyPr/>
-          <a:lstStyle/>
-          <a:p>
-            <a:pPr>
-              <a:defRPr/>
-            </a:pPr>
-            <a:r>
-              <a:rPr lang="en-US"/>
-              <a:t>This is slide 1 of data</a:t>
-            </a:r>
-            <a:endParaRPr lang="en-US"/>
-          </a:p>
-        </p:txBody>
-      </p:sp>
-      <p:sp>
-        <p:nvSpPr>
-          <p:cNvPr id="1978247766" name="Subtitle 2"/>
-          <p:cNvSpPr>
-            <a:spLocks noGrp="1"/>
-          </p:cNvSpPr>
-          <p:nvPr>
-            <p:ph type="subTitle" idx="1"/>
-          </p:nvPr>
-        </p:nvSpPr>
-        <p:spPr bwMode="auto"/>
-        <p:txBody>
-          <a:bodyPr/>
-          <a:lstStyle/>
-          <a:p>
-            <a:pPr>
-              <a:defRPr/>
-            </a:pPr>
-            <a:endParaRPr lang="en-US"/>
+          <p:cNvPr id="130116457" name="Title 1"/>
+          <p:cNvSpPr>
+            <a:spLocks noGrp="1"/>
+          </p:cNvSpPr>
+          <p:nvPr>
+            <p:ph type="title"/>
+          </p:nvPr>
+        </p:nvSpPr>
+        <p:spPr bwMode="auto"/>
+        <p:txBody>
+          <a:bodyPr/>
+          <a:lstStyle/>
+          <a:p>
+            <a:pPr>
+              <a:defRPr/>
+            </a:pPr>
+            <a:r>
+              <a:rPr/>
+              <a:t>24. Amazon Renewed (Refurbished Products)</a:t>
+            </a:r>
+            <a:endParaRPr/>
+          </a:p>
+        </p:txBody>
+      </p:sp>
+      <p:sp>
+        <p:nvSpPr>
+          <p:cNvPr id="1191185524" name="Content Placeholder 2"/>
+          <p:cNvSpPr>
+            <a:spLocks noGrp="1"/>
+          </p:cNvSpPr>
+          <p:nvPr>
+            <p:ph idx="1"/>
+          </p:nvPr>
+        </p:nvSpPr>
+        <p:spPr bwMode="auto"/>
+        <p:txBody>
+          <a:bodyPr/>
+          <a:lstStyle/>
+          <a:p>
+            <a:pPr>
+              <a:defRPr/>
+            </a:pPr>
+            <a:r>
+              <a:rPr/>
+              <a:t>Details about 24. Amazon Renewed (Refurbished Products) will be explained here.</a:t>
+            </a:r>
+            <a:endParaRPr/>
           </a:p>
         </p:txBody>
       </p:sp>
@@ -7476,49 +7413,53 @@
       </p:grpSpPr>
       <p:sp>
         <p:nvSpPr>
-          <p:cNvPr id="1877911863" name="Title 1"/>
-          <p:cNvSpPr>
-            <a:spLocks noGrp="1"/>
-          </p:cNvSpPr>
-          <p:nvPr>
-            <p:ph type="ctrTitle"/>
-          </p:nvPr>
-        </p:nvSpPr>
-        <p:spPr bwMode="auto"/>
-        <p:txBody>
-          <a:bodyPr/>
-          <a:lstStyle/>
-          <a:p>
-            <a:pPr>
-              <a:defRPr/>
-            </a:pPr>
-            <a:r>
-              <a:rPr lang="en-US"/>
-              <a:t>This is slide 1 of data</a:t>
-            </a:r>
-            <a:endParaRPr lang="en-US"/>
-          </a:p>
-        </p:txBody>
-      </p:sp>
-      <p:sp>
-        <p:nvSpPr>
-          <p:cNvPr id="1859430399" name="Subtitle 2"/>
-          <p:cNvSpPr>
-            <a:spLocks noGrp="1"/>
-          </p:cNvSpPr>
-          <p:nvPr>
-            <p:ph type="subTitle" idx="1"/>
-          </p:nvPr>
-        </p:nvSpPr>
-        <p:spPr bwMode="auto"/>
-        <p:txBody>
-          <a:bodyPr/>
-          <a:lstStyle/>
-          <a:p>
-            <a:pPr>
-              <a:defRPr/>
-            </a:pPr>
-            <a:endParaRPr lang="en-US"/>
+          <p:cNvPr id="662164348" name="Title 1"/>
+          <p:cNvSpPr>
+            <a:spLocks noGrp="1"/>
+          </p:cNvSpPr>
+          <p:nvPr>
+            <p:ph type="title"/>
+          </p:nvPr>
+        </p:nvSpPr>
+        <p:spPr bwMode="auto"/>
+        <p:txBody>
+          <a:bodyPr/>
+          <a:lstStyle/>
+          <a:p>
+            <a:pPr>
+              <a:defRPr/>
+            </a:pPr>
+            <a:r>
+              <a:rPr/>
+              <a:t>25. Amazon Business Solutions</a:t>
+            </a:r>
+            <a:endParaRPr/>
+          </a:p>
+        </p:txBody>
+      </p:sp>
+      <p:sp>
+        <p:nvSpPr>
+          <p:cNvPr id="964553174" name="Content Placeholder 2"/>
+          <p:cNvSpPr>
+            <a:spLocks noGrp="1"/>
+          </p:cNvSpPr>
+          <p:nvPr>
+            <p:ph idx="1"/>
+          </p:nvPr>
+        </p:nvSpPr>
+        <p:spPr bwMode="auto"/>
+        <p:txBody>
+          <a:bodyPr/>
+          <a:lstStyle/>
+          <a:p>
+            <a:pPr>
+              <a:defRPr/>
+            </a:pPr>
+            <a:r>
+              <a:rPr/>
+              <a:t>Details about 25. Amazon Business Solutions will be explained here.</a:t>
+            </a:r>
+            <a:endParaRPr/>
           </a:p>
         </p:txBody>
       </p:sp>
@@ -7557,49 +7498,53 @@
       </p:grpSpPr>
       <p:sp>
         <p:nvSpPr>
-          <p:cNvPr id="1274769292" name="Title 1"/>
-          <p:cNvSpPr>
-            <a:spLocks noGrp="1"/>
-          </p:cNvSpPr>
-          <p:nvPr>
-            <p:ph type="ctrTitle"/>
-          </p:nvPr>
-        </p:nvSpPr>
-        <p:spPr bwMode="auto"/>
-        <p:txBody>
-          <a:bodyPr/>
-          <a:lstStyle/>
-          <a:p>
-            <a:pPr>
-              <a:defRPr/>
-            </a:pPr>
-            <a:r>
-              <a:rPr lang="en-US"/>
-              <a:t>This is slide 1 of data</a:t>
-            </a:r>
-            <a:endParaRPr lang="en-US"/>
-          </a:p>
-        </p:txBody>
-      </p:sp>
-      <p:sp>
-        <p:nvSpPr>
-          <p:cNvPr id="402113391" name="Subtitle 2"/>
-          <p:cNvSpPr>
-            <a:spLocks noGrp="1"/>
-          </p:cNvSpPr>
-          <p:nvPr>
-            <p:ph type="subTitle" idx="1"/>
-          </p:nvPr>
-        </p:nvSpPr>
-        <p:spPr bwMode="auto"/>
-        <p:txBody>
-          <a:bodyPr/>
-          <a:lstStyle/>
-          <a:p>
-            <a:pPr>
-              <a:defRPr/>
-            </a:pPr>
-            <a:endParaRPr lang="en-US"/>
+          <p:cNvPr id="969868512" name="Title 1"/>
+          <p:cNvSpPr>
+            <a:spLocks noGrp="1"/>
+          </p:cNvSpPr>
+          <p:nvPr>
+            <p:ph type="title"/>
+          </p:nvPr>
+        </p:nvSpPr>
+        <p:spPr bwMode="auto"/>
+        <p:txBody>
+          <a:bodyPr/>
+          <a:lstStyle/>
+          <a:p>
+            <a:pPr>
+              <a:defRPr/>
+            </a:pPr>
+            <a:r>
+              <a:rPr/>
+              <a:t>2. Personalized Recommendations</a:t>
+            </a:r>
+            <a:endParaRPr/>
+          </a:p>
+        </p:txBody>
+      </p:sp>
+      <p:sp>
+        <p:nvSpPr>
+          <p:cNvPr id="903507631" name="Content Placeholder 2"/>
+          <p:cNvSpPr>
+            <a:spLocks noGrp="1"/>
+          </p:cNvSpPr>
+          <p:nvPr>
+            <p:ph idx="1"/>
+          </p:nvPr>
+        </p:nvSpPr>
+        <p:spPr bwMode="auto"/>
+        <p:txBody>
+          <a:bodyPr/>
+          <a:lstStyle/>
+          <a:p>
+            <a:pPr>
+              <a:defRPr/>
+            </a:pPr>
+            <a:r>
+              <a:rPr/>
+              <a:t>Details about 2. Personalized Recommendations will be explained here.</a:t>
+            </a:r>
+            <a:endParaRPr/>
           </a:p>
         </p:txBody>
       </p:sp>
@@ -7638,49 +7583,53 @@
       </p:grpSpPr>
       <p:sp>
         <p:nvSpPr>
-          <p:cNvPr id="1112874264" name="Title 1"/>
-          <p:cNvSpPr>
-            <a:spLocks noGrp="1"/>
-          </p:cNvSpPr>
-          <p:nvPr>
-            <p:ph type="ctrTitle"/>
-          </p:nvPr>
-        </p:nvSpPr>
-        <p:spPr bwMode="auto"/>
-        <p:txBody>
-          <a:bodyPr/>
-          <a:lstStyle/>
-          <a:p>
-            <a:pPr>
-              <a:defRPr/>
-            </a:pPr>
-            <a:r>
-              <a:rPr lang="en-US"/>
-              <a:t>This is slide 1 of data</a:t>
-            </a:r>
-            <a:endParaRPr lang="en-US"/>
-          </a:p>
-        </p:txBody>
-      </p:sp>
-      <p:sp>
-        <p:nvSpPr>
-          <p:cNvPr id="2059964007" name="Subtitle 2"/>
-          <p:cNvSpPr>
-            <a:spLocks noGrp="1"/>
-          </p:cNvSpPr>
-          <p:nvPr>
-            <p:ph type="subTitle" idx="1"/>
-          </p:nvPr>
-        </p:nvSpPr>
-        <p:spPr bwMode="auto"/>
-        <p:txBody>
-          <a:bodyPr/>
-          <a:lstStyle/>
-          <a:p>
-            <a:pPr>
-              <a:defRPr/>
-            </a:pPr>
-            <a:endParaRPr lang="en-US"/>
+          <p:cNvPr id="1751797580" name="Title 1"/>
+          <p:cNvSpPr>
+            <a:spLocks noGrp="1"/>
+          </p:cNvSpPr>
+          <p:nvPr>
+            <p:ph type="title"/>
+          </p:nvPr>
+        </p:nvSpPr>
+        <p:spPr bwMode="auto"/>
+        <p:txBody>
+          <a:bodyPr/>
+          <a:lstStyle/>
+          <a:p>
+            <a:pPr>
+              <a:defRPr/>
+            </a:pPr>
+            <a:r>
+              <a:rPr/>
+              <a:t>3. Amazon Prime Membership</a:t>
+            </a:r>
+            <a:endParaRPr/>
+          </a:p>
+        </p:txBody>
+      </p:sp>
+      <p:sp>
+        <p:nvSpPr>
+          <p:cNvPr id="1016882380" name="Content Placeholder 2"/>
+          <p:cNvSpPr>
+            <a:spLocks noGrp="1"/>
+          </p:cNvSpPr>
+          <p:nvPr>
+            <p:ph idx="1"/>
+          </p:nvPr>
+        </p:nvSpPr>
+        <p:spPr bwMode="auto"/>
+        <p:txBody>
+          <a:bodyPr/>
+          <a:lstStyle/>
+          <a:p>
+            <a:pPr>
+              <a:defRPr/>
+            </a:pPr>
+            <a:r>
+              <a:rPr/>
+              <a:t>Details about 3. Amazon Prime Membership will be explained here.</a:t>
+            </a:r>
+            <a:endParaRPr/>
           </a:p>
         </p:txBody>
       </p:sp>
@@ -7719,49 +7668,53 @@
       </p:grpSpPr>
       <p:sp>
         <p:nvSpPr>
-          <p:cNvPr id="1246060737" name="Title 1"/>
-          <p:cNvSpPr>
-            <a:spLocks noGrp="1"/>
-          </p:cNvSpPr>
-          <p:nvPr>
-            <p:ph type="ctrTitle"/>
-          </p:nvPr>
-        </p:nvSpPr>
-        <p:spPr bwMode="auto"/>
-        <p:txBody>
-          <a:bodyPr/>
-          <a:lstStyle/>
-          <a:p>
-            <a:pPr>
-              <a:defRPr/>
-            </a:pPr>
-            <a:r>
-              <a:rPr lang="en-US"/>
-              <a:t>This is slide 1 of data</a:t>
-            </a:r>
-            <a:endParaRPr lang="en-US"/>
-          </a:p>
-        </p:txBody>
-      </p:sp>
-      <p:sp>
-        <p:nvSpPr>
-          <p:cNvPr id="587980022" name="Subtitle 2"/>
-          <p:cNvSpPr>
-            <a:spLocks noGrp="1"/>
-          </p:cNvSpPr>
-          <p:nvPr>
-            <p:ph type="subTitle" idx="1"/>
-          </p:nvPr>
-        </p:nvSpPr>
-        <p:spPr bwMode="auto"/>
-        <p:txBody>
-          <a:bodyPr/>
-          <a:lstStyle/>
-          <a:p>
-            <a:pPr>
-              <a:defRPr/>
-            </a:pPr>
-            <a:endParaRPr lang="en-US"/>
+          <p:cNvPr id="1139540307" name="Title 1"/>
+          <p:cNvSpPr>
+            <a:spLocks noGrp="1"/>
+          </p:cNvSpPr>
+          <p:nvPr>
+            <p:ph type="title"/>
+          </p:nvPr>
+        </p:nvSpPr>
+        <p:spPr bwMode="auto"/>
+        <p:txBody>
+          <a:bodyPr/>
+          <a:lstStyle/>
+          <a:p>
+            <a:pPr>
+              <a:defRPr/>
+            </a:pPr>
+            <a:r>
+              <a:rPr/>
+              <a:t>4. Same-Day &amp; Two-Day Delivery</a:t>
+            </a:r>
+            <a:endParaRPr/>
+          </a:p>
+        </p:txBody>
+      </p:sp>
+      <p:sp>
+        <p:nvSpPr>
+          <p:cNvPr id="66197884" name="Content Placeholder 2"/>
+          <p:cNvSpPr>
+            <a:spLocks noGrp="1"/>
+          </p:cNvSpPr>
+          <p:nvPr>
+            <p:ph idx="1"/>
+          </p:nvPr>
+        </p:nvSpPr>
+        <p:spPr bwMode="auto"/>
+        <p:txBody>
+          <a:bodyPr/>
+          <a:lstStyle/>
+          <a:p>
+            <a:pPr>
+              <a:defRPr/>
+            </a:pPr>
+            <a:r>
+              <a:rPr/>
+              <a:t>Details about 4. Same-Day &amp; Two-Day Delivery will be explained here.</a:t>
+            </a:r>
+            <a:endParaRPr/>
           </a:p>
         </p:txBody>
       </p:sp>
@@ -7800,49 +7753,53 @@
       </p:grpSpPr>
       <p:sp>
         <p:nvSpPr>
-          <p:cNvPr id="2054937119" name="Title 1"/>
-          <p:cNvSpPr>
-            <a:spLocks noGrp="1"/>
-          </p:cNvSpPr>
-          <p:nvPr>
-            <p:ph type="ctrTitle"/>
-          </p:nvPr>
-        </p:nvSpPr>
-        <p:spPr bwMode="auto"/>
-        <p:txBody>
-          <a:bodyPr/>
-          <a:lstStyle/>
-          <a:p>
-            <a:pPr>
-              <a:defRPr/>
-            </a:pPr>
-            <a:r>
-              <a:rPr lang="en-US"/>
-              <a:t>This is slide 1 of data</a:t>
-            </a:r>
-            <a:endParaRPr lang="en-US"/>
-          </a:p>
-        </p:txBody>
-      </p:sp>
-      <p:sp>
-        <p:nvSpPr>
-          <p:cNvPr id="281612690" name="Subtitle 2"/>
-          <p:cNvSpPr>
-            <a:spLocks noGrp="1"/>
-          </p:cNvSpPr>
-          <p:nvPr>
-            <p:ph type="subTitle" idx="1"/>
-          </p:nvPr>
-        </p:nvSpPr>
-        <p:spPr bwMode="auto"/>
-        <p:txBody>
-          <a:bodyPr/>
-          <a:lstStyle/>
-          <a:p>
-            <a:pPr>
-              <a:defRPr/>
-            </a:pPr>
-            <a:endParaRPr lang="en-US"/>
+          <p:cNvPr id="1229886154" name="Title 1"/>
+          <p:cNvSpPr>
+            <a:spLocks noGrp="1"/>
+          </p:cNvSpPr>
+          <p:nvPr>
+            <p:ph type="title"/>
+          </p:nvPr>
+        </p:nvSpPr>
+        <p:spPr bwMode="auto"/>
+        <p:txBody>
+          <a:bodyPr/>
+          <a:lstStyle/>
+          <a:p>
+            <a:pPr>
+              <a:defRPr/>
+            </a:pPr>
+            <a:r>
+              <a:rPr/>
+              <a:t>5. Subscribe &amp; Save</a:t>
+            </a:r>
+            <a:endParaRPr/>
+          </a:p>
+        </p:txBody>
+      </p:sp>
+      <p:sp>
+        <p:nvSpPr>
+          <p:cNvPr id="1999680" name="Content Placeholder 2"/>
+          <p:cNvSpPr>
+            <a:spLocks noGrp="1"/>
+          </p:cNvSpPr>
+          <p:nvPr>
+            <p:ph idx="1"/>
+          </p:nvPr>
+        </p:nvSpPr>
+        <p:spPr bwMode="auto"/>
+        <p:txBody>
+          <a:bodyPr/>
+          <a:lstStyle/>
+          <a:p>
+            <a:pPr>
+              <a:defRPr/>
+            </a:pPr>
+            <a:r>
+              <a:rPr/>
+              <a:t>Details about 5. Subscribe &amp; Save will be explained here.</a:t>
+            </a:r>
+            <a:endParaRPr/>
           </a:p>
         </p:txBody>
       </p:sp>
@@ -7881,49 +7838,53 @@
       </p:grpSpPr>
       <p:sp>
         <p:nvSpPr>
-          <p:cNvPr id="740009753" name="Title 1"/>
-          <p:cNvSpPr>
-            <a:spLocks noGrp="1"/>
-          </p:cNvSpPr>
-          <p:nvPr>
-            <p:ph type="ctrTitle"/>
-          </p:nvPr>
-        </p:nvSpPr>
-        <p:spPr bwMode="auto"/>
-        <p:txBody>
-          <a:bodyPr/>
-          <a:lstStyle/>
-          <a:p>
-            <a:pPr>
-              <a:defRPr/>
-            </a:pPr>
-            <a:r>
-              <a:rPr lang="en-US"/>
-              <a:t>This is slide 1 of data</a:t>
-            </a:r>
-            <a:endParaRPr lang="en-US"/>
-          </a:p>
-        </p:txBody>
-      </p:sp>
-      <p:sp>
-        <p:nvSpPr>
-          <p:cNvPr id="1619989471" name="Subtitle 2"/>
-          <p:cNvSpPr>
-            <a:spLocks noGrp="1"/>
-          </p:cNvSpPr>
-          <p:nvPr>
-            <p:ph type="subTitle" idx="1"/>
-          </p:nvPr>
-        </p:nvSpPr>
-        <p:spPr bwMode="auto"/>
-        <p:txBody>
-          <a:bodyPr/>
-          <a:lstStyle/>
-          <a:p>
-            <a:pPr>
-              <a:defRPr/>
-            </a:pPr>
-            <a:endParaRPr lang="en-US"/>
+          <p:cNvPr id="1309658582" name="Title 1"/>
+          <p:cNvSpPr>
+            <a:spLocks noGrp="1"/>
+          </p:cNvSpPr>
+          <p:nvPr>
+            <p:ph type="title"/>
+          </p:nvPr>
+        </p:nvSpPr>
+        <p:spPr bwMode="auto"/>
+        <p:txBody>
+          <a:bodyPr/>
+          <a:lstStyle/>
+          <a:p>
+            <a:pPr>
+              <a:defRPr/>
+            </a:pPr>
+            <a:r>
+              <a:rPr/>
+              <a:t>6. Alexa Voice Shopping</a:t>
+            </a:r>
+            <a:endParaRPr/>
+          </a:p>
+        </p:txBody>
+      </p:sp>
+      <p:sp>
+        <p:nvSpPr>
+          <p:cNvPr id="1501283300" name="Content Placeholder 2"/>
+          <p:cNvSpPr>
+            <a:spLocks noGrp="1"/>
+          </p:cNvSpPr>
+          <p:nvPr>
+            <p:ph idx="1"/>
+          </p:nvPr>
+        </p:nvSpPr>
+        <p:spPr bwMode="auto"/>
+        <p:txBody>
+          <a:bodyPr/>
+          <a:lstStyle/>
+          <a:p>
+            <a:pPr>
+              <a:defRPr/>
+            </a:pPr>
+            <a:r>
+              <a:rPr/>
+              <a:t>Details about 6. Alexa Voice Shopping will be explained here.</a:t>
+            </a:r>
+            <a:endParaRPr/>
           </a:p>
         </p:txBody>
       </p:sp>
@@ -7962,49 +7923,53 @@
       </p:grpSpPr>
       <p:sp>
         <p:nvSpPr>
-          <p:cNvPr id="290208556" name="Title 1"/>
-          <p:cNvSpPr>
-            <a:spLocks noGrp="1"/>
-          </p:cNvSpPr>
-          <p:nvPr>
-            <p:ph type="ctrTitle"/>
-          </p:nvPr>
-        </p:nvSpPr>
-        <p:spPr bwMode="auto"/>
-        <p:txBody>
-          <a:bodyPr/>
-          <a:lstStyle/>
-          <a:p>
-            <a:pPr>
-              <a:defRPr/>
-            </a:pPr>
-            <a:r>
-              <a:rPr lang="en-US"/>
-              <a:t>This is slide 1 of data</a:t>
-            </a:r>
-            <a:endParaRPr lang="en-US"/>
-          </a:p>
-        </p:txBody>
-      </p:sp>
-      <p:sp>
-        <p:nvSpPr>
-          <p:cNvPr id="1602077822" name="Subtitle 2"/>
-          <p:cNvSpPr>
-            <a:spLocks noGrp="1"/>
-          </p:cNvSpPr>
-          <p:nvPr>
-            <p:ph type="subTitle" idx="1"/>
-          </p:nvPr>
-        </p:nvSpPr>
-        <p:spPr bwMode="auto"/>
-        <p:txBody>
-          <a:bodyPr/>
-          <a:lstStyle/>
-          <a:p>
-            <a:pPr>
-              <a:defRPr/>
-            </a:pPr>
-            <a:endParaRPr lang="en-US"/>
+          <p:cNvPr id="182468653" name="Title 1"/>
+          <p:cNvSpPr>
+            <a:spLocks noGrp="1"/>
+          </p:cNvSpPr>
+          <p:nvPr>
+            <p:ph type="title"/>
+          </p:nvPr>
+        </p:nvSpPr>
+        <p:spPr bwMode="auto"/>
+        <p:txBody>
+          <a:bodyPr/>
+          <a:lstStyle/>
+          <a:p>
+            <a:pPr>
+              <a:defRPr/>
+            </a:pPr>
+            <a:r>
+              <a:rPr/>
+              <a:t>7. Dash Buttons &amp; Replenishment</a:t>
+            </a:r>
+            <a:endParaRPr/>
+          </a:p>
+        </p:txBody>
+      </p:sp>
+      <p:sp>
+        <p:nvSpPr>
+          <p:cNvPr id="995445428" name="Content Placeholder 2"/>
+          <p:cNvSpPr>
+            <a:spLocks noGrp="1"/>
+          </p:cNvSpPr>
+          <p:nvPr>
+            <p:ph idx="1"/>
+          </p:nvPr>
+        </p:nvSpPr>
+        <p:spPr bwMode="auto"/>
+        <p:txBody>
+          <a:bodyPr/>
+          <a:lstStyle/>
+          <a:p>
+            <a:pPr>
+              <a:defRPr/>
+            </a:pPr>
+            <a:r>
+              <a:rPr/>
+              <a:t>Details about 7. Dash Buttons &amp; Replenishment will be explained here.</a:t>
+            </a:r>
+            <a:endParaRPr/>
           </a:p>
         </p:txBody>
       </p:sp>
@@ -8043,49 +8008,53 @@
       </p:grpSpPr>
       <p:sp>
         <p:nvSpPr>
-          <p:cNvPr id="1516264451" name="Title 1"/>
-          <p:cNvSpPr>
-            <a:spLocks noGrp="1"/>
-          </p:cNvSpPr>
-          <p:nvPr>
-            <p:ph type="ctrTitle"/>
-          </p:nvPr>
-        </p:nvSpPr>
-        <p:spPr bwMode="auto"/>
-        <p:txBody>
-          <a:bodyPr/>
-          <a:lstStyle/>
-          <a:p>
-            <a:pPr>
-              <a:defRPr/>
-            </a:pPr>
-            <a:r>
-              <a:rPr lang="en-US"/>
-              <a:t>This is slide 1 of data</a:t>
-            </a:r>
-            <a:endParaRPr lang="en-US"/>
-          </a:p>
-        </p:txBody>
-      </p:sp>
-      <p:sp>
-        <p:nvSpPr>
-          <p:cNvPr id="1416801427" name="Subtitle 2"/>
-          <p:cNvSpPr>
-            <a:spLocks noGrp="1"/>
-          </p:cNvSpPr>
-          <p:nvPr>
-            <p:ph type="subTitle" idx="1"/>
-          </p:nvPr>
-        </p:nvSpPr>
-        <p:spPr bwMode="auto"/>
-        <p:txBody>
-          <a:bodyPr/>
-          <a:lstStyle/>
-          <a:p>
-            <a:pPr>
-              <a:defRPr/>
-            </a:pPr>
-            <a:endParaRPr lang="en-US"/>
+          <p:cNvPr id="1979666335" name="Title 1"/>
+          <p:cNvSpPr>
+            <a:spLocks noGrp="1"/>
+          </p:cNvSpPr>
+          <p:nvPr>
+            <p:ph type="title"/>
+          </p:nvPr>
+        </p:nvSpPr>
+        <p:spPr bwMode="auto"/>
+        <p:txBody>
+          <a:bodyPr/>
+          <a:lstStyle/>
+          <a:p>
+            <a:pPr>
+              <a:defRPr/>
+            </a:pPr>
+            <a:r>
+              <a:rPr/>
+              <a:t>8. Amazon Fresh &amp; Pantry</a:t>
+            </a:r>
+            <a:endParaRPr/>
+          </a:p>
+        </p:txBody>
+      </p:sp>
+      <p:sp>
+        <p:nvSpPr>
+          <p:cNvPr id="1536416092" name="Content Placeholder 2"/>
+          <p:cNvSpPr>
+            <a:spLocks noGrp="1"/>
+          </p:cNvSpPr>
+          <p:nvPr>
+            <p:ph idx="1"/>
+          </p:nvPr>
+        </p:nvSpPr>
+        <p:spPr bwMode="auto"/>
+        <p:txBody>
+          <a:bodyPr/>
+          <a:lstStyle/>
+          <a:p>
+            <a:pPr>
+              <a:defRPr/>
+            </a:pPr>
+            <a:r>
+              <a:rPr/>
+              <a:t>Details about 8. Amazon Fresh &amp; Pantry will be explained here.</a:t>
+            </a:r>
+            <a:endParaRPr/>
           </a:p>
         </p:txBody>
       </p:sp>
@@ -8108,7 +8077,7 @@
 <file path=ppt/theme/theme1.xml><?xml version="1.0" encoding="utf-8"?>
 <a:theme xmlns:a="http://schemas.openxmlformats.org/drawingml/2006/main" xmlns:r="http://schemas.openxmlformats.org/officeDocument/2006/relationships" xmlns:p="http://schemas.openxmlformats.org/presentationml/2006/main" name="Office Theme">
   <a:themeElements>
-    <a:clrScheme name="New Office">
+    <a:clrScheme name="Office">
       <a:dk1>
         <a:sysClr val="windowText" lastClr="000000"/>
       </a:dk1>
@@ -8116,49 +8085,49 @@
         <a:sysClr val="window" lastClr="FFFFFF"/>
       </a:lt1>
       <a:dk2>
-        <a:srgbClr val="44546A"/>
+        <a:srgbClr val="1F497D"/>
       </a:dk2>
       <a:lt2>
-        <a:srgbClr val="E7E6E6"/>
+        <a:srgbClr val="EEECE1"/>
       </a:lt2>
       <a:accent1>
-        <a:srgbClr val="5B9BD5"/>
+        <a:srgbClr val="4F81BD"/>
       </a:accent1>
       <a:accent2>
-        <a:srgbClr val="ED7D31"/>
+        <a:srgbClr val="C0504D"/>
       </a:accent2>
       <a:accent3>
-        <a:srgbClr val="A5A5A5"/>
+        <a:srgbClr val="9BBB59"/>
       </a:accent3>
       <a:accent4>
-        <a:srgbClr val="FFC000"/>
+        <a:srgbClr val="8064A2"/>
       </a:accent4>
       <a:accent5>
-        <a:srgbClr val="4472C4"/>
+        <a:srgbClr val="4BACC6"/>
       </a:accent5>
       <a:accent6>
-        <a:srgbClr val="70AD47"/>
+        <a:srgbClr val="F79646"/>
       </a:accent6>
       <a:hlink>
-        <a:srgbClr val="0563C1"/>
+        <a:srgbClr val="0000FF"/>
       </a:hlink>
       <a:folHlink>
-        <a:srgbClr val="954F72"/>
+        <a:srgbClr val="800080"/>
       </a:folHlink>
     </a:clrScheme>
-    <a:fontScheme name="Office Theme">
+    <a:fontScheme name="Office">
       <a:majorFont>
-        <a:latin typeface="Arial"/>
+        <a:latin typeface="Calibri"/>
         <a:ea typeface="Arial"/>
         <a:cs typeface="Arial"/>
       </a:majorFont>
       <a:minorFont>
-        <a:latin typeface="Arial"/>
+        <a:latin typeface="Calibri"/>
         <a:ea typeface="Arial"/>
         <a:cs typeface="Arial"/>
       </a:minorFont>
     </a:fontScheme>
-    <a:fmtScheme name="Office Theme">
+    <a:fmtScheme name="Office">
       <a:fillStyleLst>
         <a:solidFill>
           <a:schemeClr val="phClr"/>
@@ -8167,136 +8136,196 @@
           <a:gsLst>
             <a:gs pos="0">
               <a:schemeClr val="phClr">
-                <a:lumMod val="110000"/>
-                <a:satMod val="105000"/>
-                <a:tint val="67000"/>
+                <a:tint val="50000"/>
+                <a:satMod val="300000"/>
               </a:schemeClr>
             </a:gs>
-            <a:gs pos="50000">
+            <a:gs pos="35000">
               <a:schemeClr val="phClr">
-                <a:lumMod val="105000"/>
-                <a:satMod val="103000"/>
-                <a:tint val="73000"/>
+                <a:tint val="37000"/>
+                <a:satMod val="300000"/>
               </a:schemeClr>
             </a:gs>
             <a:gs pos="100000">
               <a:schemeClr val="phClr">
-                <a:lumMod val="105000"/>
-                <a:satMod val="109000"/>
-                <a:tint val="81000"/>
+                <a:tint val="15000"/>
+                <a:satMod val="350000"/>
               </a:schemeClr>
             </a:gs>
           </a:gsLst>
-          <a:lin ang="5400000" scaled="0"/>
+          <a:lin ang="16200000" scaled="1"/>
         </a:gradFill>
         <a:gradFill>
           <a:gsLst>
             <a:gs pos="0">
               <a:schemeClr val="phClr">
-                <a:satMod val="103000"/>
-                <a:lumMod val="102000"/>
-                <a:tint val="94000"/>
-              </a:schemeClr>
-            </a:gs>
-            <a:gs pos="50000">
-              <a:schemeClr val="phClr">
-                <a:satMod val="110000"/>
-                <a:lumMod val="100000"/>
+                <a:tint val="100000"/>
                 <a:shade val="100000"/>
+                <a:satMod val="130000"/>
               </a:schemeClr>
             </a:gs>
             <a:gs pos="100000">
               <a:schemeClr val="phClr">
-                <a:lumMod val="99000"/>
-                <a:satMod val="120000"/>
-                <a:shade val="78000"/>
+                <a:tint val="50000"/>
+                <a:shade val="100000"/>
+                <a:satMod val="350000"/>
               </a:schemeClr>
             </a:gs>
           </a:gsLst>
-          <a:lin ang="5400000" scaled="0"/>
+          <a:lin ang="16200000" scaled="0"/>
         </a:gradFill>
       </a:fillStyleLst>
       <a:lnStyleLst>
-        <a:ln w="6350" cap="flat" cmpd="sng" algn="ctr">
+        <a:ln w="9525" cap="flat" cmpd="sng" algn="ctr">
+          <a:solidFill>
+            <a:schemeClr val="phClr">
+              <a:shade val="95000"/>
+              <a:satMod val="105000"/>
+            </a:schemeClr>
+          </a:solidFill>
+          <a:prstDash val="solid"/>
+        </a:ln>
+        <a:ln w="25400" cap="flat" cmpd="sng" algn="ctr">
           <a:solidFill>
             <a:schemeClr val="phClr"/>
           </a:solidFill>
           <a:prstDash val="solid"/>
-          <a:miter lim="800000"/>
         </a:ln>
-        <a:ln w="12700" cap="flat" cmpd="sng" algn="ctr">
+        <a:ln w="38100" cap="flat" cmpd="sng" algn="ctr">
           <a:solidFill>
             <a:schemeClr val="phClr"/>
           </a:solidFill>
           <a:prstDash val="solid"/>
-          <a:miter lim="800000"/>
-        </a:ln>
-        <a:ln w="19050" cap="flat" cmpd="sng" algn="ctr">
-          <a:solidFill>
-            <a:schemeClr val="phClr"/>
-          </a:solidFill>
-          <a:prstDash val="solid"/>
-          <a:miter lim="800000"/>
         </a:ln>
       </a:lnStyleLst>
       <a:effectStyleLst>
         <a:effectStyle>
-          <a:effectLst/>
-        </a:effectStyle>
-        <a:effectStyle>
-          <a:effectLst/>
+          <a:effectLst>
+            <a:outerShdw blurRad="40000" dist="20000" dir="5400000" rotWithShape="0">
+              <a:srgbClr val="000000">
+                <a:alpha val="38000"/>
+              </a:srgbClr>
+            </a:outerShdw>
+          </a:effectLst>
         </a:effectStyle>
         <a:effectStyle>
           <a:effectLst>
-            <a:outerShdw blurRad="57150" dist="19050" dir="5400000" algn="ctr" rotWithShape="0">
+            <a:outerShdw blurRad="40000" dist="23000" dir="5400000" rotWithShape="0">
               <a:srgbClr val="000000">
-                <a:alpha val="63000"/>
+                <a:alpha val="35000"/>
               </a:srgbClr>
             </a:outerShdw>
           </a:effectLst>
+        </a:effectStyle>
+        <a:effectStyle>
+          <a:effectLst>
+            <a:outerShdw blurRad="40000" dist="23000" dir="5400000" rotWithShape="0">
+              <a:srgbClr val="000000">
+                <a:alpha val="35000"/>
+              </a:srgbClr>
+            </a:outerShdw>
+          </a:effectLst>
+          <a:scene3d>
+            <a:camera prst="orthographicFront">
+              <a:rot lat="0" lon="0" rev="0"/>
+            </a:camera>
+            <a:lightRig rig="threePt" dir="t">
+              <a:rot lat="0" lon="0" rev="1200000"/>
+            </a:lightRig>
+          </a:scene3d>
+          <a:sp3d>
+            <a:bevelT w="63500" h="25400"/>
+          </a:sp3d>
         </a:effectStyle>
       </a:effectStyleLst>
       <a:bgFillStyleLst>
         <a:solidFill>
           <a:schemeClr val="phClr"/>
         </a:solidFill>
-        <a:solidFill>
-          <a:schemeClr val="phClr">
-            <a:tint val="95000"/>
-            <a:satMod val="170000"/>
-          </a:schemeClr>
-        </a:solidFill>
         <a:gradFill>
           <a:gsLst>
             <a:gs pos="0">
               <a:schemeClr val="phClr">
-                <a:tint val="93000"/>
-                <a:satMod val="150000"/>
-                <a:shade val="98000"/>
-                <a:lumMod val="102000"/>
+                <a:tint val="40000"/>
+                <a:satMod val="350000"/>
               </a:schemeClr>
             </a:gs>
-            <a:gs pos="50000">
+            <a:gs pos="40000">
               <a:schemeClr val="phClr">
-                <a:tint val="98000"/>
-                <a:satMod val="130000"/>
-                <a:shade val="90000"/>
-                <a:lumMod val="103000"/>
+                <a:tint val="45000"/>
+                <a:shade val="99000"/>
+                <a:satMod val="350000"/>
               </a:schemeClr>
             </a:gs>
             <a:gs pos="100000">
               <a:schemeClr val="phClr">
-                <a:shade val="63000"/>
-                <a:satMod val="120000"/>
+                <a:shade val="20000"/>
+                <a:satMod val="255000"/>
               </a:schemeClr>
             </a:gs>
           </a:gsLst>
-          <a:lin ang="5400000" scaled="0"/>
+          <a:path path="circle"/>
+        </a:gradFill>
+        <a:gradFill>
+          <a:gsLst>
+            <a:gs pos="0">
+              <a:schemeClr val="phClr">
+                <a:tint val="80000"/>
+                <a:satMod val="300000"/>
+              </a:schemeClr>
+            </a:gs>
+            <a:gs pos="100000">
+              <a:schemeClr val="phClr">
+                <a:shade val="30000"/>
+                <a:satMod val="200000"/>
+              </a:schemeClr>
+            </a:gs>
+          </a:gsLst>
+          <a:path path="circle"/>
         </a:gradFill>
       </a:bgFillStyleLst>
     </a:fmtScheme>
   </a:themeElements>
-  <a:objectDefaults/>
+  <a:objectDefaults>
+    <a:spDef>
+      <a:spPr bwMode="auto"/>
+      <a:bodyPr/>
+      <a:lstStyle/>
+      <a:style>
+        <a:lnRef idx="1">
+          <a:schemeClr val="accent1"/>
+        </a:lnRef>
+        <a:fillRef idx="3">
+          <a:schemeClr val="accent1"/>
+        </a:fillRef>
+        <a:effectRef idx="2">
+          <a:schemeClr val="accent1"/>
+        </a:effectRef>
+        <a:fontRef idx="minor">
+          <a:schemeClr val="lt1"/>
+        </a:fontRef>
+      </a:style>
+    </a:spDef>
+    <a:lnDef>
+      <a:spPr bwMode="auto"/>
+      <a:bodyPr/>
+      <a:lstStyle/>
+      <a:style>
+        <a:lnRef idx="2">
+          <a:schemeClr val="accent1"/>
+        </a:lnRef>
+        <a:fillRef idx="0">
+          <a:schemeClr val="accent1"/>
+        </a:fillRef>
+        <a:effectRef idx="1">
+          <a:schemeClr val="accent1"/>
+        </a:effectRef>
+        <a:fontRef idx="minor">
+          <a:schemeClr val="tx1"/>
+        </a:fontRef>
+      </a:style>
+    </a:lnDef>
+  </a:objectDefaults>
 </a:theme>
 </file>
 
@@ -8311,44 +8340,44 @@
         <a:sysClr val="window" lastClr="FFFFFF"/>
       </a:lt1>
       <a:dk2>
-        <a:srgbClr val="44546A"/>
+        <a:srgbClr val="1F497D"/>
       </a:dk2>
       <a:lt2>
-        <a:srgbClr val="E7E6E6"/>
+        <a:srgbClr val="EEECE1"/>
       </a:lt2>
       <a:accent1>
-        <a:srgbClr val="5B9BD5"/>
+        <a:srgbClr val="4F81BD"/>
       </a:accent1>
       <a:accent2>
-        <a:srgbClr val="ED7D31"/>
+        <a:srgbClr val="C0504D"/>
       </a:accent2>
       <a:accent3>
-        <a:srgbClr val="A5A5A5"/>
+        <a:srgbClr val="9BBB59"/>
       </a:accent3>
       <a:accent4>
-        <a:srgbClr val="FFC000"/>
+        <a:srgbClr val="8064A2"/>
       </a:accent4>
       <a:accent5>
-        <a:srgbClr val="4472C4"/>
+        <a:srgbClr val="4BACC6"/>
       </a:accent5>
       <a:accent6>
-        <a:srgbClr val="70AD47"/>
+        <a:srgbClr val="F79646"/>
       </a:accent6>
       <a:hlink>
-        <a:srgbClr val="0563C1"/>
+        <a:srgbClr val="0000FF"/>
       </a:hlink>
       <a:folHlink>
-        <a:srgbClr val="954F72"/>
+        <a:srgbClr val="800080"/>
       </a:folHlink>
     </a:clrScheme>
-    <a:fontScheme name="Arial">
+    <a:fontScheme name="">
       <a:majorFont>
-        <a:latin typeface="Arial"/>
+        <a:latin typeface="Calibri"/>
         <a:ea typeface="Arial"/>
         <a:cs typeface="Arial"/>
       </a:majorFont>
       <a:minorFont>
-        <a:latin typeface="Arial"/>
+        <a:latin typeface="Calibri"/>
         <a:ea typeface="Arial"/>
         <a:cs typeface="Arial"/>
       </a:minorFont>
@@ -8362,135 +8391,195 @@
           <a:gsLst>
             <a:gs pos="0">
               <a:schemeClr val="phClr">
-                <a:lumMod val="110000"/>
-                <a:satMod val="105000"/>
-                <a:tint val="67000"/>
+                <a:tint val="50000"/>
+                <a:satMod val="300000"/>
               </a:schemeClr>
             </a:gs>
-            <a:gs pos="50000">
+            <a:gs pos="35000">
               <a:schemeClr val="phClr">
-                <a:lumMod val="105000"/>
-                <a:satMod val="103000"/>
-                <a:tint val="73000"/>
+                <a:tint val="37000"/>
+                <a:satMod val="300000"/>
               </a:schemeClr>
             </a:gs>
             <a:gs pos="100000">
               <a:schemeClr val="phClr">
-                <a:lumMod val="105000"/>
-                <a:satMod val="109000"/>
-                <a:tint val="81000"/>
+                <a:tint val="15000"/>
+                <a:satMod val="350000"/>
               </a:schemeClr>
             </a:gs>
           </a:gsLst>
-          <a:lin ang="5400000" scaled="0"/>
+          <a:lin ang="16200000" scaled="1"/>
         </a:gradFill>
         <a:gradFill>
           <a:gsLst>
             <a:gs pos="0">
               <a:schemeClr val="phClr">
-                <a:satMod val="103000"/>
-                <a:lumMod val="102000"/>
-                <a:tint val="94000"/>
-              </a:schemeClr>
-            </a:gs>
-            <a:gs pos="50000">
-              <a:schemeClr val="phClr">
-                <a:satMod val="110000"/>
-                <a:lumMod val="100000"/>
+                <a:tint val="100000"/>
                 <a:shade val="100000"/>
+                <a:satMod val="130000"/>
               </a:schemeClr>
             </a:gs>
             <a:gs pos="100000">
               <a:schemeClr val="phClr">
-                <a:lumMod val="99000"/>
-                <a:satMod val="120000"/>
-                <a:shade val="78000"/>
+                <a:tint val="50000"/>
+                <a:shade val="100000"/>
+                <a:satMod val="350000"/>
               </a:schemeClr>
             </a:gs>
           </a:gsLst>
-          <a:lin ang="5400000" scaled="0"/>
+          <a:lin ang="16200000" scaled="0"/>
         </a:gradFill>
       </a:fillStyleLst>
       <a:lnStyleLst>
-        <a:ln w="6350" cap="flat" cmpd="sng" algn="ctr">
+        <a:ln w="9525" cap="flat" cmpd="sng" algn="ctr">
+          <a:solidFill>
+            <a:schemeClr val="phClr">
+              <a:shade val="95000"/>
+              <a:satMod val="105000"/>
+            </a:schemeClr>
+          </a:solidFill>
+          <a:prstDash val="solid"/>
+        </a:ln>
+        <a:ln w="25400" cap="flat" cmpd="sng" algn="ctr">
           <a:solidFill>
             <a:schemeClr val="phClr"/>
           </a:solidFill>
           <a:prstDash val="solid"/>
-          <a:miter lim="800000"/>
         </a:ln>
-        <a:ln w="12700" cap="flat" cmpd="sng" algn="ctr">
+        <a:ln w="38100" cap="flat" cmpd="sng" algn="ctr">
           <a:solidFill>
             <a:schemeClr val="phClr"/>
           </a:solidFill>
           <a:prstDash val="solid"/>
-          <a:miter lim="800000"/>
-        </a:ln>
-        <a:ln w="19050" cap="flat" cmpd="sng" algn="ctr">
-          <a:solidFill>
-            <a:schemeClr val="phClr"/>
-          </a:solidFill>
-          <a:prstDash val="solid"/>
-          <a:miter lim="800000"/>
         </a:ln>
       </a:lnStyleLst>
       <a:effectStyleLst>
         <a:effectStyle>
-          <a:effectLst/>
-        </a:effectStyle>
-        <a:effectStyle>
-          <a:effectLst/>
+          <a:effectLst>
+            <a:outerShdw blurRad="40000" dist="20000" dir="5400000" rotWithShape="0">
+              <a:srgbClr val="000000">
+                <a:alpha val="38000"/>
+              </a:srgbClr>
+            </a:outerShdw>
+          </a:effectLst>
         </a:effectStyle>
         <a:effectStyle>
           <a:effectLst>
-            <a:outerShdw blurRad="57150" dist="19050" dir="5400000" algn="ctr" rotWithShape="0">
+            <a:outerShdw blurRad="40000" dist="23000" dir="5400000" rotWithShape="0">
               <a:srgbClr val="000000">
-                <a:alpha val="63000"/>
+                <a:alpha val="35000"/>
               </a:srgbClr>
             </a:outerShdw>
           </a:effectLst>
+        </a:effectStyle>
+        <a:effectStyle>
+          <a:effectLst>
+            <a:outerShdw blurRad="40000" dist="23000" dir="5400000" rotWithShape="0">
+              <a:srgbClr val="000000">
+                <a:alpha val="35000"/>
+              </a:srgbClr>
+            </a:outerShdw>
+          </a:effectLst>
+          <a:scene3d>
+            <a:camera prst="orthographicFront">
+              <a:rot lat="0" lon="0" rev="0"/>
+            </a:camera>
+            <a:lightRig rig="threePt" dir="t">
+              <a:rot lat="0" lon="0" rev="1200000"/>
+            </a:lightRig>
+          </a:scene3d>
+          <a:sp3d>
+            <a:bevelT w="63500" h="25400"/>
+          </a:sp3d>
         </a:effectStyle>
       </a:effectStyleLst>
       <a:bgFillStyleLst>
         <a:solidFill>
           <a:schemeClr val="phClr"/>
         </a:solidFill>
-        <a:solidFill>
-          <a:schemeClr val="phClr">
-            <a:tint val="95000"/>
-            <a:satMod val="170000"/>
-          </a:schemeClr>
-        </a:solidFill>
         <a:gradFill>
           <a:gsLst>
             <a:gs pos="0">
               <a:schemeClr val="phClr">
-                <a:tint val="93000"/>
-                <a:satMod val="150000"/>
-                <a:shade val="98000"/>
-                <a:lumMod val="102000"/>
+                <a:tint val="40000"/>
+                <a:satMod val="350000"/>
               </a:schemeClr>
             </a:gs>
-            <a:gs pos="50000">
+            <a:gs pos="40000">
               <a:schemeClr val="phClr">
-                <a:tint val="98000"/>
-                <a:satMod val="130000"/>
-                <a:shade val="90000"/>
-                <a:lumMod val="103000"/>
+                <a:tint val="45000"/>
+                <a:shade val="99000"/>
+                <a:satMod val="350000"/>
               </a:schemeClr>
             </a:gs>
             <a:gs pos="100000">
               <a:schemeClr val="phClr">
-                <a:shade val="63000"/>
-                <a:satMod val="120000"/>
+                <a:shade val="20000"/>
+                <a:satMod val="255000"/>
               </a:schemeClr>
             </a:gs>
           </a:gsLst>
-          <a:lin ang="5400000" scaled="0"/>
+          <a:path path="circle"/>
+        </a:gradFill>
+        <a:gradFill>
+          <a:gsLst>
+            <a:gs pos="0">
+              <a:schemeClr val="phClr">
+                <a:tint val="80000"/>
+                <a:satMod val="300000"/>
+              </a:schemeClr>
+            </a:gs>
+            <a:gs pos="100000">
+              <a:schemeClr val="phClr">
+                <a:shade val="30000"/>
+                <a:satMod val="200000"/>
+              </a:schemeClr>
+            </a:gs>
+          </a:gsLst>
+          <a:path path="circle"/>
         </a:gradFill>
       </a:bgFillStyleLst>
     </a:fmtScheme>
   </a:themeElements>
-  <a:objectDefaults/>
+  <a:objectDefaults>
+    <a:spDef>
+      <a:spPr bwMode="auto"/>
+      <a:bodyPr/>
+      <a:lstStyle/>
+      <a:style>
+        <a:lnRef idx="1">
+          <a:schemeClr val="accent1"/>
+        </a:lnRef>
+        <a:fillRef idx="3">
+          <a:schemeClr val="accent1"/>
+        </a:fillRef>
+        <a:effectRef idx="2">
+          <a:schemeClr val="accent1"/>
+        </a:effectRef>
+        <a:fontRef idx="minor">
+          <a:schemeClr val="lt1"/>
+        </a:fontRef>
+      </a:style>
+    </a:spDef>
+    <a:lnDef>
+      <a:spPr bwMode="auto"/>
+      <a:bodyPr/>
+      <a:lstStyle/>
+      <a:style>
+        <a:lnRef idx="2">
+          <a:schemeClr val="accent1"/>
+        </a:lnRef>
+        <a:fillRef idx="0">
+          <a:schemeClr val="accent1"/>
+        </a:fillRef>
+        <a:effectRef idx="1">
+          <a:schemeClr val="accent1"/>
+        </a:effectRef>
+        <a:fontRef idx="minor">
+          <a:schemeClr val="tx1"/>
+        </a:fontRef>
+      </a:style>
+    </a:lnDef>
+  </a:objectDefaults>
 </a:theme>
 </file>